--- a/Data Source/NHUNG/SeminarLiveTile.pptx
+++ b/Data Source/NHUNG/SeminarLiveTile.pptx
@@ -5,27 +5,38 @@
     <p:sldMasterId id="2147483672" r:id="rId1"/>
   </p:sldMasterIdLst>
   <p:notesMasterIdLst>
-    <p:notesMasterId r:id="rId17"/>
+    <p:notesMasterId r:id="rId28"/>
   </p:notesMasterIdLst>
   <p:handoutMasterIdLst>
-    <p:handoutMasterId r:id="rId18"/>
+    <p:handoutMasterId r:id="rId29"/>
   </p:handoutMasterIdLst>
   <p:sldIdLst>
     <p:sldId id="256" r:id="rId2"/>
     <p:sldId id="257" r:id="rId3"/>
     <p:sldId id="258" r:id="rId4"/>
-    <p:sldId id="259" r:id="rId5"/>
-    <p:sldId id="260" r:id="rId6"/>
-    <p:sldId id="261" r:id="rId7"/>
-    <p:sldId id="262" r:id="rId8"/>
-    <p:sldId id="263" r:id="rId9"/>
-    <p:sldId id="265" r:id="rId10"/>
-    <p:sldId id="267" r:id="rId11"/>
-    <p:sldId id="268" r:id="rId12"/>
-    <p:sldId id="269" r:id="rId13"/>
-    <p:sldId id="270" r:id="rId14"/>
-    <p:sldId id="271" r:id="rId15"/>
-    <p:sldId id="272" r:id="rId16"/>
+    <p:sldId id="281" r:id="rId5"/>
+    <p:sldId id="259" r:id="rId6"/>
+    <p:sldId id="260" r:id="rId7"/>
+    <p:sldId id="261" r:id="rId8"/>
+    <p:sldId id="262" r:id="rId9"/>
+    <p:sldId id="263" r:id="rId10"/>
+    <p:sldId id="265" r:id="rId11"/>
+    <p:sldId id="267" r:id="rId12"/>
+    <p:sldId id="268" r:id="rId13"/>
+    <p:sldId id="269" r:id="rId14"/>
+    <p:sldId id="270" r:id="rId15"/>
+    <p:sldId id="271" r:id="rId16"/>
+    <p:sldId id="272" r:id="rId17"/>
+    <p:sldId id="273" r:id="rId18"/>
+    <p:sldId id="274" r:id="rId19"/>
+    <p:sldId id="275" r:id="rId20"/>
+    <p:sldId id="276" r:id="rId21"/>
+    <p:sldId id="277" r:id="rId22"/>
+    <p:sldId id="278" r:id="rId23"/>
+    <p:sldId id="279" r:id="rId24"/>
+    <p:sldId id="280" r:id="rId25"/>
+    <p:sldId id="282" r:id="rId26"/>
+    <p:sldId id="283" r:id="rId27"/>
   </p:sldIdLst>
   <p:sldSz cx="9144000" cy="6858000" type="screen4x3"/>
   <p:notesSz cx="6858000" cy="9144000"/>
@@ -6688,11 +6699,18 @@
           <a:p>
             <a:pPr algn="r"/>
             <a:r>
+              <a:rPr lang="en-US" b="1" i="1" smtClean="0">
+                <a:latin typeface="Segoe UI" panose="020B0502040204020203" pitchFamily="34" charset="0"/>
+                <a:cs typeface="Segoe UI" panose="020B0502040204020203" pitchFamily="34" charset="0"/>
+              </a:rPr>
+              <a:t>GVHD:</a:t>
+            </a:r>
+            <a:r>
               <a:rPr lang="en-US" i="1" smtClean="0">
                 <a:latin typeface="Segoe UI" panose="020B0502040204020203" pitchFamily="34" charset="0"/>
                 <a:cs typeface="Segoe UI" panose="020B0502040204020203" pitchFamily="34" charset="0"/>
               </a:rPr>
-              <a:t>GVHD: ThS. Phan Nguyệt Minh</a:t>
+              <a:t> ThS. Phan Nguyệt Minh</a:t>
             </a:r>
             <a:endParaRPr lang="en-US" i="1">
               <a:latin typeface="Segoe UI" panose="020B0502040204020203" pitchFamily="34" charset="0"/>
@@ -6799,9 +6817,325 @@
   <p:timing>
     <p:tnLst>
       <p:par>
-        <p:cTn id="1" dur="indefinite" restart="never" nodeType="tmRoot"/>
+        <p:cTn id="1" dur="indefinite" restart="never" nodeType="tmRoot">
+          <p:childTnLst>
+            <p:seq concurrent="1" nextAc="seek">
+              <p:cTn id="2" dur="indefinite" nodeType="mainSeq">
+                <p:childTnLst>
+                  <p:par>
+                    <p:cTn id="3" fill="hold">
+                      <p:stCondLst>
+                        <p:cond delay="indefinite"/>
+                        <p:cond evt="onBegin" delay="0">
+                          <p:tn val="2"/>
+                        </p:cond>
+                      </p:stCondLst>
+                      <p:childTnLst>
+                        <p:par>
+                          <p:cTn id="4" fill="hold">
+                            <p:stCondLst>
+                              <p:cond delay="0"/>
+                            </p:stCondLst>
+                            <p:childTnLst>
+                              <p:par>
+                                <p:cTn id="5" presetID="55" presetClass="entr" presetSubtype="0" fill="hold" grpId="0" nodeType="withEffect">
+                                  <p:stCondLst>
+                                    <p:cond delay="0"/>
+                                  </p:stCondLst>
+                                  <p:childTnLst>
+                                    <p:set>
+                                      <p:cBhvr>
+                                        <p:cTn id="6" dur="1" fill="hold">
+                                          <p:stCondLst>
+                                            <p:cond delay="0"/>
+                                          </p:stCondLst>
+                                        </p:cTn>
+                                        <p:tgtEl>
+                                          <p:spTgt spid="2"/>
+                                        </p:tgtEl>
+                                        <p:attrNameLst>
+                                          <p:attrName>style.visibility</p:attrName>
+                                        </p:attrNameLst>
+                                      </p:cBhvr>
+                                      <p:to>
+                                        <p:strVal val="visible"/>
+                                      </p:to>
+                                    </p:set>
+                                    <p:anim calcmode="lin" valueType="num">
+                                      <p:cBhvr>
+                                        <p:cTn id="7" dur="1000" fill="hold"/>
+                                        <p:tgtEl>
+                                          <p:spTgt spid="2"/>
+                                        </p:tgtEl>
+                                        <p:attrNameLst>
+                                          <p:attrName>ppt_w</p:attrName>
+                                        </p:attrNameLst>
+                                      </p:cBhvr>
+                                      <p:tavLst>
+                                        <p:tav tm="0">
+                                          <p:val>
+                                            <p:strVal val="#ppt_w*0.70"/>
+                                          </p:val>
+                                        </p:tav>
+                                        <p:tav tm="100000">
+                                          <p:val>
+                                            <p:strVal val="#ppt_w"/>
+                                          </p:val>
+                                        </p:tav>
+                                      </p:tavLst>
+                                    </p:anim>
+                                    <p:anim calcmode="lin" valueType="num">
+                                      <p:cBhvr>
+                                        <p:cTn id="8" dur="1000" fill="hold"/>
+                                        <p:tgtEl>
+                                          <p:spTgt spid="2"/>
+                                        </p:tgtEl>
+                                        <p:attrNameLst>
+                                          <p:attrName>ppt_h</p:attrName>
+                                        </p:attrNameLst>
+                                      </p:cBhvr>
+                                      <p:tavLst>
+                                        <p:tav tm="0">
+                                          <p:val>
+                                            <p:strVal val="#ppt_h"/>
+                                          </p:val>
+                                        </p:tav>
+                                        <p:tav tm="100000">
+                                          <p:val>
+                                            <p:strVal val="#ppt_h"/>
+                                          </p:val>
+                                        </p:tav>
+                                      </p:tavLst>
+                                    </p:anim>
+                                    <p:animEffect transition="in" filter="fade">
+                                      <p:cBhvr>
+                                        <p:cTn id="9" dur="1000"/>
+                                        <p:tgtEl>
+                                          <p:spTgt spid="2"/>
+                                        </p:tgtEl>
+                                      </p:cBhvr>
+                                    </p:animEffect>
+                                  </p:childTnLst>
+                                </p:cTn>
+                              </p:par>
+                              <p:par>
+                                <p:cTn id="10" presetID="53" presetClass="entr" presetSubtype="16" fill="hold" nodeType="withEffect">
+                                  <p:stCondLst>
+                                    <p:cond delay="0"/>
+                                  </p:stCondLst>
+                                  <p:childTnLst>
+                                    <p:set>
+                                      <p:cBhvr>
+                                        <p:cTn id="11" dur="1" fill="hold">
+                                          <p:stCondLst>
+                                            <p:cond delay="0"/>
+                                          </p:stCondLst>
+                                        </p:cTn>
+                                        <p:tgtEl>
+                                          <p:spTgt spid="1026"/>
+                                        </p:tgtEl>
+                                        <p:attrNameLst>
+                                          <p:attrName>style.visibility</p:attrName>
+                                        </p:attrNameLst>
+                                      </p:cBhvr>
+                                      <p:to>
+                                        <p:strVal val="visible"/>
+                                      </p:to>
+                                    </p:set>
+                                    <p:anim calcmode="lin" valueType="num">
+                                      <p:cBhvr>
+                                        <p:cTn id="12" dur="1000" fill="hold"/>
+                                        <p:tgtEl>
+                                          <p:spTgt spid="1026"/>
+                                        </p:tgtEl>
+                                        <p:attrNameLst>
+                                          <p:attrName>ppt_w</p:attrName>
+                                        </p:attrNameLst>
+                                      </p:cBhvr>
+                                      <p:tavLst>
+                                        <p:tav tm="0">
+                                          <p:val>
+                                            <p:fltVal val="0"/>
+                                          </p:val>
+                                        </p:tav>
+                                        <p:tav tm="100000">
+                                          <p:val>
+                                            <p:strVal val="#ppt_w"/>
+                                          </p:val>
+                                        </p:tav>
+                                      </p:tavLst>
+                                    </p:anim>
+                                    <p:anim calcmode="lin" valueType="num">
+                                      <p:cBhvr>
+                                        <p:cTn id="13" dur="1000" fill="hold"/>
+                                        <p:tgtEl>
+                                          <p:spTgt spid="1026"/>
+                                        </p:tgtEl>
+                                        <p:attrNameLst>
+                                          <p:attrName>ppt_h</p:attrName>
+                                        </p:attrNameLst>
+                                      </p:cBhvr>
+                                      <p:tavLst>
+                                        <p:tav tm="0">
+                                          <p:val>
+                                            <p:fltVal val="0"/>
+                                          </p:val>
+                                        </p:tav>
+                                        <p:tav tm="100000">
+                                          <p:val>
+                                            <p:strVal val="#ppt_h"/>
+                                          </p:val>
+                                        </p:tav>
+                                      </p:tavLst>
+                                    </p:anim>
+                                    <p:animEffect transition="in" filter="fade">
+                                      <p:cBhvr>
+                                        <p:cTn id="14" dur="1000"/>
+                                        <p:tgtEl>
+                                          <p:spTgt spid="1026"/>
+                                        </p:tgtEl>
+                                      </p:cBhvr>
+                                    </p:animEffect>
+                                  </p:childTnLst>
+                                </p:cTn>
+                              </p:par>
+                            </p:childTnLst>
+                          </p:cTn>
+                        </p:par>
+                        <p:par>
+                          <p:cTn id="15" fill="hold">
+                            <p:stCondLst>
+                              <p:cond delay="1000"/>
+                            </p:stCondLst>
+                            <p:childTnLst>
+                              <p:par>
+                                <p:cTn id="16" presetID="50" presetClass="entr" presetSubtype="0" decel="100000" fill="hold" grpId="0" nodeType="afterEffect">
+                                  <p:stCondLst>
+                                    <p:cond delay="0"/>
+                                  </p:stCondLst>
+                                  <p:childTnLst>
+                                    <p:set>
+                                      <p:cBhvr>
+                                        <p:cTn id="17" dur="1" fill="hold">
+                                          <p:stCondLst>
+                                            <p:cond delay="0"/>
+                                          </p:stCondLst>
+                                        </p:cTn>
+                                        <p:tgtEl>
+                                          <p:spTgt spid="3">
+                                            <p:txEl>
+                                              <p:pRg st="0" end="0"/>
+                                            </p:txEl>
+                                          </p:spTgt>
+                                        </p:tgtEl>
+                                        <p:attrNameLst>
+                                          <p:attrName>style.visibility</p:attrName>
+                                        </p:attrNameLst>
+                                      </p:cBhvr>
+                                      <p:to>
+                                        <p:strVal val="visible"/>
+                                      </p:to>
+                                    </p:set>
+                                    <p:anim calcmode="lin" valueType="num">
+                                      <p:cBhvr>
+                                        <p:cTn id="18" dur="1000" fill="hold"/>
+                                        <p:tgtEl>
+                                          <p:spTgt spid="3">
+                                            <p:txEl>
+                                              <p:pRg st="0" end="0"/>
+                                            </p:txEl>
+                                          </p:spTgt>
+                                        </p:tgtEl>
+                                        <p:attrNameLst>
+                                          <p:attrName>ppt_w</p:attrName>
+                                        </p:attrNameLst>
+                                      </p:cBhvr>
+                                      <p:tavLst>
+                                        <p:tav tm="0">
+                                          <p:val>
+                                            <p:strVal val="#ppt_w+.3"/>
+                                          </p:val>
+                                        </p:tav>
+                                        <p:tav tm="100000">
+                                          <p:val>
+                                            <p:strVal val="#ppt_w"/>
+                                          </p:val>
+                                        </p:tav>
+                                      </p:tavLst>
+                                    </p:anim>
+                                    <p:anim calcmode="lin" valueType="num">
+                                      <p:cBhvr>
+                                        <p:cTn id="19" dur="1000" fill="hold"/>
+                                        <p:tgtEl>
+                                          <p:spTgt spid="3">
+                                            <p:txEl>
+                                              <p:pRg st="0" end="0"/>
+                                            </p:txEl>
+                                          </p:spTgt>
+                                        </p:tgtEl>
+                                        <p:attrNameLst>
+                                          <p:attrName>ppt_h</p:attrName>
+                                        </p:attrNameLst>
+                                      </p:cBhvr>
+                                      <p:tavLst>
+                                        <p:tav tm="0">
+                                          <p:val>
+                                            <p:strVal val="#ppt_h"/>
+                                          </p:val>
+                                        </p:tav>
+                                        <p:tav tm="100000">
+                                          <p:val>
+                                            <p:strVal val="#ppt_h"/>
+                                          </p:val>
+                                        </p:tav>
+                                      </p:tavLst>
+                                    </p:anim>
+                                    <p:animEffect transition="in" filter="fade">
+                                      <p:cBhvr>
+                                        <p:cTn id="20" dur="1000"/>
+                                        <p:tgtEl>
+                                          <p:spTgt spid="3">
+                                            <p:txEl>
+                                              <p:pRg st="0" end="0"/>
+                                            </p:txEl>
+                                          </p:spTgt>
+                                        </p:tgtEl>
+                                      </p:cBhvr>
+                                    </p:animEffect>
+                                  </p:childTnLst>
+                                </p:cTn>
+                              </p:par>
+                            </p:childTnLst>
+                          </p:cTn>
+                        </p:par>
+                      </p:childTnLst>
+                    </p:cTn>
+                  </p:par>
+                </p:childTnLst>
+              </p:cTn>
+              <p:prevCondLst>
+                <p:cond evt="onPrev" delay="0">
+                  <p:tgtEl>
+                    <p:sldTgt/>
+                  </p:tgtEl>
+                </p:cond>
+              </p:prevCondLst>
+              <p:nextCondLst>
+                <p:cond evt="onNext" delay="0">
+                  <p:tgtEl>
+                    <p:sldTgt/>
+                  </p:tgtEl>
+                </p:cond>
+              </p:nextCondLst>
+            </p:seq>
+          </p:childTnLst>
+        </p:cTn>
       </p:par>
     </p:tnLst>
+    <p:bldLst>
+      <p:bldP spid="2" grpId="0"/>
+      <p:bldP spid="3" grpId="0" build="p"/>
+    </p:bldLst>
   </p:timing>
 </p:sld>
 </file>
@@ -6825,27 +7159,78 @@
       </p:grpSpPr>
       <p:sp>
         <p:nvSpPr>
-          <p:cNvPr id="2" name="Tiêu đề 1"/>
+          <p:cNvPr id="9" name="Chỗ dành sẵn cho Chân trang 3"/>
           <p:cNvSpPr>
             <a:spLocks noGrp="1"/>
           </p:cNvSpPr>
           <p:nvPr>
-            <p:ph type="title"/>
-          </p:nvPr>
-        </p:nvSpPr>
-        <p:spPr/>
+            <p:ph type="ftr" sz="quarter" idx="11"/>
+          </p:nvPr>
+        </p:nvSpPr>
+        <p:spPr>
+          <a:xfrm>
+            <a:off x="0" y="6578600"/>
+            <a:ext cx="4064860" cy="279400"/>
+          </a:xfrm>
+        </p:spPr>
         <p:txBody>
           <a:bodyPr/>
           <a:lstStyle/>
           <a:p>
             <a:r>
-              <a:rPr lang="vi-VN" smtClean="0">
+              <a:rPr lang="en-US" i="1" smtClean="0">
+                <a:solidFill>
+                  <a:schemeClr val="bg2">
+                    <a:lumMod val="75000"/>
+                  </a:schemeClr>
+                </a:solidFill>
+                <a:latin typeface="Segoe UI" panose="020B0502040204020203" pitchFamily="34" charset="0"/>
+                <a:cs typeface="Segoe UI" panose="020B0502040204020203" pitchFamily="34" charset="0"/>
+              </a:rPr>
+              <a:t>Nhập môn phần mềm và hệ thống nhúng - SE114.G13</a:t>
+            </a:r>
+            <a:endParaRPr lang="en-US" i="1">
+              <a:solidFill>
+                <a:schemeClr val="bg2">
+                  <a:lumMod val="75000"/>
+                </a:schemeClr>
+              </a:solidFill>
+              <a:latin typeface="Segoe UI" panose="020B0502040204020203" pitchFamily="34" charset="0"/>
+              <a:cs typeface="Segoe UI" panose="020B0502040204020203" pitchFamily="34" charset="0"/>
+            </a:endParaRPr>
+          </a:p>
+        </p:txBody>
+      </p:sp>
+      <p:sp>
+        <p:nvSpPr>
+          <p:cNvPr id="7" name="Hộp Văn bản 6"/>
+          <p:cNvSpPr txBox="1"/>
+          <p:nvPr/>
+        </p:nvSpPr>
+        <p:spPr>
+          <a:xfrm>
+            <a:off x="3242149" y="592145"/>
+            <a:ext cx="2659702" cy="769441"/>
+          </a:xfrm>
+          <a:prstGeom prst="rect">
+            <a:avLst/>
+          </a:prstGeom>
+          <a:noFill/>
+        </p:spPr>
+        <p:txBody>
+          <a:bodyPr wrap="none" rtlCol="0">
+            <a:spAutoFit/>
+          </a:bodyPr>
+          <a:lstStyle/>
+          <a:p>
+            <a:r>
+              <a:rPr lang="vi-VN" sz="4400" smtClean="0">
                 <a:latin typeface="Segoe UI" panose="020B0502040204020203" pitchFamily="34" charset="0"/>
                 <a:cs typeface="Segoe UI" panose="020B0502040204020203" pitchFamily="34" charset="0"/>
               </a:rPr>
               <a:t>Iconic Tile</a:t>
             </a:r>
-            <a:endParaRPr lang="en-US">
+            <a:endParaRPr lang="en-US" sz="4400">
               <a:latin typeface="Segoe UI" panose="020B0502040204020203" pitchFamily="34" charset="0"/>
               <a:cs typeface="Segoe UI" panose="020B0502040204020203" pitchFamily="34" charset="0"/>
             </a:endParaRPr>
@@ -6854,7 +7239,7 @@
       </p:sp>
       <p:pic>
         <p:nvPicPr>
-          <p:cNvPr id="5" name="Chỗ dành sẵn cho Nội dung 4"/>
+          <p:cNvPr id="3" name="Chỗ dành sẵn cho Nội dung 2"/>
           <p:cNvPicPr>
             <a:picLocks noGrp="1" noChangeAspect="1"/>
           </p:cNvPicPr>
@@ -6876,59 +7261,15 @@
         </p:blipFill>
         <p:spPr>
           <a:xfrm>
-            <a:off x="-27812" y="2384081"/>
-            <a:ext cx="9173616" cy="3883369"/>
+            <a:off x="0" y="1361586"/>
+            <a:ext cx="9144001" cy="5217014"/>
           </a:xfrm>
         </p:spPr>
       </p:pic>
-      <p:sp>
-        <p:nvSpPr>
-          <p:cNvPr id="7" name="Chỗ dành sẵn cho Chân trang 3"/>
-          <p:cNvSpPr>
-            <a:spLocks noGrp="1"/>
-          </p:cNvSpPr>
-          <p:nvPr>
-            <p:ph type="ftr" sz="quarter" idx="11"/>
-          </p:nvPr>
-        </p:nvSpPr>
-        <p:spPr>
-          <a:xfrm>
-            <a:off x="0" y="6578600"/>
-            <a:ext cx="4064860" cy="279400"/>
-          </a:xfrm>
-        </p:spPr>
-        <p:txBody>
-          <a:bodyPr/>
-          <a:lstStyle/>
-          <a:p>
-            <a:r>
-              <a:rPr lang="en-US" i="1" smtClean="0">
-                <a:solidFill>
-                  <a:schemeClr val="bg2">
-                    <a:lumMod val="75000"/>
-                  </a:schemeClr>
-                </a:solidFill>
-                <a:latin typeface="Segoe UI" panose="020B0502040204020203" pitchFamily="34" charset="0"/>
-                <a:cs typeface="Segoe UI" panose="020B0502040204020203" pitchFamily="34" charset="0"/>
-              </a:rPr>
-              <a:t>Nhập môn phần mềm và hệ thống nhúng - SE114.G13</a:t>
-            </a:r>
-            <a:endParaRPr lang="en-US" i="1">
-              <a:solidFill>
-                <a:schemeClr val="bg2">
-                  <a:lumMod val="75000"/>
-                </a:schemeClr>
-              </a:solidFill>
-              <a:latin typeface="Segoe UI" panose="020B0502040204020203" pitchFamily="34" charset="0"/>
-              <a:cs typeface="Segoe UI" panose="020B0502040204020203" pitchFamily="34" charset="0"/>
-            </a:endParaRPr>
-          </a:p>
-        </p:txBody>
-      </p:sp>
     </p:spTree>
     <p:extLst>
       <p:ext uri="{BB962C8B-B14F-4D97-AF65-F5344CB8AC3E}">
-        <p14:creationId xmlns:p14="http://schemas.microsoft.com/office/powerpoint/2010/main" val="3564133553"/>
+        <p14:creationId xmlns:p14="http://schemas.microsoft.com/office/powerpoint/2010/main" val="3729420360"/>
       </p:ext>
     </p:extLst>
   </p:cSld>
@@ -6982,7 +7323,7 @@
                 <a:latin typeface="Segoe UI" panose="020B0502040204020203" pitchFamily="34" charset="0"/>
                 <a:cs typeface="Segoe UI" panose="020B0502040204020203" pitchFamily="34" charset="0"/>
               </a:rPr>
-              <a:t>Phân loại Live Tiles</a:t>
+              <a:t>Iconic Tile</a:t>
             </a:r>
             <a:endParaRPr lang="en-US">
               <a:latin typeface="Segoe UI" panose="020B0502040204020203" pitchFamily="34" charset="0"/>
@@ -6993,138 +7334,7 @@
       </p:sp>
       <p:sp>
         <p:nvSpPr>
-          <p:cNvPr id="3" name="Chỗ dành sẵn cho Nội dung 2"/>
-          <p:cNvSpPr>
-            <a:spLocks noGrp="1"/>
-          </p:cNvSpPr>
-          <p:nvPr>
-            <p:ph idx="1"/>
-          </p:nvPr>
-        </p:nvSpPr>
-        <p:spPr/>
-        <p:txBody>
-          <a:bodyPr/>
-          <a:lstStyle/>
-          <a:p>
-            <a:pPr marL="457200" indent="-457200">
-              <a:buFont typeface="+mj-lt"/>
-              <a:buAutoNum type="arabicPeriod" startAt="2"/>
-            </a:pPr>
-            <a:r>
-              <a:rPr lang="vi-VN" b="1" smtClean="0">
-                <a:latin typeface="Segoe UI" panose="020B0502040204020203" pitchFamily="34" charset="0"/>
-                <a:cs typeface="Segoe UI" panose="020B0502040204020203" pitchFamily="34" charset="0"/>
-              </a:rPr>
-              <a:t>Flip</a:t>
-            </a:r>
-          </a:p>
-          <a:p>
-            <a:pPr>
-              <a:buFont typeface="Times New Roman" panose="02020603050405020304" pitchFamily="18" charset="0"/>
-              <a:buChar char="♦"/>
-            </a:pPr>
-            <a:r>
-              <a:rPr lang="vi-VN" smtClean="0">
-                <a:latin typeface="Segoe UI" panose="020B0502040204020203" pitchFamily="34" charset="0"/>
-                <a:cs typeface="Segoe UI" panose="020B0502040204020203" pitchFamily="34" charset="0"/>
-              </a:rPr>
-              <a:t>Tile này gồm 2 mặt: mặt trước và mặt sau</a:t>
-            </a:r>
-          </a:p>
-          <a:p>
-            <a:pPr>
-              <a:buFont typeface="Times New Roman" panose="02020603050405020304" pitchFamily="18" charset="0"/>
-              <a:buChar char="♦"/>
-            </a:pPr>
-            <a:r>
-              <a:rPr lang="vi-VN" smtClean="0">
-                <a:latin typeface="Segoe UI" panose="020B0502040204020203" pitchFamily="34" charset="0"/>
-                <a:cs typeface="Segoe UI" panose="020B0502040204020203" pitchFamily="34" charset="0"/>
-              </a:rPr>
-              <a:t>Có thể lật giữa 2 mặt này</a:t>
-            </a:r>
-          </a:p>
-          <a:p>
-            <a:pPr>
-              <a:buFont typeface="Times New Roman" panose="02020603050405020304" pitchFamily="18" charset="0"/>
-              <a:buChar char="♦"/>
-            </a:pPr>
-            <a:r>
-              <a:rPr lang="vi-VN" smtClean="0">
-                <a:latin typeface="Segoe UI" panose="020B0502040204020203" pitchFamily="34" charset="0"/>
-                <a:cs typeface="Segoe UI" panose="020B0502040204020203" pitchFamily="34" charset="0"/>
-              </a:rPr>
-              <a:t>Có thể chứa cả hình ảnh và text.</a:t>
-            </a:r>
-          </a:p>
-          <a:p>
-            <a:pPr>
-              <a:buFont typeface="Times New Roman" panose="02020603050405020304" pitchFamily="18" charset="0"/>
-              <a:buChar char="♦"/>
-            </a:pPr>
-            <a:r>
-              <a:rPr lang="vi-VN">
-                <a:solidFill>
-                  <a:schemeClr val="tx1"/>
-                </a:solidFill>
-                <a:latin typeface="Segoe UI" panose="020B0502040204020203" pitchFamily="34" charset="0"/>
-                <a:cs typeface="Segoe UI" panose="020B0502040204020203" pitchFamily="34" charset="0"/>
-              </a:rPr>
-              <a:t>Thuộc </a:t>
-            </a:r>
-            <a:r>
-              <a:rPr lang="vi-VN">
-                <a:solidFill>
-                  <a:schemeClr val="tx1"/>
-                </a:solidFill>
-                <a:latin typeface="Segoe UI" panose="020B0502040204020203" pitchFamily="34" charset="0"/>
-                <a:cs typeface="Segoe UI" panose="020B0502040204020203" pitchFamily="34" charset="0"/>
-              </a:rPr>
-              <a:t>lớp</a:t>
-            </a:r>
-            <a:r>
-              <a:rPr lang="vi-VN" b="1">
-                <a:solidFill>
-                  <a:schemeClr val="tx1"/>
-                </a:solidFill>
-                <a:latin typeface="Segoe UI" panose="020B0502040204020203" pitchFamily="34" charset="0"/>
-                <a:cs typeface="Segoe UI" panose="020B0502040204020203" pitchFamily="34" charset="0"/>
-              </a:rPr>
-              <a:t> </a:t>
-            </a:r>
-            <a:r>
-              <a:rPr lang="vi-VN" b="1" smtClean="0">
-                <a:solidFill>
-                  <a:srgbClr val="1E75D2"/>
-                </a:solidFill>
-                <a:latin typeface="Segoe UI" panose="020B0502040204020203" pitchFamily="34" charset="0"/>
-                <a:cs typeface="Segoe UI" panose="020B0502040204020203" pitchFamily="34" charset="0"/>
-              </a:rPr>
-              <a:t>Flip</a:t>
-            </a:r>
-            <a:r>
-              <a:rPr lang="en-US" b="1" smtClean="0">
-                <a:solidFill>
-                  <a:srgbClr val="1E75D2"/>
-                </a:solidFill>
-                <a:latin typeface="Segoe UI" panose="020B0502040204020203" pitchFamily="34" charset="0"/>
-                <a:cs typeface="Segoe UI" panose="020B0502040204020203" pitchFamily="34" charset="0"/>
-              </a:rPr>
-              <a:t>TileData</a:t>
-            </a:r>
-            <a:endParaRPr lang="en-US" b="1">
-              <a:solidFill>
-                <a:srgbClr val="1E75D2"/>
-              </a:solidFill>
-              <a:latin typeface="Segoe UI" panose="020B0502040204020203" pitchFamily="34" charset="0"/>
-              <a:cs typeface="Segoe UI" panose="020B0502040204020203" pitchFamily="34" charset="0"/>
-            </a:endParaRPr>
-          </a:p>
-        </p:txBody>
-      </p:sp>
-      <p:sp>
-        <p:nvSpPr>
-          <p:cNvPr id="5" name="Chỗ dành sẵn cho Chân trang 3"/>
+          <p:cNvPr id="7" name="Chỗ dành sẵn cho Chân trang 3"/>
           <p:cNvSpPr>
             <a:spLocks noGrp="1"/>
           </p:cNvSpPr>
@@ -7166,10 +7376,39 @@
           </a:p>
         </p:txBody>
       </p:sp>
+      <p:pic>
+        <p:nvPicPr>
+          <p:cNvPr id="4" name="Chỗ dành sẵn cho Nội dung 3"/>
+          <p:cNvPicPr>
+            <a:picLocks noGrp="1" noChangeAspect="1"/>
+          </p:cNvPicPr>
+          <p:nvPr>
+            <p:ph idx="1"/>
+          </p:nvPr>
+        </p:nvPicPr>
+        <p:blipFill>
+          <a:blip r:embed="rId2">
+            <a:extLst>
+              <a:ext uri="{28A0092B-C50C-407E-A947-70E740481C1C}">
+                <a14:useLocalDpi xmlns:a14="http://schemas.microsoft.com/office/drawing/2010/main" val="0"/>
+              </a:ext>
+            </a:extLst>
+          </a:blip>
+          <a:stretch>
+            <a:fillRect/>
+          </a:stretch>
+        </p:blipFill>
+        <p:spPr>
+          <a:xfrm>
+            <a:off x="-1" y="2276129"/>
+            <a:ext cx="9117535" cy="3859627"/>
+          </a:xfrm>
+        </p:spPr>
+      </p:pic>
     </p:spTree>
     <p:extLst>
       <p:ext uri="{BB962C8B-B14F-4D97-AF65-F5344CB8AC3E}">
-        <p14:creationId xmlns:p14="http://schemas.microsoft.com/office/powerpoint/2010/main" val="906813162"/>
+        <p14:creationId xmlns:p14="http://schemas.microsoft.com/office/powerpoint/2010/main" val="3564133553"/>
       </p:ext>
     </p:extLst>
   </p:cSld>
@@ -7223,7 +7462,7 @@
                 <a:latin typeface="Segoe UI" panose="020B0502040204020203" pitchFamily="34" charset="0"/>
                 <a:cs typeface="Segoe UI" panose="020B0502040204020203" pitchFamily="34" charset="0"/>
               </a:rPr>
-              <a:t>Flip Tile</a:t>
+              <a:t>Phân loại Live Tiles</a:t>
             </a:r>
             <a:endParaRPr lang="en-US">
               <a:latin typeface="Segoe UI" panose="020B0502040204020203" pitchFamily="34" charset="0"/>
@@ -7232,38 +7471,173 @@
           </a:p>
         </p:txBody>
       </p:sp>
-      <p:pic>
-        <p:nvPicPr>
-          <p:cNvPr id="5" name="Chỗ dành sẵn cho Nội dung 4"/>
-          <p:cNvPicPr>
-            <a:picLocks noGrp="1" noChangeAspect="1"/>
-          </p:cNvPicPr>
+      <p:sp>
+        <p:nvSpPr>
+          <p:cNvPr id="3" name="Chỗ dành sẵn cho Nội dung 2"/>
+          <p:cNvSpPr>
+            <a:spLocks noGrp="1"/>
+          </p:cNvSpPr>
           <p:nvPr>
             <p:ph idx="1"/>
           </p:nvPr>
-        </p:nvPicPr>
-        <p:blipFill>
-          <a:blip r:embed="rId2">
-            <a:extLst>
-              <a:ext uri="{28A0092B-C50C-407E-A947-70E740481C1C}">
-                <a14:useLocalDpi xmlns:a14="http://schemas.microsoft.com/office/drawing/2010/main" val="0"/>
-              </a:ext>
-            </a:extLst>
-          </a:blip>
-          <a:stretch>
-            <a:fillRect/>
-          </a:stretch>
-        </p:blipFill>
-        <p:spPr>
-          <a:xfrm>
-            <a:off x="1176865" y="2499502"/>
-            <a:ext cx="6672589" cy="3035024"/>
-          </a:xfrm>
-        </p:spPr>
-      </p:pic>
-      <p:sp>
-        <p:nvSpPr>
-          <p:cNvPr id="6" name="Chỗ dành sẵn cho Chân trang 3"/>
+        </p:nvSpPr>
+        <p:spPr/>
+        <p:txBody>
+          <a:bodyPr/>
+          <a:lstStyle/>
+          <a:p>
+            <a:pPr marL="457200" indent="-457200">
+              <a:buFont typeface="+mj-lt"/>
+              <a:buAutoNum type="arabicPeriod" startAt="2"/>
+            </a:pPr>
+            <a:r>
+              <a:rPr lang="vi-VN" b="1" smtClean="0">
+                <a:latin typeface="Segoe UI" panose="020B0502040204020203" pitchFamily="34" charset="0"/>
+                <a:cs typeface="Segoe UI" panose="020B0502040204020203" pitchFamily="34" charset="0"/>
+              </a:rPr>
+              <a:t>Flip</a:t>
+            </a:r>
+          </a:p>
+          <a:p>
+            <a:pPr>
+              <a:buFont typeface="Times New Roman" panose="02020603050405020304" pitchFamily="18" charset="0"/>
+              <a:buChar char="♦"/>
+            </a:pPr>
+            <a:r>
+              <a:rPr lang="vi-VN" smtClean="0">
+                <a:latin typeface="Segoe UI" panose="020B0502040204020203" pitchFamily="34" charset="0"/>
+                <a:cs typeface="Segoe UI" panose="020B0502040204020203" pitchFamily="34" charset="0"/>
+              </a:rPr>
+              <a:t>Tile này gồm 2 mặt: mặt trước và mặt </a:t>
+            </a:r>
+            <a:r>
+              <a:rPr lang="vi-VN" smtClean="0">
+                <a:latin typeface="Segoe UI" panose="020B0502040204020203" pitchFamily="34" charset="0"/>
+                <a:cs typeface="Segoe UI" panose="020B0502040204020203" pitchFamily="34" charset="0"/>
+              </a:rPr>
+              <a:t>sau</a:t>
+            </a:r>
+            <a:r>
+              <a:rPr lang="en-US" smtClean="0">
+                <a:latin typeface="Segoe UI" panose="020B0502040204020203" pitchFamily="34" charset="0"/>
+                <a:cs typeface="Segoe UI" panose="020B0502040204020203" pitchFamily="34" charset="0"/>
+              </a:rPr>
+              <a:t>.</a:t>
+            </a:r>
+            <a:endParaRPr lang="vi-VN" smtClean="0">
+              <a:latin typeface="Segoe UI" panose="020B0502040204020203" pitchFamily="34" charset="0"/>
+              <a:cs typeface="Segoe UI" panose="020B0502040204020203" pitchFamily="34" charset="0"/>
+            </a:endParaRPr>
+          </a:p>
+          <a:p>
+            <a:pPr>
+              <a:buFont typeface="Times New Roman" panose="02020603050405020304" pitchFamily="18" charset="0"/>
+              <a:buChar char="♦"/>
+            </a:pPr>
+            <a:r>
+              <a:rPr lang="vi-VN" smtClean="0">
+                <a:latin typeface="Segoe UI" panose="020B0502040204020203" pitchFamily="34" charset="0"/>
+                <a:cs typeface="Segoe UI" panose="020B0502040204020203" pitchFamily="34" charset="0"/>
+              </a:rPr>
+              <a:t>Có thể lật giữa 2 mặt </a:t>
+            </a:r>
+            <a:r>
+              <a:rPr lang="vi-VN" smtClean="0">
+                <a:latin typeface="Segoe UI" panose="020B0502040204020203" pitchFamily="34" charset="0"/>
+                <a:cs typeface="Segoe UI" panose="020B0502040204020203" pitchFamily="34" charset="0"/>
+              </a:rPr>
+              <a:t>này</a:t>
+            </a:r>
+            <a:r>
+              <a:rPr lang="en-US" smtClean="0">
+                <a:latin typeface="Segoe UI" panose="020B0502040204020203" pitchFamily="34" charset="0"/>
+                <a:cs typeface="Segoe UI" panose="020B0502040204020203" pitchFamily="34" charset="0"/>
+              </a:rPr>
+              <a:t>.</a:t>
+            </a:r>
+            <a:endParaRPr lang="vi-VN" smtClean="0">
+              <a:latin typeface="Segoe UI" panose="020B0502040204020203" pitchFamily="34" charset="0"/>
+              <a:cs typeface="Segoe UI" panose="020B0502040204020203" pitchFamily="34" charset="0"/>
+            </a:endParaRPr>
+          </a:p>
+          <a:p>
+            <a:pPr>
+              <a:buFont typeface="Times New Roman" panose="02020603050405020304" pitchFamily="18" charset="0"/>
+              <a:buChar char="♦"/>
+            </a:pPr>
+            <a:r>
+              <a:rPr lang="vi-VN" smtClean="0">
+                <a:latin typeface="Segoe UI" panose="020B0502040204020203" pitchFamily="34" charset="0"/>
+                <a:cs typeface="Segoe UI" panose="020B0502040204020203" pitchFamily="34" charset="0"/>
+              </a:rPr>
+              <a:t>Có thể chứa cả hình ảnh và text.</a:t>
+            </a:r>
+          </a:p>
+          <a:p>
+            <a:pPr>
+              <a:buFont typeface="Times New Roman" panose="02020603050405020304" pitchFamily="18" charset="0"/>
+              <a:buChar char="♦"/>
+            </a:pPr>
+            <a:r>
+              <a:rPr lang="vi-VN">
+                <a:solidFill>
+                  <a:schemeClr val="tx1"/>
+                </a:solidFill>
+                <a:latin typeface="Segoe UI" panose="020B0502040204020203" pitchFamily="34" charset="0"/>
+                <a:cs typeface="Segoe UI" panose="020B0502040204020203" pitchFamily="34" charset="0"/>
+              </a:rPr>
+              <a:t>Thuộc lớp</a:t>
+            </a:r>
+            <a:r>
+              <a:rPr lang="vi-VN" b="1">
+                <a:solidFill>
+                  <a:schemeClr val="tx1"/>
+                </a:solidFill>
+                <a:latin typeface="Segoe UI" panose="020B0502040204020203" pitchFamily="34" charset="0"/>
+                <a:cs typeface="Segoe UI" panose="020B0502040204020203" pitchFamily="34" charset="0"/>
+              </a:rPr>
+              <a:t> </a:t>
+            </a:r>
+            <a:r>
+              <a:rPr lang="vi-VN" b="1" smtClean="0">
+                <a:solidFill>
+                  <a:srgbClr val="1E75D2"/>
+                </a:solidFill>
+                <a:latin typeface="Segoe UI" panose="020B0502040204020203" pitchFamily="34" charset="0"/>
+                <a:cs typeface="Segoe UI" panose="020B0502040204020203" pitchFamily="34" charset="0"/>
+              </a:rPr>
+              <a:t>Flip</a:t>
+            </a:r>
+            <a:r>
+              <a:rPr lang="en-US" b="1" smtClean="0">
+                <a:solidFill>
+                  <a:srgbClr val="1E75D2"/>
+                </a:solidFill>
+                <a:latin typeface="Segoe UI" panose="020B0502040204020203" pitchFamily="34" charset="0"/>
+                <a:cs typeface="Segoe UI" panose="020B0502040204020203" pitchFamily="34" charset="0"/>
+              </a:rPr>
+              <a:t>TileData</a:t>
+            </a:r>
+            <a:r>
+              <a:rPr lang="vi-VN" smtClean="0">
+                <a:latin typeface="Segoe UI" panose="020B0502040204020203" pitchFamily="34" charset="0"/>
+                <a:cs typeface="Segoe UI" panose="020B0502040204020203" pitchFamily="34" charset="0"/>
+              </a:rPr>
+              <a:t>.</a:t>
+            </a:r>
+            <a:endParaRPr lang="en-US" b="1">
+              <a:solidFill>
+                <a:srgbClr val="1E75D2"/>
+              </a:solidFill>
+              <a:latin typeface="Segoe UI" panose="020B0502040204020203" pitchFamily="34" charset="0"/>
+              <a:cs typeface="Segoe UI" panose="020B0502040204020203" pitchFamily="34" charset="0"/>
+            </a:endParaRPr>
+          </a:p>
+        </p:txBody>
+      </p:sp>
+      <p:sp>
+        <p:nvSpPr>
+          <p:cNvPr id="5" name="Chỗ dành sẵn cho Chân trang 3"/>
           <p:cNvSpPr>
             <a:spLocks noGrp="1"/>
           </p:cNvSpPr>
@@ -7308,7 +7682,7 @@
     </p:spTree>
     <p:extLst>
       <p:ext uri="{BB962C8B-B14F-4D97-AF65-F5344CB8AC3E}">
-        <p14:creationId xmlns:p14="http://schemas.microsoft.com/office/powerpoint/2010/main" val="2744993940"/>
+        <p14:creationId xmlns:p14="http://schemas.microsoft.com/office/powerpoint/2010/main" val="906813162"/>
       </p:ext>
     </p:extLst>
   </p:cSld>
@@ -7318,9 +7692,427 @@
   <p:timing>
     <p:tnLst>
       <p:par>
-        <p:cTn id="1" dur="indefinite" restart="never" nodeType="tmRoot"/>
+        <p:cTn id="1" dur="indefinite" restart="never" nodeType="tmRoot">
+          <p:childTnLst>
+            <p:seq concurrent="1" nextAc="seek">
+              <p:cTn id="2" dur="indefinite" nodeType="mainSeq">
+                <p:childTnLst>
+                  <p:par>
+                    <p:cTn id="3" fill="hold">
+                      <p:stCondLst>
+                        <p:cond delay="indefinite"/>
+                      </p:stCondLst>
+                      <p:childTnLst>
+                        <p:par>
+                          <p:cTn id="4" fill="hold">
+                            <p:stCondLst>
+                              <p:cond delay="0"/>
+                            </p:stCondLst>
+                            <p:childTnLst>
+                              <p:par>
+                                <p:cTn id="5" presetID="42" presetClass="entr" presetSubtype="0" fill="hold" grpId="0" nodeType="clickEffect">
+                                  <p:stCondLst>
+                                    <p:cond delay="0"/>
+                                  </p:stCondLst>
+                                  <p:childTnLst>
+                                    <p:set>
+                                      <p:cBhvr>
+                                        <p:cTn id="6" dur="1" fill="hold">
+                                          <p:stCondLst>
+                                            <p:cond delay="0"/>
+                                          </p:stCondLst>
+                                        </p:cTn>
+                                        <p:tgtEl>
+                                          <p:spTgt spid="2"/>
+                                        </p:tgtEl>
+                                        <p:attrNameLst>
+                                          <p:attrName>style.visibility</p:attrName>
+                                        </p:attrNameLst>
+                                      </p:cBhvr>
+                                      <p:to>
+                                        <p:strVal val="visible"/>
+                                      </p:to>
+                                    </p:set>
+                                    <p:animEffect transition="in" filter="fade">
+                                      <p:cBhvr>
+                                        <p:cTn id="7" dur="1000"/>
+                                        <p:tgtEl>
+                                          <p:spTgt spid="2"/>
+                                        </p:tgtEl>
+                                      </p:cBhvr>
+                                    </p:animEffect>
+                                    <p:anim calcmode="lin" valueType="num">
+                                      <p:cBhvr>
+                                        <p:cTn id="8" dur="1000" fill="hold"/>
+                                        <p:tgtEl>
+                                          <p:spTgt spid="2"/>
+                                        </p:tgtEl>
+                                        <p:attrNameLst>
+                                          <p:attrName>ppt_x</p:attrName>
+                                        </p:attrNameLst>
+                                      </p:cBhvr>
+                                      <p:tavLst>
+                                        <p:tav tm="0">
+                                          <p:val>
+                                            <p:strVal val="#ppt_x"/>
+                                          </p:val>
+                                        </p:tav>
+                                        <p:tav tm="100000">
+                                          <p:val>
+                                            <p:strVal val="#ppt_x"/>
+                                          </p:val>
+                                        </p:tav>
+                                      </p:tavLst>
+                                    </p:anim>
+                                    <p:anim calcmode="lin" valueType="num">
+                                      <p:cBhvr>
+                                        <p:cTn id="9" dur="1000" fill="hold"/>
+                                        <p:tgtEl>
+                                          <p:spTgt spid="2"/>
+                                        </p:tgtEl>
+                                        <p:attrNameLst>
+                                          <p:attrName>ppt_y</p:attrName>
+                                        </p:attrNameLst>
+                                      </p:cBhvr>
+                                      <p:tavLst>
+                                        <p:tav tm="0">
+                                          <p:val>
+                                            <p:strVal val="#ppt_y+.1"/>
+                                          </p:val>
+                                        </p:tav>
+                                        <p:tav tm="100000">
+                                          <p:val>
+                                            <p:strVal val="#ppt_y"/>
+                                          </p:val>
+                                        </p:tav>
+                                      </p:tavLst>
+                                    </p:anim>
+                                  </p:childTnLst>
+                                </p:cTn>
+                              </p:par>
+                            </p:childTnLst>
+                          </p:cTn>
+                        </p:par>
+                      </p:childTnLst>
+                    </p:cTn>
+                  </p:par>
+                  <p:par>
+                    <p:cTn id="10" fill="hold">
+                      <p:stCondLst>
+                        <p:cond delay="indefinite"/>
+                      </p:stCondLst>
+                      <p:childTnLst>
+                        <p:par>
+                          <p:cTn id="11" fill="hold">
+                            <p:stCondLst>
+                              <p:cond delay="0"/>
+                            </p:stCondLst>
+                            <p:childTnLst>
+                              <p:par>
+                                <p:cTn id="12" presetID="1" presetClass="entr" presetSubtype="0" fill="hold" nodeType="clickEffect">
+                                  <p:stCondLst>
+                                    <p:cond delay="0"/>
+                                  </p:stCondLst>
+                                  <p:childTnLst>
+                                    <p:set>
+                                      <p:cBhvr>
+                                        <p:cTn id="13" dur="1" fill="hold">
+                                          <p:stCondLst>
+                                            <p:cond delay="0"/>
+                                          </p:stCondLst>
+                                        </p:cTn>
+                                        <p:tgtEl>
+                                          <p:spTgt spid="3">
+                                            <p:txEl>
+                                              <p:pRg st="0" end="0"/>
+                                            </p:txEl>
+                                          </p:spTgt>
+                                        </p:tgtEl>
+                                        <p:attrNameLst>
+                                          <p:attrName>style.visibility</p:attrName>
+                                        </p:attrNameLst>
+                                      </p:cBhvr>
+                                      <p:to>
+                                        <p:strVal val="visible"/>
+                                      </p:to>
+                                    </p:set>
+                                  </p:childTnLst>
+                                </p:cTn>
+                              </p:par>
+                            </p:childTnLst>
+                          </p:cTn>
+                        </p:par>
+                      </p:childTnLst>
+                    </p:cTn>
+                  </p:par>
+                  <p:par>
+                    <p:cTn id="14" fill="hold">
+                      <p:stCondLst>
+                        <p:cond delay="indefinite"/>
+                      </p:stCondLst>
+                      <p:childTnLst>
+                        <p:par>
+                          <p:cTn id="15" fill="hold">
+                            <p:stCondLst>
+                              <p:cond delay="0"/>
+                            </p:stCondLst>
+                            <p:childTnLst>
+                              <p:par>
+                                <p:cTn id="16" presetID="22" presetClass="entr" presetSubtype="8" fill="hold" nodeType="clickEffect">
+                                  <p:stCondLst>
+                                    <p:cond delay="0"/>
+                                  </p:stCondLst>
+                                  <p:childTnLst>
+                                    <p:set>
+                                      <p:cBhvr>
+                                        <p:cTn id="17" dur="1" fill="hold">
+                                          <p:stCondLst>
+                                            <p:cond delay="0"/>
+                                          </p:stCondLst>
+                                        </p:cTn>
+                                        <p:tgtEl>
+                                          <p:spTgt spid="3">
+                                            <p:txEl>
+                                              <p:pRg st="1" end="1"/>
+                                            </p:txEl>
+                                          </p:spTgt>
+                                        </p:tgtEl>
+                                        <p:attrNameLst>
+                                          <p:attrName>style.visibility</p:attrName>
+                                        </p:attrNameLst>
+                                      </p:cBhvr>
+                                      <p:to>
+                                        <p:strVal val="visible"/>
+                                      </p:to>
+                                    </p:set>
+                                    <p:animEffect transition="in" filter="wipe(left)">
+                                      <p:cBhvr>
+                                        <p:cTn id="18" dur="500"/>
+                                        <p:tgtEl>
+                                          <p:spTgt spid="3">
+                                            <p:txEl>
+                                              <p:pRg st="1" end="1"/>
+                                            </p:txEl>
+                                          </p:spTgt>
+                                        </p:tgtEl>
+                                      </p:cBhvr>
+                                    </p:animEffect>
+                                  </p:childTnLst>
+                                </p:cTn>
+                              </p:par>
+                            </p:childTnLst>
+                          </p:cTn>
+                        </p:par>
+                      </p:childTnLst>
+                    </p:cTn>
+                  </p:par>
+                  <p:par>
+                    <p:cTn id="19" fill="hold">
+                      <p:stCondLst>
+                        <p:cond delay="indefinite"/>
+                      </p:stCondLst>
+                      <p:childTnLst>
+                        <p:par>
+                          <p:cTn id="20" fill="hold">
+                            <p:stCondLst>
+                              <p:cond delay="0"/>
+                            </p:stCondLst>
+                            <p:childTnLst>
+                              <p:par>
+                                <p:cTn id="21" presetID="22" presetClass="entr" presetSubtype="8" fill="hold" nodeType="clickEffect">
+                                  <p:stCondLst>
+                                    <p:cond delay="0"/>
+                                  </p:stCondLst>
+                                  <p:childTnLst>
+                                    <p:set>
+                                      <p:cBhvr>
+                                        <p:cTn id="22" dur="1" fill="hold">
+                                          <p:stCondLst>
+                                            <p:cond delay="0"/>
+                                          </p:stCondLst>
+                                        </p:cTn>
+                                        <p:tgtEl>
+                                          <p:spTgt spid="3">
+                                            <p:txEl>
+                                              <p:pRg st="2" end="2"/>
+                                            </p:txEl>
+                                          </p:spTgt>
+                                        </p:tgtEl>
+                                        <p:attrNameLst>
+                                          <p:attrName>style.visibility</p:attrName>
+                                        </p:attrNameLst>
+                                      </p:cBhvr>
+                                      <p:to>
+                                        <p:strVal val="visible"/>
+                                      </p:to>
+                                    </p:set>
+                                    <p:animEffect transition="in" filter="wipe(left)">
+                                      <p:cBhvr>
+                                        <p:cTn id="23" dur="500"/>
+                                        <p:tgtEl>
+                                          <p:spTgt spid="3">
+                                            <p:txEl>
+                                              <p:pRg st="2" end="2"/>
+                                            </p:txEl>
+                                          </p:spTgt>
+                                        </p:tgtEl>
+                                      </p:cBhvr>
+                                    </p:animEffect>
+                                  </p:childTnLst>
+                                </p:cTn>
+                              </p:par>
+                            </p:childTnLst>
+                          </p:cTn>
+                        </p:par>
+                      </p:childTnLst>
+                    </p:cTn>
+                  </p:par>
+                  <p:par>
+                    <p:cTn id="24" fill="hold">
+                      <p:stCondLst>
+                        <p:cond delay="indefinite"/>
+                      </p:stCondLst>
+                      <p:childTnLst>
+                        <p:par>
+                          <p:cTn id="25" fill="hold">
+                            <p:stCondLst>
+                              <p:cond delay="0"/>
+                            </p:stCondLst>
+                            <p:childTnLst>
+                              <p:par>
+                                <p:cTn id="26" presetID="22" presetClass="entr" presetSubtype="8" fill="hold" nodeType="clickEffect">
+                                  <p:stCondLst>
+                                    <p:cond delay="0"/>
+                                  </p:stCondLst>
+                                  <p:childTnLst>
+                                    <p:set>
+                                      <p:cBhvr>
+                                        <p:cTn id="27" dur="1" fill="hold">
+                                          <p:stCondLst>
+                                            <p:cond delay="0"/>
+                                          </p:stCondLst>
+                                        </p:cTn>
+                                        <p:tgtEl>
+                                          <p:spTgt spid="3">
+                                            <p:txEl>
+                                              <p:pRg st="3" end="3"/>
+                                            </p:txEl>
+                                          </p:spTgt>
+                                        </p:tgtEl>
+                                        <p:attrNameLst>
+                                          <p:attrName>style.visibility</p:attrName>
+                                        </p:attrNameLst>
+                                      </p:cBhvr>
+                                      <p:to>
+                                        <p:strVal val="visible"/>
+                                      </p:to>
+                                    </p:set>
+                                    <p:animEffect transition="in" filter="wipe(left)">
+                                      <p:cBhvr>
+                                        <p:cTn id="28" dur="500"/>
+                                        <p:tgtEl>
+                                          <p:spTgt spid="3">
+                                            <p:txEl>
+                                              <p:pRg st="3" end="3"/>
+                                            </p:txEl>
+                                          </p:spTgt>
+                                        </p:tgtEl>
+                                      </p:cBhvr>
+                                    </p:animEffect>
+                                  </p:childTnLst>
+                                </p:cTn>
+                              </p:par>
+                            </p:childTnLst>
+                          </p:cTn>
+                        </p:par>
+                      </p:childTnLst>
+                    </p:cTn>
+                  </p:par>
+                  <p:par>
+                    <p:cTn id="29" fill="hold">
+                      <p:stCondLst>
+                        <p:cond delay="indefinite"/>
+                      </p:stCondLst>
+                      <p:childTnLst>
+                        <p:par>
+                          <p:cTn id="30" fill="hold">
+                            <p:stCondLst>
+                              <p:cond delay="0"/>
+                            </p:stCondLst>
+                            <p:childTnLst>
+                              <p:par>
+                                <p:cTn id="31" presetID="22" presetClass="entr" presetSubtype="8" fill="hold" nodeType="clickEffect">
+                                  <p:stCondLst>
+                                    <p:cond delay="0"/>
+                                  </p:stCondLst>
+                                  <p:childTnLst>
+                                    <p:set>
+                                      <p:cBhvr>
+                                        <p:cTn id="32" dur="1" fill="hold">
+                                          <p:stCondLst>
+                                            <p:cond delay="0"/>
+                                          </p:stCondLst>
+                                        </p:cTn>
+                                        <p:tgtEl>
+                                          <p:spTgt spid="3">
+                                            <p:txEl>
+                                              <p:pRg st="4" end="4"/>
+                                            </p:txEl>
+                                          </p:spTgt>
+                                        </p:tgtEl>
+                                        <p:attrNameLst>
+                                          <p:attrName>style.visibility</p:attrName>
+                                        </p:attrNameLst>
+                                      </p:cBhvr>
+                                      <p:to>
+                                        <p:strVal val="visible"/>
+                                      </p:to>
+                                    </p:set>
+                                    <p:animEffect transition="in" filter="wipe(left)">
+                                      <p:cBhvr>
+                                        <p:cTn id="33" dur="500"/>
+                                        <p:tgtEl>
+                                          <p:spTgt spid="3">
+                                            <p:txEl>
+                                              <p:pRg st="4" end="4"/>
+                                            </p:txEl>
+                                          </p:spTgt>
+                                        </p:tgtEl>
+                                      </p:cBhvr>
+                                    </p:animEffect>
+                                  </p:childTnLst>
+                                </p:cTn>
+                              </p:par>
+                            </p:childTnLst>
+                          </p:cTn>
+                        </p:par>
+                      </p:childTnLst>
+                    </p:cTn>
+                  </p:par>
+                </p:childTnLst>
+              </p:cTn>
+              <p:prevCondLst>
+                <p:cond evt="onPrev" delay="0">
+                  <p:tgtEl>
+                    <p:sldTgt/>
+                  </p:tgtEl>
+                </p:cond>
+              </p:prevCondLst>
+              <p:nextCondLst>
+                <p:cond evt="onNext" delay="0">
+                  <p:tgtEl>
+                    <p:sldTgt/>
+                  </p:tgtEl>
+                </p:cond>
+              </p:nextCondLst>
+            </p:seq>
+          </p:childTnLst>
+        </p:cTn>
       </p:par>
     </p:tnLst>
+    <p:bldLst>
+      <p:bldP spid="2" grpId="0"/>
+    </p:bldLst>
   </p:timing>
 </p:sld>
 </file>
@@ -7395,8 +8187,8 @@
         </p:blipFill>
         <p:spPr>
           <a:xfrm>
-            <a:off x="0" y="2555079"/>
-            <a:ext cx="9154851" cy="2074071"/>
+            <a:off x="1176865" y="2499502"/>
+            <a:ext cx="6672589" cy="3035024"/>
           </a:xfrm>
         </p:spPr>
       </p:pic>
@@ -7447,7 +8239,7 @@
     </p:spTree>
     <p:extLst>
       <p:ext uri="{BB962C8B-B14F-4D97-AF65-F5344CB8AC3E}">
-        <p14:creationId xmlns:p14="http://schemas.microsoft.com/office/powerpoint/2010/main" val="2225322869"/>
+        <p14:creationId xmlns:p14="http://schemas.microsoft.com/office/powerpoint/2010/main" val="2744993940"/>
       </p:ext>
     </p:extLst>
   </p:cSld>
@@ -7534,8 +8326,8 @@
         </p:blipFill>
         <p:spPr>
           <a:xfrm>
-            <a:off x="-1" y="2425472"/>
-            <a:ext cx="9212913" cy="2337028"/>
+            <a:off x="0" y="2555079"/>
+            <a:ext cx="9154851" cy="2074071"/>
           </a:xfrm>
         </p:spPr>
       </p:pic>
@@ -7586,7 +8378,7 @@
     </p:spTree>
     <p:extLst>
       <p:ext uri="{BB962C8B-B14F-4D97-AF65-F5344CB8AC3E}">
-        <p14:creationId xmlns:p14="http://schemas.microsoft.com/office/powerpoint/2010/main" val="169383879"/>
+        <p14:creationId xmlns:p14="http://schemas.microsoft.com/office/powerpoint/2010/main" val="2225322869"/>
       </p:ext>
     </p:extLst>
   </p:cSld>
@@ -7620,9 +8412,82 @@
           <a:chExt cx="0" cy="0"/>
         </a:xfrm>
       </p:grpSpPr>
+      <p:sp>
+        <p:nvSpPr>
+          <p:cNvPr id="2" name="Tiêu đề 1"/>
+          <p:cNvSpPr>
+            <a:spLocks noGrp="1"/>
+          </p:cNvSpPr>
+          <p:nvPr>
+            <p:ph type="title"/>
+          </p:nvPr>
+        </p:nvSpPr>
+        <p:spPr/>
+        <p:txBody>
+          <a:bodyPr/>
+          <a:lstStyle/>
+          <a:p>
+            <a:r>
+              <a:rPr lang="vi-VN" smtClean="0">
+                <a:latin typeface="Segoe UI" panose="020B0502040204020203" pitchFamily="34" charset="0"/>
+                <a:cs typeface="Segoe UI" panose="020B0502040204020203" pitchFamily="34" charset="0"/>
+              </a:rPr>
+              <a:t>Flip Tile</a:t>
+            </a:r>
+            <a:endParaRPr lang="en-US">
+              <a:latin typeface="Segoe UI" panose="020B0502040204020203" pitchFamily="34" charset="0"/>
+              <a:cs typeface="Segoe UI" panose="020B0502040204020203" pitchFamily="34" charset="0"/>
+            </a:endParaRPr>
+          </a:p>
+        </p:txBody>
+      </p:sp>
+      <p:sp>
+        <p:nvSpPr>
+          <p:cNvPr id="6" name="Chỗ dành sẵn cho Chân trang 3"/>
+          <p:cNvSpPr>
+            <a:spLocks noGrp="1"/>
+          </p:cNvSpPr>
+          <p:nvPr>
+            <p:ph type="ftr" sz="quarter" idx="11"/>
+          </p:nvPr>
+        </p:nvSpPr>
+        <p:spPr>
+          <a:xfrm>
+            <a:off x="0" y="6578600"/>
+            <a:ext cx="4064860" cy="279400"/>
+          </a:xfrm>
+        </p:spPr>
+        <p:txBody>
+          <a:bodyPr/>
+          <a:lstStyle/>
+          <a:p>
+            <a:r>
+              <a:rPr lang="en-US" i="1" smtClean="0">
+                <a:solidFill>
+                  <a:schemeClr val="bg2">
+                    <a:lumMod val="75000"/>
+                  </a:schemeClr>
+                </a:solidFill>
+                <a:latin typeface="Segoe UI" panose="020B0502040204020203" pitchFamily="34" charset="0"/>
+                <a:cs typeface="Segoe UI" panose="020B0502040204020203" pitchFamily="34" charset="0"/>
+              </a:rPr>
+              <a:t>Nhập môn phần mềm và hệ thống nhúng - SE114.G13</a:t>
+            </a:r>
+            <a:endParaRPr lang="en-US" i="1">
+              <a:solidFill>
+                <a:schemeClr val="bg2">
+                  <a:lumMod val="75000"/>
+                </a:schemeClr>
+              </a:solidFill>
+              <a:latin typeface="Segoe UI" panose="020B0502040204020203" pitchFamily="34" charset="0"/>
+              <a:cs typeface="Segoe UI" panose="020B0502040204020203" pitchFamily="34" charset="0"/>
+            </a:endParaRPr>
+          </a:p>
+        </p:txBody>
+      </p:sp>
       <p:pic>
         <p:nvPicPr>
-          <p:cNvPr id="5" name="Chỗ dành sẵn cho Nội dung 4"/>
+          <p:cNvPr id="4" name="Chỗ dành sẵn cho Nội dung 3"/>
           <p:cNvPicPr>
             <a:picLocks noGrp="1" noChangeAspect="1"/>
           </p:cNvPicPr>
@@ -7644,8 +8509,74 @@
         </p:blipFill>
         <p:spPr>
           <a:xfrm>
-            <a:off x="266700" y="0"/>
-            <a:ext cx="8552329" cy="6858000"/>
+            <a:off x="0" y="2775794"/>
+            <a:ext cx="9144000" cy="2319547"/>
+          </a:xfrm>
+        </p:spPr>
+      </p:pic>
+    </p:spTree>
+    <p:extLst>
+      <p:ext uri="{BB962C8B-B14F-4D97-AF65-F5344CB8AC3E}">
+        <p14:creationId xmlns:p14="http://schemas.microsoft.com/office/powerpoint/2010/main" val="169383879"/>
+      </p:ext>
+    </p:extLst>
+  </p:cSld>
+  <p:clrMapOvr>
+    <a:masterClrMapping/>
+  </p:clrMapOvr>
+  <p:timing>
+    <p:tnLst>
+      <p:par>
+        <p:cTn id="1" dur="indefinite" restart="never" nodeType="tmRoot"/>
+      </p:par>
+    </p:tnLst>
+  </p:timing>
+</p:sld>
+</file>
+
+<file path=ppt/slides/slide16.xml><?xml version="1.0" encoding="utf-8"?>
+<p:sld xmlns:a="http://schemas.openxmlformats.org/drawingml/2006/main" xmlns:r="http://schemas.openxmlformats.org/officeDocument/2006/relationships" xmlns:p="http://schemas.openxmlformats.org/presentationml/2006/main">
+  <p:cSld>
+    <p:spTree>
+      <p:nvGrpSpPr>
+        <p:cNvPr id="1" name=""/>
+        <p:cNvGrpSpPr/>
+        <p:nvPr/>
+      </p:nvGrpSpPr>
+      <p:grpSpPr>
+        <a:xfrm>
+          <a:off x="0" y="0"/>
+          <a:ext cx="0" cy="0"/>
+          <a:chOff x="0" y="0"/>
+          <a:chExt cx="0" cy="0"/>
+        </a:xfrm>
+      </p:grpSpPr>
+      <p:pic>
+        <p:nvPicPr>
+          <p:cNvPr id="3" name="Chỗ dành sẵn cho Nội dung 2"/>
+          <p:cNvPicPr>
+            <a:picLocks noGrp="1" noChangeAspect="1"/>
+          </p:cNvPicPr>
+          <p:nvPr>
+            <p:ph idx="1"/>
+          </p:nvPr>
+        </p:nvPicPr>
+        <p:blipFill>
+          <a:blip r:embed="rId2">
+            <a:extLst>
+              <a:ext uri="{28A0092B-C50C-407E-A947-70E740481C1C}">
+                <a14:useLocalDpi xmlns:a14="http://schemas.microsoft.com/office/drawing/2010/main" val="0"/>
+              </a:ext>
+            </a:extLst>
+          </a:blip>
+          <a:stretch>
+            <a:fillRect/>
+          </a:stretch>
+        </p:blipFill>
+        <p:spPr>
+          <a:xfrm>
+            <a:off x="334147" y="17790"/>
+            <a:ext cx="8552328" cy="6858000"/>
           </a:xfrm>
         </p:spPr>
       </p:pic>
@@ -7745,6 +8676,888 @@
     <p:extLst>
       <p:ext uri="{BB962C8B-B14F-4D97-AF65-F5344CB8AC3E}">
         <p14:creationId xmlns:p14="http://schemas.microsoft.com/office/powerpoint/2010/main" val="1028864377"/>
+      </p:ext>
+    </p:extLst>
+  </p:cSld>
+  <p:clrMapOvr>
+    <a:masterClrMapping/>
+  </p:clrMapOvr>
+  <p:timing>
+    <p:tnLst>
+      <p:par>
+        <p:cTn id="1" dur="indefinite" restart="never" nodeType="tmRoot"/>
+      </p:par>
+    </p:tnLst>
+  </p:timing>
+</p:sld>
+</file>
+
+<file path=ppt/slides/slide17.xml><?xml version="1.0" encoding="utf-8"?>
+<p:sld xmlns:a="http://schemas.openxmlformats.org/drawingml/2006/main" xmlns:r="http://schemas.openxmlformats.org/officeDocument/2006/relationships" xmlns:p="http://schemas.openxmlformats.org/presentationml/2006/main">
+  <p:cSld>
+    <p:spTree>
+      <p:nvGrpSpPr>
+        <p:cNvPr id="1" name=""/>
+        <p:cNvGrpSpPr/>
+        <p:nvPr/>
+      </p:nvGrpSpPr>
+      <p:grpSpPr>
+        <a:xfrm>
+          <a:off x="0" y="0"/>
+          <a:ext cx="0" cy="0"/>
+          <a:chOff x="0" y="0"/>
+          <a:chExt cx="0" cy="0"/>
+        </a:xfrm>
+      </p:grpSpPr>
+      <p:pic>
+        <p:nvPicPr>
+          <p:cNvPr id="5" name="Chỗ dành sẵn cho Nội dung 4"/>
+          <p:cNvPicPr>
+            <a:picLocks noGrp="1" noChangeAspect="1"/>
+          </p:cNvPicPr>
+          <p:nvPr>
+            <p:ph idx="1"/>
+          </p:nvPr>
+        </p:nvPicPr>
+        <p:blipFill>
+          <a:blip r:embed="rId2">
+            <a:extLst>
+              <a:ext uri="{28A0092B-C50C-407E-A947-70E740481C1C}">
+                <a14:useLocalDpi xmlns:a14="http://schemas.microsoft.com/office/drawing/2010/main" val="0"/>
+              </a:ext>
+            </a:extLst>
+          </a:blip>
+          <a:stretch>
+            <a:fillRect/>
+          </a:stretch>
+        </p:blipFill>
+        <p:spPr>
+          <a:xfrm>
+            <a:off x="-17493" y="1967412"/>
+            <a:ext cx="9187451" cy="3977375"/>
+          </a:xfrm>
+        </p:spPr>
+      </p:pic>
+      <p:sp>
+        <p:nvSpPr>
+          <p:cNvPr id="2" name="Tiêu đề 1"/>
+          <p:cNvSpPr>
+            <a:spLocks noGrp="1"/>
+          </p:cNvSpPr>
+          <p:nvPr>
+            <p:ph type="title"/>
+          </p:nvPr>
+        </p:nvSpPr>
+        <p:spPr/>
+        <p:txBody>
+          <a:bodyPr/>
+          <a:lstStyle/>
+          <a:p>
+            <a:r>
+              <a:rPr lang="vi-VN" smtClean="0">
+                <a:latin typeface="Segoe UI" panose="020B0502040204020203" pitchFamily="34" charset="0"/>
+                <a:cs typeface="Segoe UI" panose="020B0502040204020203" pitchFamily="34" charset="0"/>
+              </a:rPr>
+              <a:t>Flip Tile</a:t>
+            </a:r>
+            <a:endParaRPr lang="en-US">
+              <a:latin typeface="Segoe UI" panose="020B0502040204020203" pitchFamily="34" charset="0"/>
+              <a:cs typeface="Segoe UI" panose="020B0502040204020203" pitchFamily="34" charset="0"/>
+            </a:endParaRPr>
+          </a:p>
+        </p:txBody>
+      </p:sp>
+      <p:sp>
+        <p:nvSpPr>
+          <p:cNvPr id="6" name="Chỗ dành sẵn cho Chân trang 3"/>
+          <p:cNvSpPr>
+            <a:spLocks noGrp="1"/>
+          </p:cNvSpPr>
+          <p:nvPr>
+            <p:ph type="ftr" sz="quarter" idx="11"/>
+          </p:nvPr>
+        </p:nvSpPr>
+        <p:spPr>
+          <a:xfrm>
+            <a:off x="0" y="6578600"/>
+            <a:ext cx="4064860" cy="279400"/>
+          </a:xfrm>
+        </p:spPr>
+        <p:txBody>
+          <a:bodyPr/>
+          <a:lstStyle/>
+          <a:p>
+            <a:r>
+              <a:rPr lang="en-US" i="1" smtClean="0">
+                <a:solidFill>
+                  <a:schemeClr val="bg2">
+                    <a:lumMod val="75000"/>
+                  </a:schemeClr>
+                </a:solidFill>
+                <a:latin typeface="Segoe UI" panose="020B0502040204020203" pitchFamily="34" charset="0"/>
+                <a:cs typeface="Segoe UI" panose="020B0502040204020203" pitchFamily="34" charset="0"/>
+              </a:rPr>
+              <a:t>Nhập môn phần mềm và hệ thống nhúng - SE114.G13</a:t>
+            </a:r>
+            <a:endParaRPr lang="en-US" i="1">
+              <a:solidFill>
+                <a:schemeClr val="bg2">
+                  <a:lumMod val="75000"/>
+                </a:schemeClr>
+              </a:solidFill>
+              <a:latin typeface="Segoe UI" panose="020B0502040204020203" pitchFamily="34" charset="0"/>
+              <a:cs typeface="Segoe UI" panose="020B0502040204020203" pitchFamily="34" charset="0"/>
+            </a:endParaRPr>
+          </a:p>
+        </p:txBody>
+      </p:sp>
+    </p:spTree>
+    <p:extLst>
+      <p:ext uri="{BB962C8B-B14F-4D97-AF65-F5344CB8AC3E}">
+        <p14:creationId xmlns:p14="http://schemas.microsoft.com/office/powerpoint/2010/main" val="1339341983"/>
+      </p:ext>
+    </p:extLst>
+  </p:cSld>
+  <p:clrMapOvr>
+    <a:masterClrMapping/>
+  </p:clrMapOvr>
+  <p:timing>
+    <p:tnLst>
+      <p:par>
+        <p:cTn id="1" dur="indefinite" restart="never" nodeType="tmRoot"/>
+      </p:par>
+    </p:tnLst>
+  </p:timing>
+</p:sld>
+</file>
+
+<file path=ppt/slides/slide18.xml><?xml version="1.0" encoding="utf-8"?>
+<p:sld xmlns:a="http://schemas.openxmlformats.org/drawingml/2006/main" xmlns:r="http://schemas.openxmlformats.org/officeDocument/2006/relationships" xmlns:p="http://schemas.openxmlformats.org/presentationml/2006/main">
+  <p:cSld>
+    <p:spTree>
+      <p:nvGrpSpPr>
+        <p:cNvPr id="1" name=""/>
+        <p:cNvGrpSpPr/>
+        <p:nvPr/>
+      </p:nvGrpSpPr>
+      <p:grpSpPr>
+        <a:xfrm>
+          <a:off x="0" y="0"/>
+          <a:ext cx="0" cy="0"/>
+          <a:chOff x="0" y="0"/>
+          <a:chExt cx="0" cy="0"/>
+        </a:xfrm>
+      </p:grpSpPr>
+      <p:sp>
+        <p:nvSpPr>
+          <p:cNvPr id="2" name="Tiêu đề 1"/>
+          <p:cNvSpPr>
+            <a:spLocks noGrp="1"/>
+          </p:cNvSpPr>
+          <p:nvPr>
+            <p:ph type="title"/>
+          </p:nvPr>
+        </p:nvSpPr>
+        <p:spPr/>
+        <p:txBody>
+          <a:bodyPr/>
+          <a:lstStyle/>
+          <a:p>
+            <a:r>
+              <a:rPr lang="vi-VN" smtClean="0">
+                <a:latin typeface="Segoe UI" panose="020B0502040204020203" pitchFamily="34" charset="0"/>
+                <a:cs typeface="Segoe UI" panose="020B0502040204020203" pitchFamily="34" charset="0"/>
+              </a:rPr>
+              <a:t>Phân loại Live Tiles</a:t>
+            </a:r>
+            <a:endParaRPr lang="en-US">
+              <a:latin typeface="Segoe UI" panose="020B0502040204020203" pitchFamily="34" charset="0"/>
+              <a:cs typeface="Segoe UI" panose="020B0502040204020203" pitchFamily="34" charset="0"/>
+            </a:endParaRPr>
+          </a:p>
+        </p:txBody>
+      </p:sp>
+      <p:sp>
+        <p:nvSpPr>
+          <p:cNvPr id="3" name="Chỗ dành sẵn cho Nội dung 2"/>
+          <p:cNvSpPr>
+            <a:spLocks noGrp="1"/>
+          </p:cNvSpPr>
+          <p:nvPr>
+            <p:ph idx="1"/>
+          </p:nvPr>
+        </p:nvSpPr>
+        <p:spPr/>
+        <p:txBody>
+          <a:bodyPr/>
+          <a:lstStyle/>
+          <a:p>
+            <a:pPr marL="457200" indent="-457200">
+              <a:buFont typeface="+mj-lt"/>
+              <a:buAutoNum type="arabicPeriod" startAt="3"/>
+            </a:pPr>
+            <a:r>
+              <a:rPr lang="en-US" b="1" smtClean="0">
+                <a:latin typeface="Segoe UI" panose="020B0502040204020203" pitchFamily="34" charset="0"/>
+                <a:cs typeface="Segoe UI" panose="020B0502040204020203" pitchFamily="34" charset="0"/>
+              </a:rPr>
+              <a:t>Cyclic</a:t>
+            </a:r>
+            <a:endParaRPr lang="vi-VN" b="1" smtClean="0">
+              <a:latin typeface="Segoe UI" panose="020B0502040204020203" pitchFamily="34" charset="0"/>
+              <a:cs typeface="Segoe UI" panose="020B0502040204020203" pitchFamily="34" charset="0"/>
+            </a:endParaRPr>
+          </a:p>
+          <a:p>
+            <a:pPr>
+              <a:buFont typeface="Times New Roman" panose="02020603050405020304" pitchFamily="18" charset="0"/>
+              <a:buChar char="♦"/>
+            </a:pPr>
+            <a:r>
+              <a:rPr lang="vi-VN" smtClean="0">
+                <a:latin typeface="Segoe UI" panose="020B0502040204020203" pitchFamily="34" charset="0"/>
+                <a:cs typeface="Segoe UI" panose="020B0502040204020203" pitchFamily="34" charset="0"/>
+              </a:rPr>
+              <a:t>Tile này </a:t>
+            </a:r>
+            <a:r>
+              <a:rPr lang="en-US" smtClean="0">
+                <a:latin typeface="Segoe UI" panose="020B0502040204020203" pitchFamily="34" charset="0"/>
+                <a:cs typeface="Segoe UI" panose="020B0502040204020203" pitchFamily="34" charset="0"/>
+              </a:rPr>
+              <a:t>có thể chứa tối đa 9 hình ảnh được thay đổi tuần hoàn.</a:t>
+            </a:r>
+            <a:endParaRPr lang="vi-VN" smtClean="0">
+              <a:latin typeface="Segoe UI" panose="020B0502040204020203" pitchFamily="34" charset="0"/>
+              <a:cs typeface="Segoe UI" panose="020B0502040204020203" pitchFamily="34" charset="0"/>
+            </a:endParaRPr>
+          </a:p>
+          <a:p>
+            <a:pPr>
+              <a:buFont typeface="Times New Roman" panose="02020603050405020304" pitchFamily="18" charset="0"/>
+              <a:buChar char="♦"/>
+            </a:pPr>
+            <a:r>
+              <a:rPr lang="en-US" smtClean="0">
+                <a:latin typeface="Segoe UI" panose="020B0502040204020203" pitchFamily="34" charset="0"/>
+                <a:cs typeface="Segoe UI" panose="020B0502040204020203" pitchFamily="34" charset="0"/>
+              </a:rPr>
+              <a:t>Text cũng có thể hiển thị khi hình ảnh chỉ là hình nền.</a:t>
+            </a:r>
+          </a:p>
+          <a:p>
+            <a:pPr>
+              <a:buFont typeface="Times New Roman" panose="02020603050405020304" pitchFamily="18" charset="0"/>
+              <a:buChar char="♦"/>
+            </a:pPr>
+            <a:r>
+              <a:rPr lang="vi-VN" smtClean="0">
+                <a:solidFill>
+                  <a:schemeClr val="tx1"/>
+                </a:solidFill>
+                <a:latin typeface="Segoe UI" panose="020B0502040204020203" pitchFamily="34" charset="0"/>
+                <a:cs typeface="Segoe UI" panose="020B0502040204020203" pitchFamily="34" charset="0"/>
+              </a:rPr>
+              <a:t>Thuộc </a:t>
+            </a:r>
+            <a:r>
+              <a:rPr lang="vi-VN">
+                <a:solidFill>
+                  <a:schemeClr val="tx1"/>
+                </a:solidFill>
+                <a:latin typeface="Segoe UI" panose="020B0502040204020203" pitchFamily="34" charset="0"/>
+                <a:cs typeface="Segoe UI" panose="020B0502040204020203" pitchFamily="34" charset="0"/>
+              </a:rPr>
+              <a:t>lớp</a:t>
+            </a:r>
+            <a:r>
+              <a:rPr lang="vi-VN" b="1">
+                <a:solidFill>
+                  <a:schemeClr val="tx1"/>
+                </a:solidFill>
+                <a:latin typeface="Segoe UI" panose="020B0502040204020203" pitchFamily="34" charset="0"/>
+                <a:cs typeface="Segoe UI" panose="020B0502040204020203" pitchFamily="34" charset="0"/>
+              </a:rPr>
+              <a:t> </a:t>
+            </a:r>
+            <a:r>
+              <a:rPr lang="en-US" b="1" smtClean="0">
+                <a:solidFill>
+                  <a:srgbClr val="1E75D2"/>
+                </a:solidFill>
+                <a:latin typeface="Segoe UI" panose="020B0502040204020203" pitchFamily="34" charset="0"/>
+                <a:cs typeface="Segoe UI" panose="020B0502040204020203" pitchFamily="34" charset="0"/>
+              </a:rPr>
+              <a:t>CycleTileData</a:t>
+            </a:r>
+            <a:r>
+              <a:rPr lang="en-US" smtClean="0">
+                <a:latin typeface="Segoe UI" panose="020B0502040204020203" pitchFamily="34" charset="0"/>
+                <a:cs typeface="Segoe UI" panose="020B0502040204020203" pitchFamily="34" charset="0"/>
+              </a:rPr>
+              <a:t>.</a:t>
+            </a:r>
+            <a:endParaRPr lang="en-US">
+              <a:latin typeface="Segoe UI" panose="020B0502040204020203" pitchFamily="34" charset="0"/>
+              <a:cs typeface="Segoe UI" panose="020B0502040204020203" pitchFamily="34" charset="0"/>
+            </a:endParaRPr>
+          </a:p>
+        </p:txBody>
+      </p:sp>
+      <p:sp>
+        <p:nvSpPr>
+          <p:cNvPr id="5" name="Chỗ dành sẵn cho Chân trang 3"/>
+          <p:cNvSpPr>
+            <a:spLocks noGrp="1"/>
+          </p:cNvSpPr>
+          <p:nvPr>
+            <p:ph type="ftr" sz="quarter" idx="11"/>
+          </p:nvPr>
+        </p:nvSpPr>
+        <p:spPr>
+          <a:xfrm>
+            <a:off x="0" y="6578600"/>
+            <a:ext cx="4064860" cy="279400"/>
+          </a:xfrm>
+        </p:spPr>
+        <p:txBody>
+          <a:bodyPr/>
+          <a:lstStyle/>
+          <a:p>
+            <a:r>
+              <a:rPr lang="en-US" i="1" smtClean="0">
+                <a:solidFill>
+                  <a:schemeClr val="bg2">
+                    <a:lumMod val="75000"/>
+                  </a:schemeClr>
+                </a:solidFill>
+                <a:latin typeface="Segoe UI" panose="020B0502040204020203" pitchFamily="34" charset="0"/>
+                <a:cs typeface="Segoe UI" panose="020B0502040204020203" pitchFamily="34" charset="0"/>
+              </a:rPr>
+              <a:t>Nhập môn phần mềm và hệ thống nhúng - SE114.G13</a:t>
+            </a:r>
+            <a:endParaRPr lang="en-US" i="1">
+              <a:solidFill>
+                <a:schemeClr val="bg2">
+                  <a:lumMod val="75000"/>
+                </a:schemeClr>
+              </a:solidFill>
+              <a:latin typeface="Segoe UI" panose="020B0502040204020203" pitchFamily="34" charset="0"/>
+              <a:cs typeface="Segoe UI" panose="020B0502040204020203" pitchFamily="34" charset="0"/>
+            </a:endParaRPr>
+          </a:p>
+        </p:txBody>
+      </p:sp>
+    </p:spTree>
+    <p:extLst>
+      <p:ext uri="{BB962C8B-B14F-4D97-AF65-F5344CB8AC3E}">
+        <p14:creationId xmlns:p14="http://schemas.microsoft.com/office/powerpoint/2010/main" val="785839023"/>
+      </p:ext>
+    </p:extLst>
+  </p:cSld>
+  <p:clrMapOvr>
+    <a:masterClrMapping/>
+  </p:clrMapOvr>
+  <p:timing>
+    <p:tnLst>
+      <p:par>
+        <p:cTn id="1" dur="indefinite" restart="never" nodeType="tmRoot">
+          <p:childTnLst>
+            <p:seq concurrent="1" nextAc="seek">
+              <p:cTn id="2" dur="indefinite" nodeType="mainSeq">
+                <p:childTnLst>
+                  <p:par>
+                    <p:cTn id="3" fill="hold">
+                      <p:stCondLst>
+                        <p:cond delay="indefinite"/>
+                      </p:stCondLst>
+                      <p:childTnLst>
+                        <p:par>
+                          <p:cTn id="4" fill="hold">
+                            <p:stCondLst>
+                              <p:cond delay="0"/>
+                            </p:stCondLst>
+                            <p:childTnLst>
+                              <p:par>
+                                <p:cTn id="5" presetID="52" presetClass="entr" presetSubtype="0" fill="hold" grpId="0" nodeType="clickEffect">
+                                  <p:stCondLst>
+                                    <p:cond delay="0"/>
+                                  </p:stCondLst>
+                                  <p:childTnLst>
+                                    <p:set>
+                                      <p:cBhvr>
+                                        <p:cTn id="6" dur="1" fill="hold">
+                                          <p:stCondLst>
+                                            <p:cond delay="0"/>
+                                          </p:stCondLst>
+                                        </p:cTn>
+                                        <p:tgtEl>
+                                          <p:spTgt spid="2"/>
+                                        </p:tgtEl>
+                                        <p:attrNameLst>
+                                          <p:attrName>style.visibility</p:attrName>
+                                        </p:attrNameLst>
+                                      </p:cBhvr>
+                                      <p:to>
+                                        <p:strVal val="visible"/>
+                                      </p:to>
+                                    </p:set>
+                                    <p:animScale>
+                                      <p:cBhvr>
+                                        <p:cTn id="7" dur="1000" decel="50000" fill="hold">
+                                          <p:stCondLst>
+                                            <p:cond delay="0"/>
+                                          </p:stCondLst>
+                                        </p:cTn>
+                                        <p:tgtEl>
+                                          <p:spTgt spid="2"/>
+                                        </p:tgtEl>
+                                      </p:cBhvr>
+                                      <p:from x="250000" y="250000"/>
+                                      <p:to x="100000" y="100000"/>
+                                    </p:animScale>
+                                    <p:animMotion origin="layout" path="M -0.46736 0.92887  C -0.37517 0.88508  -0.02552 0.75279  0.0908 0.66613  C  0.20747 0.57948  0.21649 0.50394  0.23177 0.40825  C 0.24705 0.31256  0.22118 0.15964   0.18264 0.09152  C 0.1441 0.02341  0.03802 0.0  0.0 0.0  " pathEditMode="relative" ptsTypes="">
+                                      <p:cBhvr>
+                                        <p:cTn id="8" dur="1000" decel="50000" fill="hold">
+                                          <p:stCondLst>
+                                            <p:cond delay="0"/>
+                                          </p:stCondLst>
+                                        </p:cTn>
+                                        <p:tgtEl>
+                                          <p:spTgt spid="2"/>
+                                        </p:tgtEl>
+                                        <p:attrNameLst>
+                                          <p:attrName>ppt_x</p:attrName>
+                                          <p:attrName>ppt_y</p:attrName>
+                                        </p:attrNameLst>
+                                      </p:cBhvr>
+                                    </p:animMotion>
+                                    <p:animEffect transition="in" filter="fade">
+                                      <p:cBhvr>
+                                        <p:cTn id="9" dur="1000"/>
+                                        <p:tgtEl>
+                                          <p:spTgt spid="2"/>
+                                        </p:tgtEl>
+                                      </p:cBhvr>
+                                    </p:animEffect>
+                                  </p:childTnLst>
+                                </p:cTn>
+                              </p:par>
+                            </p:childTnLst>
+                          </p:cTn>
+                        </p:par>
+                      </p:childTnLst>
+                    </p:cTn>
+                  </p:par>
+                  <p:par>
+                    <p:cTn id="10" fill="hold">
+                      <p:stCondLst>
+                        <p:cond delay="indefinite"/>
+                      </p:stCondLst>
+                      <p:childTnLst>
+                        <p:par>
+                          <p:cTn id="11" fill="hold">
+                            <p:stCondLst>
+                              <p:cond delay="0"/>
+                            </p:stCondLst>
+                            <p:childTnLst>
+                              <p:par>
+                                <p:cTn id="12" presetID="10" presetClass="entr" presetSubtype="0" fill="hold" nodeType="clickEffect">
+                                  <p:stCondLst>
+                                    <p:cond delay="0"/>
+                                  </p:stCondLst>
+                                  <p:childTnLst>
+                                    <p:set>
+                                      <p:cBhvr>
+                                        <p:cTn id="13" dur="1" fill="hold">
+                                          <p:stCondLst>
+                                            <p:cond delay="0"/>
+                                          </p:stCondLst>
+                                        </p:cTn>
+                                        <p:tgtEl>
+                                          <p:spTgt spid="3">
+                                            <p:txEl>
+                                              <p:pRg st="0" end="0"/>
+                                            </p:txEl>
+                                          </p:spTgt>
+                                        </p:tgtEl>
+                                        <p:attrNameLst>
+                                          <p:attrName>style.visibility</p:attrName>
+                                        </p:attrNameLst>
+                                      </p:cBhvr>
+                                      <p:to>
+                                        <p:strVal val="visible"/>
+                                      </p:to>
+                                    </p:set>
+                                    <p:animEffect transition="in" filter="fade">
+                                      <p:cBhvr>
+                                        <p:cTn id="14" dur="500"/>
+                                        <p:tgtEl>
+                                          <p:spTgt spid="3">
+                                            <p:txEl>
+                                              <p:pRg st="0" end="0"/>
+                                            </p:txEl>
+                                          </p:spTgt>
+                                        </p:tgtEl>
+                                      </p:cBhvr>
+                                    </p:animEffect>
+                                  </p:childTnLst>
+                                </p:cTn>
+                              </p:par>
+                            </p:childTnLst>
+                          </p:cTn>
+                        </p:par>
+                      </p:childTnLst>
+                    </p:cTn>
+                  </p:par>
+                  <p:par>
+                    <p:cTn id="15" fill="hold">
+                      <p:stCondLst>
+                        <p:cond delay="indefinite"/>
+                      </p:stCondLst>
+                      <p:childTnLst>
+                        <p:par>
+                          <p:cTn id="16" fill="hold">
+                            <p:stCondLst>
+                              <p:cond delay="0"/>
+                            </p:stCondLst>
+                            <p:childTnLst>
+                              <p:par>
+                                <p:cTn id="17" presetID="22" presetClass="entr" presetSubtype="8" fill="hold" nodeType="clickEffect">
+                                  <p:stCondLst>
+                                    <p:cond delay="0"/>
+                                  </p:stCondLst>
+                                  <p:childTnLst>
+                                    <p:set>
+                                      <p:cBhvr>
+                                        <p:cTn id="18" dur="1" fill="hold">
+                                          <p:stCondLst>
+                                            <p:cond delay="0"/>
+                                          </p:stCondLst>
+                                        </p:cTn>
+                                        <p:tgtEl>
+                                          <p:spTgt spid="3">
+                                            <p:txEl>
+                                              <p:pRg st="1" end="1"/>
+                                            </p:txEl>
+                                          </p:spTgt>
+                                        </p:tgtEl>
+                                        <p:attrNameLst>
+                                          <p:attrName>style.visibility</p:attrName>
+                                        </p:attrNameLst>
+                                      </p:cBhvr>
+                                      <p:to>
+                                        <p:strVal val="visible"/>
+                                      </p:to>
+                                    </p:set>
+                                    <p:animEffect transition="in" filter="wipe(left)">
+                                      <p:cBhvr>
+                                        <p:cTn id="19" dur="500"/>
+                                        <p:tgtEl>
+                                          <p:spTgt spid="3">
+                                            <p:txEl>
+                                              <p:pRg st="1" end="1"/>
+                                            </p:txEl>
+                                          </p:spTgt>
+                                        </p:tgtEl>
+                                      </p:cBhvr>
+                                    </p:animEffect>
+                                  </p:childTnLst>
+                                </p:cTn>
+                              </p:par>
+                            </p:childTnLst>
+                          </p:cTn>
+                        </p:par>
+                      </p:childTnLst>
+                    </p:cTn>
+                  </p:par>
+                  <p:par>
+                    <p:cTn id="20" fill="hold">
+                      <p:stCondLst>
+                        <p:cond delay="indefinite"/>
+                      </p:stCondLst>
+                      <p:childTnLst>
+                        <p:par>
+                          <p:cTn id="21" fill="hold">
+                            <p:stCondLst>
+                              <p:cond delay="0"/>
+                            </p:stCondLst>
+                            <p:childTnLst>
+                              <p:par>
+                                <p:cTn id="22" presetID="22" presetClass="entr" presetSubtype="8" fill="hold" nodeType="clickEffect">
+                                  <p:stCondLst>
+                                    <p:cond delay="0"/>
+                                  </p:stCondLst>
+                                  <p:childTnLst>
+                                    <p:set>
+                                      <p:cBhvr>
+                                        <p:cTn id="23" dur="1" fill="hold">
+                                          <p:stCondLst>
+                                            <p:cond delay="0"/>
+                                          </p:stCondLst>
+                                        </p:cTn>
+                                        <p:tgtEl>
+                                          <p:spTgt spid="3">
+                                            <p:txEl>
+                                              <p:pRg st="2" end="2"/>
+                                            </p:txEl>
+                                          </p:spTgt>
+                                        </p:tgtEl>
+                                        <p:attrNameLst>
+                                          <p:attrName>style.visibility</p:attrName>
+                                        </p:attrNameLst>
+                                      </p:cBhvr>
+                                      <p:to>
+                                        <p:strVal val="visible"/>
+                                      </p:to>
+                                    </p:set>
+                                    <p:animEffect transition="in" filter="wipe(left)">
+                                      <p:cBhvr>
+                                        <p:cTn id="24" dur="500"/>
+                                        <p:tgtEl>
+                                          <p:spTgt spid="3">
+                                            <p:txEl>
+                                              <p:pRg st="2" end="2"/>
+                                            </p:txEl>
+                                          </p:spTgt>
+                                        </p:tgtEl>
+                                      </p:cBhvr>
+                                    </p:animEffect>
+                                  </p:childTnLst>
+                                </p:cTn>
+                              </p:par>
+                            </p:childTnLst>
+                          </p:cTn>
+                        </p:par>
+                      </p:childTnLst>
+                    </p:cTn>
+                  </p:par>
+                  <p:par>
+                    <p:cTn id="25" fill="hold">
+                      <p:stCondLst>
+                        <p:cond delay="indefinite"/>
+                      </p:stCondLst>
+                      <p:childTnLst>
+                        <p:par>
+                          <p:cTn id="26" fill="hold">
+                            <p:stCondLst>
+                              <p:cond delay="0"/>
+                            </p:stCondLst>
+                            <p:childTnLst>
+                              <p:par>
+                                <p:cTn id="27" presetID="22" presetClass="entr" presetSubtype="8" fill="hold" nodeType="clickEffect">
+                                  <p:stCondLst>
+                                    <p:cond delay="0"/>
+                                  </p:stCondLst>
+                                  <p:childTnLst>
+                                    <p:set>
+                                      <p:cBhvr>
+                                        <p:cTn id="28" dur="1" fill="hold">
+                                          <p:stCondLst>
+                                            <p:cond delay="0"/>
+                                          </p:stCondLst>
+                                        </p:cTn>
+                                        <p:tgtEl>
+                                          <p:spTgt spid="3">
+                                            <p:txEl>
+                                              <p:pRg st="3" end="3"/>
+                                            </p:txEl>
+                                          </p:spTgt>
+                                        </p:tgtEl>
+                                        <p:attrNameLst>
+                                          <p:attrName>style.visibility</p:attrName>
+                                        </p:attrNameLst>
+                                      </p:cBhvr>
+                                      <p:to>
+                                        <p:strVal val="visible"/>
+                                      </p:to>
+                                    </p:set>
+                                    <p:animEffect transition="in" filter="wipe(left)">
+                                      <p:cBhvr>
+                                        <p:cTn id="29" dur="500"/>
+                                        <p:tgtEl>
+                                          <p:spTgt spid="3">
+                                            <p:txEl>
+                                              <p:pRg st="3" end="3"/>
+                                            </p:txEl>
+                                          </p:spTgt>
+                                        </p:tgtEl>
+                                      </p:cBhvr>
+                                    </p:animEffect>
+                                  </p:childTnLst>
+                                </p:cTn>
+                              </p:par>
+                            </p:childTnLst>
+                          </p:cTn>
+                        </p:par>
+                      </p:childTnLst>
+                    </p:cTn>
+                  </p:par>
+                </p:childTnLst>
+              </p:cTn>
+              <p:prevCondLst>
+                <p:cond evt="onPrev" delay="0">
+                  <p:tgtEl>
+                    <p:sldTgt/>
+                  </p:tgtEl>
+                </p:cond>
+              </p:prevCondLst>
+              <p:nextCondLst>
+                <p:cond evt="onNext" delay="0">
+                  <p:tgtEl>
+                    <p:sldTgt/>
+                  </p:tgtEl>
+                </p:cond>
+              </p:nextCondLst>
+            </p:seq>
+          </p:childTnLst>
+        </p:cTn>
+      </p:par>
+    </p:tnLst>
+    <p:bldLst>
+      <p:bldP spid="2" grpId="0"/>
+    </p:bldLst>
+  </p:timing>
+</p:sld>
+</file>
+
+<file path=ppt/slides/slide19.xml><?xml version="1.0" encoding="utf-8"?>
+<p:sld xmlns:a="http://schemas.openxmlformats.org/drawingml/2006/main" xmlns:r="http://schemas.openxmlformats.org/officeDocument/2006/relationships" xmlns:p="http://schemas.openxmlformats.org/presentationml/2006/main">
+  <p:cSld>
+    <p:spTree>
+      <p:nvGrpSpPr>
+        <p:cNvPr id="1" name=""/>
+        <p:cNvGrpSpPr/>
+        <p:nvPr/>
+      </p:nvGrpSpPr>
+      <p:grpSpPr>
+        <a:xfrm>
+          <a:off x="0" y="0"/>
+          <a:ext cx="0" cy="0"/>
+          <a:chOff x="0" y="0"/>
+          <a:chExt cx="0" cy="0"/>
+        </a:xfrm>
+      </p:grpSpPr>
+      <p:sp>
+        <p:nvSpPr>
+          <p:cNvPr id="2" name="Tiêu đề 1"/>
+          <p:cNvSpPr>
+            <a:spLocks noGrp="1"/>
+          </p:cNvSpPr>
+          <p:nvPr>
+            <p:ph type="title"/>
+          </p:nvPr>
+        </p:nvSpPr>
+        <p:spPr/>
+        <p:txBody>
+          <a:bodyPr/>
+          <a:lstStyle/>
+          <a:p>
+            <a:r>
+              <a:rPr lang="en-US" smtClean="0">
+                <a:latin typeface="Segoe UI" panose="020B0502040204020203" pitchFamily="34" charset="0"/>
+                <a:cs typeface="Segoe UI" panose="020B0502040204020203" pitchFamily="34" charset="0"/>
+              </a:rPr>
+              <a:t>Cyclic</a:t>
+            </a:r>
+            <a:r>
+              <a:rPr lang="vi-VN" smtClean="0">
+                <a:latin typeface="Segoe UI" panose="020B0502040204020203" pitchFamily="34" charset="0"/>
+                <a:cs typeface="Segoe UI" panose="020B0502040204020203" pitchFamily="34" charset="0"/>
+              </a:rPr>
+              <a:t> </a:t>
+            </a:r>
+            <a:r>
+              <a:rPr lang="vi-VN" smtClean="0">
+                <a:latin typeface="Segoe UI" panose="020B0502040204020203" pitchFamily="34" charset="0"/>
+                <a:cs typeface="Segoe UI" panose="020B0502040204020203" pitchFamily="34" charset="0"/>
+              </a:rPr>
+              <a:t>Tile</a:t>
+            </a:r>
+            <a:endParaRPr lang="en-US">
+              <a:latin typeface="Segoe UI" panose="020B0502040204020203" pitchFamily="34" charset="0"/>
+              <a:cs typeface="Segoe UI" panose="020B0502040204020203" pitchFamily="34" charset="0"/>
+            </a:endParaRPr>
+          </a:p>
+        </p:txBody>
+      </p:sp>
+      <p:sp>
+        <p:nvSpPr>
+          <p:cNvPr id="6" name="Chỗ dành sẵn cho Chân trang 3"/>
+          <p:cNvSpPr>
+            <a:spLocks noGrp="1"/>
+          </p:cNvSpPr>
+          <p:nvPr>
+            <p:ph type="ftr" sz="quarter" idx="11"/>
+          </p:nvPr>
+        </p:nvSpPr>
+        <p:spPr>
+          <a:xfrm>
+            <a:off x="0" y="6578600"/>
+            <a:ext cx="4064860" cy="279400"/>
+          </a:xfrm>
+        </p:spPr>
+        <p:txBody>
+          <a:bodyPr/>
+          <a:lstStyle/>
+          <a:p>
+            <a:r>
+              <a:rPr lang="en-US" i="1" smtClean="0">
+                <a:solidFill>
+                  <a:schemeClr val="bg2">
+                    <a:lumMod val="75000"/>
+                  </a:schemeClr>
+                </a:solidFill>
+                <a:latin typeface="Segoe UI" panose="020B0502040204020203" pitchFamily="34" charset="0"/>
+                <a:cs typeface="Segoe UI" panose="020B0502040204020203" pitchFamily="34" charset="0"/>
+              </a:rPr>
+              <a:t>Nhập môn phần mềm và hệ thống nhúng - SE114.G13</a:t>
+            </a:r>
+            <a:endParaRPr lang="en-US" i="1">
+              <a:solidFill>
+                <a:schemeClr val="bg2">
+                  <a:lumMod val="75000"/>
+                </a:schemeClr>
+              </a:solidFill>
+              <a:latin typeface="Segoe UI" panose="020B0502040204020203" pitchFamily="34" charset="0"/>
+              <a:cs typeface="Segoe UI" panose="020B0502040204020203" pitchFamily="34" charset="0"/>
+            </a:endParaRPr>
+          </a:p>
+        </p:txBody>
+      </p:sp>
+      <p:pic>
+        <p:nvPicPr>
+          <p:cNvPr id="5" name="Chỗ dành sẵn cho Nội dung 4"/>
+          <p:cNvPicPr>
+            <a:picLocks noGrp="1" noChangeAspect="1"/>
+          </p:cNvPicPr>
+          <p:nvPr>
+            <p:ph idx="1"/>
+          </p:nvPr>
+        </p:nvPicPr>
+        <p:blipFill>
+          <a:blip r:embed="rId2">
+            <a:extLst>
+              <a:ext uri="{28A0092B-C50C-407E-A947-70E740481C1C}">
+                <a14:useLocalDpi xmlns:a14="http://schemas.microsoft.com/office/drawing/2010/main" val="0"/>
+              </a:ext>
+            </a:extLst>
+          </a:blip>
+          <a:stretch>
+            <a:fillRect/>
+          </a:stretch>
+        </p:blipFill>
+        <p:spPr>
+          <a:xfrm>
+            <a:off x="1566333" y="2689307"/>
+            <a:ext cx="6167805" cy="2661626"/>
+          </a:xfrm>
+        </p:spPr>
+      </p:pic>
+    </p:spTree>
+    <p:extLst>
+      <p:ext uri="{BB962C8B-B14F-4D97-AF65-F5344CB8AC3E}">
+        <p14:creationId xmlns:p14="http://schemas.microsoft.com/office/powerpoint/2010/main" val="2314608553"/>
       </p:ext>
     </p:extLst>
   </p:cSld>
@@ -8279,9 +10092,2336 @@
   <p:timing>
     <p:tnLst>
       <p:par>
+        <p:cTn id="1" dur="indefinite" restart="never" nodeType="tmRoot">
+          <p:childTnLst>
+            <p:seq concurrent="1" nextAc="seek">
+              <p:cTn id="2" dur="indefinite" nodeType="mainSeq">
+                <p:childTnLst>
+                  <p:par>
+                    <p:cTn id="3" fill="hold">
+                      <p:stCondLst>
+                        <p:cond delay="indefinite"/>
+                      </p:stCondLst>
+                      <p:childTnLst>
+                        <p:par>
+                          <p:cTn id="4" fill="hold">
+                            <p:stCondLst>
+                              <p:cond delay="0"/>
+                            </p:stCondLst>
+                            <p:childTnLst>
+                              <p:par>
+                                <p:cTn id="5" presetID="47" presetClass="entr" presetSubtype="0" fill="hold" grpId="0" nodeType="clickEffect">
+                                  <p:stCondLst>
+                                    <p:cond delay="0"/>
+                                  </p:stCondLst>
+                                  <p:childTnLst>
+                                    <p:set>
+                                      <p:cBhvr>
+                                        <p:cTn id="6" dur="1" fill="hold">
+                                          <p:stCondLst>
+                                            <p:cond delay="0"/>
+                                          </p:stCondLst>
+                                        </p:cTn>
+                                        <p:tgtEl>
+                                          <p:spTgt spid="4"/>
+                                        </p:tgtEl>
+                                        <p:attrNameLst>
+                                          <p:attrName>style.visibility</p:attrName>
+                                        </p:attrNameLst>
+                                      </p:cBhvr>
+                                      <p:to>
+                                        <p:strVal val="visible"/>
+                                      </p:to>
+                                    </p:set>
+                                    <p:animEffect transition="in" filter="fade">
+                                      <p:cBhvr>
+                                        <p:cTn id="7" dur="1000"/>
+                                        <p:tgtEl>
+                                          <p:spTgt spid="4"/>
+                                        </p:tgtEl>
+                                      </p:cBhvr>
+                                    </p:animEffect>
+                                    <p:anim calcmode="lin" valueType="num">
+                                      <p:cBhvr>
+                                        <p:cTn id="8" dur="1000" fill="hold"/>
+                                        <p:tgtEl>
+                                          <p:spTgt spid="4"/>
+                                        </p:tgtEl>
+                                        <p:attrNameLst>
+                                          <p:attrName>ppt_x</p:attrName>
+                                        </p:attrNameLst>
+                                      </p:cBhvr>
+                                      <p:tavLst>
+                                        <p:tav tm="0">
+                                          <p:val>
+                                            <p:strVal val="#ppt_x"/>
+                                          </p:val>
+                                        </p:tav>
+                                        <p:tav tm="100000">
+                                          <p:val>
+                                            <p:strVal val="#ppt_x"/>
+                                          </p:val>
+                                        </p:tav>
+                                      </p:tavLst>
+                                    </p:anim>
+                                    <p:anim calcmode="lin" valueType="num">
+                                      <p:cBhvr>
+                                        <p:cTn id="9" dur="1000" fill="hold"/>
+                                        <p:tgtEl>
+                                          <p:spTgt spid="4"/>
+                                        </p:tgtEl>
+                                        <p:attrNameLst>
+                                          <p:attrName>ppt_y</p:attrName>
+                                        </p:attrNameLst>
+                                      </p:cBhvr>
+                                      <p:tavLst>
+                                        <p:tav tm="0">
+                                          <p:val>
+                                            <p:strVal val="#ppt_y-.1"/>
+                                          </p:val>
+                                        </p:tav>
+                                        <p:tav tm="100000">
+                                          <p:val>
+                                            <p:strVal val="#ppt_y"/>
+                                          </p:val>
+                                        </p:tav>
+                                      </p:tavLst>
+                                    </p:anim>
+                                  </p:childTnLst>
+                                </p:cTn>
+                              </p:par>
+                            </p:childTnLst>
+                          </p:cTn>
+                        </p:par>
+                      </p:childTnLst>
+                    </p:cTn>
+                  </p:par>
+                  <p:par>
+                    <p:cTn id="10" fill="hold">
+                      <p:stCondLst>
+                        <p:cond delay="indefinite"/>
+                      </p:stCondLst>
+                      <p:childTnLst>
+                        <p:par>
+                          <p:cTn id="11" fill="hold">
+                            <p:stCondLst>
+                              <p:cond delay="0"/>
+                            </p:stCondLst>
+                            <p:childTnLst>
+                              <p:par>
+                                <p:cTn id="12" presetID="25" presetClass="entr" presetSubtype="0" fill="hold" nodeType="clickEffect">
+                                  <p:stCondLst>
+                                    <p:cond delay="0"/>
+                                  </p:stCondLst>
+                                  <p:childTnLst>
+                                    <p:set>
+                                      <p:cBhvr>
+                                        <p:cTn id="13" dur="1" fill="hold">
+                                          <p:stCondLst>
+                                            <p:cond delay="0"/>
+                                          </p:stCondLst>
+                                        </p:cTn>
+                                        <p:tgtEl>
+                                          <p:spTgt spid="8"/>
+                                        </p:tgtEl>
+                                        <p:attrNameLst>
+                                          <p:attrName>style.visibility</p:attrName>
+                                        </p:attrNameLst>
+                                      </p:cBhvr>
+                                      <p:to>
+                                        <p:strVal val="visible"/>
+                                      </p:to>
+                                    </p:set>
+                                    <p:anim calcmode="lin" valueType="num">
+                                      <p:cBhvr>
+                                        <p:cTn id="14" dur="500" decel="50000" fill="hold">
+                                          <p:stCondLst>
+                                            <p:cond delay="0"/>
+                                          </p:stCondLst>
+                                        </p:cTn>
+                                        <p:tgtEl>
+                                          <p:spTgt spid="8"/>
+                                        </p:tgtEl>
+                                        <p:attrNameLst>
+                                          <p:attrName>style.rotation</p:attrName>
+                                        </p:attrNameLst>
+                                      </p:cBhvr>
+                                      <p:tavLst>
+                                        <p:tav tm="0">
+                                          <p:val>
+                                            <p:fltVal val="-90"/>
+                                          </p:val>
+                                        </p:tav>
+                                        <p:tav tm="100000">
+                                          <p:val>
+                                            <p:fltVal val="0"/>
+                                          </p:val>
+                                        </p:tav>
+                                      </p:tavLst>
+                                    </p:anim>
+                                    <p:anim calcmode="lin" valueType="num">
+                                      <p:cBhvr>
+                                        <p:cTn id="15" dur="500" decel="50000" fill="hold">
+                                          <p:stCondLst>
+                                            <p:cond delay="0"/>
+                                          </p:stCondLst>
+                                        </p:cTn>
+                                        <p:tgtEl>
+                                          <p:spTgt spid="8"/>
+                                        </p:tgtEl>
+                                        <p:attrNameLst>
+                                          <p:attrName>ppt_w</p:attrName>
+                                        </p:attrNameLst>
+                                      </p:cBhvr>
+                                      <p:tavLst>
+                                        <p:tav tm="0">
+                                          <p:val>
+                                            <p:strVal val="#ppt_w"/>
+                                          </p:val>
+                                        </p:tav>
+                                        <p:tav tm="100000">
+                                          <p:val>
+                                            <p:strVal val="#ppt_w*.05"/>
+                                          </p:val>
+                                        </p:tav>
+                                      </p:tavLst>
+                                    </p:anim>
+                                    <p:anim calcmode="lin" valueType="num">
+                                      <p:cBhvr>
+                                        <p:cTn id="16" dur="500" accel="50000" fill="hold">
+                                          <p:stCondLst>
+                                            <p:cond delay="500"/>
+                                          </p:stCondLst>
+                                        </p:cTn>
+                                        <p:tgtEl>
+                                          <p:spTgt spid="8"/>
+                                        </p:tgtEl>
+                                        <p:attrNameLst>
+                                          <p:attrName>ppt_w</p:attrName>
+                                        </p:attrNameLst>
+                                      </p:cBhvr>
+                                      <p:tavLst>
+                                        <p:tav tm="0">
+                                          <p:val>
+                                            <p:strVal val="#ppt_w*.05"/>
+                                          </p:val>
+                                        </p:tav>
+                                        <p:tav tm="100000">
+                                          <p:val>
+                                            <p:strVal val="#ppt_w"/>
+                                          </p:val>
+                                        </p:tav>
+                                      </p:tavLst>
+                                    </p:anim>
+                                    <p:anim calcmode="lin" valueType="num">
+                                      <p:cBhvr>
+                                        <p:cTn id="17" dur="1000" fill="hold"/>
+                                        <p:tgtEl>
+                                          <p:spTgt spid="8"/>
+                                        </p:tgtEl>
+                                        <p:attrNameLst>
+                                          <p:attrName>ppt_h</p:attrName>
+                                        </p:attrNameLst>
+                                      </p:cBhvr>
+                                      <p:tavLst>
+                                        <p:tav tm="0">
+                                          <p:val>
+                                            <p:strVal val="#ppt_h"/>
+                                          </p:val>
+                                        </p:tav>
+                                        <p:tav tm="100000">
+                                          <p:val>
+                                            <p:strVal val="#ppt_h"/>
+                                          </p:val>
+                                        </p:tav>
+                                      </p:tavLst>
+                                    </p:anim>
+                                    <p:anim calcmode="lin" valueType="num">
+                                      <p:cBhvr>
+                                        <p:cTn id="18" dur="500" decel="50000" fill="hold">
+                                          <p:stCondLst>
+                                            <p:cond delay="0"/>
+                                          </p:stCondLst>
+                                        </p:cTn>
+                                        <p:tgtEl>
+                                          <p:spTgt spid="8"/>
+                                        </p:tgtEl>
+                                        <p:attrNameLst>
+                                          <p:attrName>ppt_x</p:attrName>
+                                        </p:attrNameLst>
+                                      </p:cBhvr>
+                                      <p:tavLst>
+                                        <p:tav tm="0">
+                                          <p:val>
+                                            <p:strVal val="#ppt_x+.4"/>
+                                          </p:val>
+                                        </p:tav>
+                                        <p:tav tm="100000">
+                                          <p:val>
+                                            <p:strVal val="#ppt_x"/>
+                                          </p:val>
+                                        </p:tav>
+                                      </p:tavLst>
+                                    </p:anim>
+                                    <p:anim calcmode="lin" valueType="num">
+                                      <p:cBhvr>
+                                        <p:cTn id="19" dur="500" decel="50000" fill="hold">
+                                          <p:stCondLst>
+                                            <p:cond delay="0"/>
+                                          </p:stCondLst>
+                                        </p:cTn>
+                                        <p:tgtEl>
+                                          <p:spTgt spid="8"/>
+                                        </p:tgtEl>
+                                        <p:attrNameLst>
+                                          <p:attrName>ppt_y</p:attrName>
+                                        </p:attrNameLst>
+                                      </p:cBhvr>
+                                      <p:tavLst>
+                                        <p:tav tm="0">
+                                          <p:val>
+                                            <p:strVal val="#ppt_y-.2"/>
+                                          </p:val>
+                                        </p:tav>
+                                        <p:tav tm="100000">
+                                          <p:val>
+                                            <p:strVal val="#ppt_y+.1"/>
+                                          </p:val>
+                                        </p:tav>
+                                      </p:tavLst>
+                                    </p:anim>
+                                    <p:anim calcmode="lin" valueType="num">
+                                      <p:cBhvr>
+                                        <p:cTn id="20" dur="500" accel="50000" fill="hold">
+                                          <p:stCondLst>
+                                            <p:cond delay="500"/>
+                                          </p:stCondLst>
+                                        </p:cTn>
+                                        <p:tgtEl>
+                                          <p:spTgt spid="8"/>
+                                        </p:tgtEl>
+                                        <p:attrNameLst>
+                                          <p:attrName>ppt_y</p:attrName>
+                                        </p:attrNameLst>
+                                      </p:cBhvr>
+                                      <p:tavLst>
+                                        <p:tav tm="0">
+                                          <p:val>
+                                            <p:strVal val="#ppt_y+.1"/>
+                                          </p:val>
+                                        </p:tav>
+                                        <p:tav tm="100000">
+                                          <p:val>
+                                            <p:strVal val="#ppt_y"/>
+                                          </p:val>
+                                        </p:tav>
+                                      </p:tavLst>
+                                    </p:anim>
+                                    <p:animEffect transition="in" filter="fade">
+                                      <p:cBhvr>
+                                        <p:cTn id="21" dur="1000" decel="50000">
+                                          <p:stCondLst>
+                                            <p:cond delay="0"/>
+                                          </p:stCondLst>
+                                        </p:cTn>
+                                        <p:tgtEl>
+                                          <p:spTgt spid="8"/>
+                                        </p:tgtEl>
+                                      </p:cBhvr>
+                                    </p:animEffect>
+                                  </p:childTnLst>
+                                </p:cTn>
+                              </p:par>
+                            </p:childTnLst>
+                          </p:cTn>
+                        </p:par>
+                      </p:childTnLst>
+                    </p:cTn>
+                  </p:par>
+                </p:childTnLst>
+              </p:cTn>
+              <p:prevCondLst>
+                <p:cond evt="onPrev" delay="0">
+                  <p:tgtEl>
+                    <p:sldTgt/>
+                  </p:tgtEl>
+                </p:cond>
+              </p:prevCondLst>
+              <p:nextCondLst>
+                <p:cond evt="onNext" delay="0">
+                  <p:tgtEl>
+                    <p:sldTgt/>
+                  </p:tgtEl>
+                </p:cond>
+              </p:nextCondLst>
+            </p:seq>
+          </p:childTnLst>
+        </p:cTn>
+      </p:par>
+    </p:tnLst>
+    <p:bldLst>
+      <p:bldP spid="4" grpId="0"/>
+    </p:bldLst>
+  </p:timing>
+</p:sld>
+</file>
+
+<file path=ppt/slides/slide20.xml><?xml version="1.0" encoding="utf-8"?>
+<p:sld xmlns:a="http://schemas.openxmlformats.org/drawingml/2006/main" xmlns:r="http://schemas.openxmlformats.org/officeDocument/2006/relationships" xmlns:p="http://schemas.openxmlformats.org/presentationml/2006/main">
+  <p:cSld>
+    <p:spTree>
+      <p:nvGrpSpPr>
+        <p:cNvPr id="1" name=""/>
+        <p:cNvGrpSpPr/>
+        <p:nvPr/>
+      </p:nvGrpSpPr>
+      <p:grpSpPr>
+        <a:xfrm>
+          <a:off x="0" y="0"/>
+          <a:ext cx="0" cy="0"/>
+          <a:chOff x="0" y="0"/>
+          <a:chExt cx="0" cy="0"/>
+        </a:xfrm>
+      </p:grpSpPr>
+      <p:sp>
+        <p:nvSpPr>
+          <p:cNvPr id="2" name="Tiêu đề 1"/>
+          <p:cNvSpPr>
+            <a:spLocks noGrp="1"/>
+          </p:cNvSpPr>
+          <p:nvPr>
+            <p:ph type="title"/>
+          </p:nvPr>
+        </p:nvSpPr>
+        <p:spPr/>
+        <p:txBody>
+          <a:bodyPr/>
+          <a:lstStyle/>
+          <a:p>
+            <a:r>
+              <a:rPr lang="en-US" smtClean="0">
+                <a:latin typeface="Segoe UI" panose="020B0502040204020203" pitchFamily="34" charset="0"/>
+                <a:cs typeface="Segoe UI" panose="020B0502040204020203" pitchFamily="34" charset="0"/>
+              </a:rPr>
+              <a:t>Cyclic</a:t>
+            </a:r>
+            <a:r>
+              <a:rPr lang="vi-VN" smtClean="0">
+                <a:latin typeface="Segoe UI" panose="020B0502040204020203" pitchFamily="34" charset="0"/>
+                <a:cs typeface="Segoe UI" panose="020B0502040204020203" pitchFamily="34" charset="0"/>
+              </a:rPr>
+              <a:t> </a:t>
+            </a:r>
+            <a:r>
+              <a:rPr lang="vi-VN" smtClean="0">
+                <a:latin typeface="Segoe UI" panose="020B0502040204020203" pitchFamily="34" charset="0"/>
+                <a:cs typeface="Segoe UI" panose="020B0502040204020203" pitchFamily="34" charset="0"/>
+              </a:rPr>
+              <a:t>Tile</a:t>
+            </a:r>
+            <a:endParaRPr lang="en-US">
+              <a:latin typeface="Segoe UI" panose="020B0502040204020203" pitchFamily="34" charset="0"/>
+              <a:cs typeface="Segoe UI" panose="020B0502040204020203" pitchFamily="34" charset="0"/>
+            </a:endParaRPr>
+          </a:p>
+        </p:txBody>
+      </p:sp>
+      <p:sp>
+        <p:nvSpPr>
+          <p:cNvPr id="6" name="Chỗ dành sẵn cho Chân trang 3"/>
+          <p:cNvSpPr>
+            <a:spLocks noGrp="1"/>
+          </p:cNvSpPr>
+          <p:nvPr>
+            <p:ph type="ftr" sz="quarter" idx="11"/>
+          </p:nvPr>
+        </p:nvSpPr>
+        <p:spPr>
+          <a:xfrm>
+            <a:off x="0" y="6578600"/>
+            <a:ext cx="4064860" cy="279400"/>
+          </a:xfrm>
+        </p:spPr>
+        <p:txBody>
+          <a:bodyPr/>
+          <a:lstStyle/>
+          <a:p>
+            <a:r>
+              <a:rPr lang="en-US" i="1" smtClean="0">
+                <a:solidFill>
+                  <a:schemeClr val="bg2">
+                    <a:lumMod val="75000"/>
+                  </a:schemeClr>
+                </a:solidFill>
+                <a:latin typeface="Segoe UI" panose="020B0502040204020203" pitchFamily="34" charset="0"/>
+                <a:cs typeface="Segoe UI" panose="020B0502040204020203" pitchFamily="34" charset="0"/>
+              </a:rPr>
+              <a:t>Nhập môn phần mềm và hệ thống nhúng - SE114.G13</a:t>
+            </a:r>
+            <a:endParaRPr lang="en-US" i="1">
+              <a:solidFill>
+                <a:schemeClr val="bg2">
+                  <a:lumMod val="75000"/>
+                </a:schemeClr>
+              </a:solidFill>
+              <a:latin typeface="Segoe UI" panose="020B0502040204020203" pitchFamily="34" charset="0"/>
+              <a:cs typeface="Segoe UI" panose="020B0502040204020203" pitchFamily="34" charset="0"/>
+            </a:endParaRPr>
+          </a:p>
+        </p:txBody>
+      </p:sp>
+      <p:pic>
+        <p:nvPicPr>
+          <p:cNvPr id="4" name="Chỗ dành sẵn cho Nội dung 3"/>
+          <p:cNvPicPr>
+            <a:picLocks noGrp="1" noChangeAspect="1"/>
+          </p:cNvPicPr>
+          <p:nvPr>
+            <p:ph idx="1"/>
+          </p:nvPr>
+        </p:nvPicPr>
+        <p:blipFill>
+          <a:blip r:embed="rId2">
+            <a:extLst>
+              <a:ext uri="{28A0092B-C50C-407E-A947-70E740481C1C}">
+                <a14:useLocalDpi xmlns:a14="http://schemas.microsoft.com/office/drawing/2010/main" val="0"/>
+              </a:ext>
+            </a:extLst>
+          </a:blip>
+          <a:stretch>
+            <a:fillRect/>
+          </a:stretch>
+        </p:blipFill>
+        <p:spPr>
+          <a:xfrm>
+            <a:off x="1606238" y="2518914"/>
+            <a:ext cx="5997232" cy="3536829"/>
+          </a:xfrm>
+        </p:spPr>
+      </p:pic>
+    </p:spTree>
+    <p:extLst>
+      <p:ext uri="{BB962C8B-B14F-4D97-AF65-F5344CB8AC3E}">
+        <p14:creationId xmlns:p14="http://schemas.microsoft.com/office/powerpoint/2010/main" val="3411048101"/>
+      </p:ext>
+    </p:extLst>
+  </p:cSld>
+  <p:clrMapOvr>
+    <a:masterClrMapping/>
+  </p:clrMapOvr>
+  <p:timing>
+    <p:tnLst>
+      <p:par>
         <p:cTn id="1" dur="indefinite" restart="never" nodeType="tmRoot"/>
       </p:par>
     </p:tnLst>
+  </p:timing>
+</p:sld>
+</file>
+
+<file path=ppt/slides/slide21.xml><?xml version="1.0" encoding="utf-8"?>
+<p:sld xmlns:a="http://schemas.openxmlformats.org/drawingml/2006/main" xmlns:r="http://schemas.openxmlformats.org/officeDocument/2006/relationships" xmlns:p="http://schemas.openxmlformats.org/presentationml/2006/main">
+  <p:cSld>
+    <p:spTree>
+      <p:nvGrpSpPr>
+        <p:cNvPr id="1" name=""/>
+        <p:cNvGrpSpPr/>
+        <p:nvPr/>
+      </p:nvGrpSpPr>
+      <p:grpSpPr>
+        <a:xfrm>
+          <a:off x="0" y="0"/>
+          <a:ext cx="0" cy="0"/>
+          <a:chOff x="0" y="0"/>
+          <a:chExt cx="0" cy="0"/>
+        </a:xfrm>
+      </p:grpSpPr>
+      <p:sp>
+        <p:nvSpPr>
+          <p:cNvPr id="2" name="Tiêu đề 1"/>
+          <p:cNvSpPr>
+            <a:spLocks noGrp="1"/>
+          </p:cNvSpPr>
+          <p:nvPr>
+            <p:ph type="title"/>
+          </p:nvPr>
+        </p:nvSpPr>
+        <p:spPr/>
+        <p:txBody>
+          <a:bodyPr/>
+          <a:lstStyle/>
+          <a:p>
+            <a:r>
+              <a:rPr lang="en-US" smtClean="0">
+                <a:latin typeface="Segoe UI" panose="020B0502040204020203" pitchFamily="34" charset="0"/>
+                <a:cs typeface="Segoe UI" panose="020B0502040204020203" pitchFamily="34" charset="0"/>
+              </a:rPr>
+              <a:t>Cyclic</a:t>
+            </a:r>
+            <a:r>
+              <a:rPr lang="vi-VN" smtClean="0">
+                <a:latin typeface="Segoe UI" panose="020B0502040204020203" pitchFamily="34" charset="0"/>
+                <a:cs typeface="Segoe UI" panose="020B0502040204020203" pitchFamily="34" charset="0"/>
+              </a:rPr>
+              <a:t> </a:t>
+            </a:r>
+            <a:r>
+              <a:rPr lang="vi-VN" smtClean="0">
+                <a:latin typeface="Segoe UI" panose="020B0502040204020203" pitchFamily="34" charset="0"/>
+                <a:cs typeface="Segoe UI" panose="020B0502040204020203" pitchFamily="34" charset="0"/>
+              </a:rPr>
+              <a:t>Tile</a:t>
+            </a:r>
+            <a:endParaRPr lang="en-US">
+              <a:latin typeface="Segoe UI" panose="020B0502040204020203" pitchFamily="34" charset="0"/>
+              <a:cs typeface="Segoe UI" panose="020B0502040204020203" pitchFamily="34" charset="0"/>
+            </a:endParaRPr>
+          </a:p>
+        </p:txBody>
+      </p:sp>
+      <p:sp>
+        <p:nvSpPr>
+          <p:cNvPr id="6" name="Chỗ dành sẵn cho Chân trang 3"/>
+          <p:cNvSpPr>
+            <a:spLocks noGrp="1"/>
+          </p:cNvSpPr>
+          <p:nvPr>
+            <p:ph type="ftr" sz="quarter" idx="11"/>
+          </p:nvPr>
+        </p:nvSpPr>
+        <p:spPr>
+          <a:xfrm>
+            <a:off x="0" y="6578600"/>
+            <a:ext cx="4064860" cy="279400"/>
+          </a:xfrm>
+        </p:spPr>
+        <p:txBody>
+          <a:bodyPr/>
+          <a:lstStyle/>
+          <a:p>
+            <a:r>
+              <a:rPr lang="en-US" i="1" smtClean="0">
+                <a:solidFill>
+                  <a:schemeClr val="bg2">
+                    <a:lumMod val="75000"/>
+                  </a:schemeClr>
+                </a:solidFill>
+                <a:latin typeface="Segoe UI" panose="020B0502040204020203" pitchFamily="34" charset="0"/>
+                <a:cs typeface="Segoe UI" panose="020B0502040204020203" pitchFamily="34" charset="0"/>
+              </a:rPr>
+              <a:t>Nhập môn phần mềm và hệ thống nhúng - SE114.G13</a:t>
+            </a:r>
+            <a:endParaRPr lang="en-US" i="1">
+              <a:solidFill>
+                <a:schemeClr val="bg2">
+                  <a:lumMod val="75000"/>
+                </a:schemeClr>
+              </a:solidFill>
+              <a:latin typeface="Segoe UI" panose="020B0502040204020203" pitchFamily="34" charset="0"/>
+              <a:cs typeface="Segoe UI" panose="020B0502040204020203" pitchFamily="34" charset="0"/>
+            </a:endParaRPr>
+          </a:p>
+        </p:txBody>
+      </p:sp>
+      <p:pic>
+        <p:nvPicPr>
+          <p:cNvPr id="4" name="Chỗ dành sẵn cho Nội dung 3"/>
+          <p:cNvPicPr>
+            <a:picLocks noGrp="1" noChangeAspect="1"/>
+          </p:cNvPicPr>
+          <p:nvPr>
+            <p:ph idx="1"/>
+          </p:nvPr>
+        </p:nvPicPr>
+        <p:blipFill>
+          <a:blip r:embed="rId2">
+            <a:extLst>
+              <a:ext uri="{28A0092B-C50C-407E-A947-70E740481C1C}">
+                <a14:useLocalDpi xmlns:a14="http://schemas.microsoft.com/office/drawing/2010/main" val="0"/>
+              </a:ext>
+            </a:extLst>
+          </a:blip>
+          <a:stretch>
+            <a:fillRect/>
+          </a:stretch>
+        </p:blipFill>
+        <p:spPr>
+          <a:xfrm>
+            <a:off x="-157383" y="2769704"/>
+            <a:ext cx="9388153" cy="2371640"/>
+          </a:xfrm>
+        </p:spPr>
+      </p:pic>
+    </p:spTree>
+    <p:extLst>
+      <p:ext uri="{BB962C8B-B14F-4D97-AF65-F5344CB8AC3E}">
+        <p14:creationId xmlns:p14="http://schemas.microsoft.com/office/powerpoint/2010/main" val="3795017311"/>
+      </p:ext>
+    </p:extLst>
+  </p:cSld>
+  <p:clrMapOvr>
+    <a:masterClrMapping/>
+  </p:clrMapOvr>
+  <p:timing>
+    <p:tnLst>
+      <p:par>
+        <p:cTn id="1" dur="indefinite" restart="never" nodeType="tmRoot"/>
+      </p:par>
+    </p:tnLst>
+  </p:timing>
+</p:sld>
+</file>
+
+<file path=ppt/slides/slide22.xml><?xml version="1.0" encoding="utf-8"?>
+<p:sld xmlns:a="http://schemas.openxmlformats.org/drawingml/2006/main" xmlns:r="http://schemas.openxmlformats.org/officeDocument/2006/relationships" xmlns:p="http://schemas.openxmlformats.org/presentationml/2006/main">
+  <p:cSld>
+    <p:spTree>
+      <p:nvGrpSpPr>
+        <p:cNvPr id="1" name=""/>
+        <p:cNvGrpSpPr/>
+        <p:nvPr/>
+      </p:nvGrpSpPr>
+      <p:grpSpPr>
+        <a:xfrm>
+          <a:off x="0" y="0"/>
+          <a:ext cx="0" cy="0"/>
+          <a:chOff x="0" y="0"/>
+          <a:chExt cx="0" cy="0"/>
+        </a:xfrm>
+      </p:grpSpPr>
+      <p:sp>
+        <p:nvSpPr>
+          <p:cNvPr id="2" name="Tiêu đề 1"/>
+          <p:cNvSpPr>
+            <a:spLocks noGrp="1"/>
+          </p:cNvSpPr>
+          <p:nvPr>
+            <p:ph type="title"/>
+          </p:nvPr>
+        </p:nvSpPr>
+        <p:spPr/>
+        <p:txBody>
+          <a:bodyPr/>
+          <a:lstStyle/>
+          <a:p>
+            <a:r>
+              <a:rPr lang="en-US" smtClean="0">
+                <a:latin typeface="Segoe UI" panose="020B0502040204020203" pitchFamily="34" charset="0"/>
+                <a:cs typeface="Segoe UI" panose="020B0502040204020203" pitchFamily="34" charset="0"/>
+              </a:rPr>
+              <a:t>Cyclic</a:t>
+            </a:r>
+            <a:r>
+              <a:rPr lang="vi-VN" smtClean="0">
+                <a:latin typeface="Segoe UI" panose="020B0502040204020203" pitchFamily="34" charset="0"/>
+                <a:cs typeface="Segoe UI" panose="020B0502040204020203" pitchFamily="34" charset="0"/>
+              </a:rPr>
+              <a:t> </a:t>
+            </a:r>
+            <a:r>
+              <a:rPr lang="vi-VN" smtClean="0">
+                <a:latin typeface="Segoe UI" panose="020B0502040204020203" pitchFamily="34" charset="0"/>
+                <a:cs typeface="Segoe UI" panose="020B0502040204020203" pitchFamily="34" charset="0"/>
+              </a:rPr>
+              <a:t>Tile</a:t>
+            </a:r>
+            <a:endParaRPr lang="en-US">
+              <a:latin typeface="Segoe UI" panose="020B0502040204020203" pitchFamily="34" charset="0"/>
+              <a:cs typeface="Segoe UI" panose="020B0502040204020203" pitchFamily="34" charset="0"/>
+            </a:endParaRPr>
+          </a:p>
+        </p:txBody>
+      </p:sp>
+      <p:sp>
+        <p:nvSpPr>
+          <p:cNvPr id="6" name="Chỗ dành sẵn cho Chân trang 3"/>
+          <p:cNvSpPr>
+            <a:spLocks noGrp="1"/>
+          </p:cNvSpPr>
+          <p:nvPr>
+            <p:ph type="ftr" sz="quarter" idx="11"/>
+          </p:nvPr>
+        </p:nvSpPr>
+        <p:spPr>
+          <a:xfrm>
+            <a:off x="0" y="6578600"/>
+            <a:ext cx="4064860" cy="279400"/>
+          </a:xfrm>
+        </p:spPr>
+        <p:txBody>
+          <a:bodyPr/>
+          <a:lstStyle/>
+          <a:p>
+            <a:r>
+              <a:rPr lang="en-US" i="1" smtClean="0">
+                <a:solidFill>
+                  <a:schemeClr val="bg2">
+                    <a:lumMod val="75000"/>
+                  </a:schemeClr>
+                </a:solidFill>
+                <a:latin typeface="Segoe UI" panose="020B0502040204020203" pitchFamily="34" charset="0"/>
+                <a:cs typeface="Segoe UI" panose="020B0502040204020203" pitchFamily="34" charset="0"/>
+              </a:rPr>
+              <a:t>Nhập môn phần mềm và hệ thống nhúng - SE114.G13</a:t>
+            </a:r>
+            <a:endParaRPr lang="en-US" i="1">
+              <a:solidFill>
+                <a:schemeClr val="bg2">
+                  <a:lumMod val="75000"/>
+                </a:schemeClr>
+              </a:solidFill>
+              <a:latin typeface="Segoe UI" panose="020B0502040204020203" pitchFamily="34" charset="0"/>
+              <a:cs typeface="Segoe UI" panose="020B0502040204020203" pitchFamily="34" charset="0"/>
+            </a:endParaRPr>
+          </a:p>
+        </p:txBody>
+      </p:sp>
+      <p:pic>
+        <p:nvPicPr>
+          <p:cNvPr id="4" name="Chỗ dành sẵn cho Nội dung 3"/>
+          <p:cNvPicPr>
+            <a:picLocks noGrp="1" noChangeAspect="1"/>
+          </p:cNvPicPr>
+          <p:nvPr>
+            <p:ph idx="1"/>
+          </p:nvPr>
+        </p:nvPicPr>
+        <p:blipFill>
+          <a:blip r:embed="rId2">
+            <a:extLst>
+              <a:ext uri="{28A0092B-C50C-407E-A947-70E740481C1C}">
+                <a14:useLocalDpi xmlns:a14="http://schemas.microsoft.com/office/drawing/2010/main" val="0"/>
+              </a:ext>
+            </a:extLst>
+          </a:blip>
+          <a:stretch>
+            <a:fillRect/>
+          </a:stretch>
+        </p:blipFill>
+        <p:spPr>
+          <a:xfrm>
+            <a:off x="-159026" y="2398854"/>
+            <a:ext cx="9376954" cy="3553371"/>
+          </a:xfrm>
+        </p:spPr>
+      </p:pic>
+    </p:spTree>
+    <p:extLst>
+      <p:ext uri="{BB962C8B-B14F-4D97-AF65-F5344CB8AC3E}">
+        <p14:creationId xmlns:p14="http://schemas.microsoft.com/office/powerpoint/2010/main" val="3621774756"/>
+      </p:ext>
+    </p:extLst>
+  </p:cSld>
+  <p:clrMapOvr>
+    <a:masterClrMapping/>
+  </p:clrMapOvr>
+  <p:timing>
+    <p:tnLst>
+      <p:par>
+        <p:cTn id="1" dur="indefinite" restart="never" nodeType="tmRoot"/>
+      </p:par>
+    </p:tnLst>
+  </p:timing>
+</p:sld>
+</file>
+
+<file path=ppt/slides/slide23.xml><?xml version="1.0" encoding="utf-8"?>
+<p:sld xmlns:a="http://schemas.openxmlformats.org/drawingml/2006/main" xmlns:r="http://schemas.openxmlformats.org/officeDocument/2006/relationships" xmlns:p="http://schemas.openxmlformats.org/presentationml/2006/main">
+  <p:cSld>
+    <p:spTree>
+      <p:nvGrpSpPr>
+        <p:cNvPr id="1" name=""/>
+        <p:cNvGrpSpPr/>
+        <p:nvPr/>
+      </p:nvGrpSpPr>
+      <p:grpSpPr>
+        <a:xfrm>
+          <a:off x="0" y="0"/>
+          <a:ext cx="0" cy="0"/>
+          <a:chOff x="0" y="0"/>
+          <a:chExt cx="0" cy="0"/>
+        </a:xfrm>
+      </p:grpSpPr>
+      <p:sp>
+        <p:nvSpPr>
+          <p:cNvPr id="2" name="Tiêu đề 1"/>
+          <p:cNvSpPr>
+            <a:spLocks noGrp="1"/>
+          </p:cNvSpPr>
+          <p:nvPr>
+            <p:ph type="title"/>
+          </p:nvPr>
+        </p:nvSpPr>
+        <p:spPr/>
+        <p:txBody>
+          <a:bodyPr/>
+          <a:lstStyle/>
+          <a:p>
+            <a:r>
+              <a:rPr lang="en-US" smtClean="0">
+                <a:latin typeface="Segoe UI" panose="020B0502040204020203" pitchFamily="34" charset="0"/>
+                <a:cs typeface="Segoe UI" panose="020B0502040204020203" pitchFamily="34" charset="0"/>
+              </a:rPr>
+              <a:t>Cyclic</a:t>
+            </a:r>
+            <a:r>
+              <a:rPr lang="vi-VN" smtClean="0">
+                <a:latin typeface="Segoe UI" panose="020B0502040204020203" pitchFamily="34" charset="0"/>
+                <a:cs typeface="Segoe UI" panose="020B0502040204020203" pitchFamily="34" charset="0"/>
+              </a:rPr>
+              <a:t> </a:t>
+            </a:r>
+            <a:r>
+              <a:rPr lang="vi-VN" smtClean="0">
+                <a:latin typeface="Segoe UI" panose="020B0502040204020203" pitchFamily="34" charset="0"/>
+                <a:cs typeface="Segoe UI" panose="020B0502040204020203" pitchFamily="34" charset="0"/>
+              </a:rPr>
+              <a:t>Tile</a:t>
+            </a:r>
+            <a:endParaRPr lang="en-US">
+              <a:latin typeface="Segoe UI" panose="020B0502040204020203" pitchFamily="34" charset="0"/>
+              <a:cs typeface="Segoe UI" panose="020B0502040204020203" pitchFamily="34" charset="0"/>
+            </a:endParaRPr>
+          </a:p>
+        </p:txBody>
+      </p:sp>
+      <p:sp>
+        <p:nvSpPr>
+          <p:cNvPr id="6" name="Chỗ dành sẵn cho Chân trang 3"/>
+          <p:cNvSpPr>
+            <a:spLocks noGrp="1"/>
+          </p:cNvSpPr>
+          <p:nvPr>
+            <p:ph type="ftr" sz="quarter" idx="11"/>
+          </p:nvPr>
+        </p:nvSpPr>
+        <p:spPr>
+          <a:xfrm>
+            <a:off x="0" y="6578600"/>
+            <a:ext cx="4064860" cy="279400"/>
+          </a:xfrm>
+        </p:spPr>
+        <p:txBody>
+          <a:bodyPr/>
+          <a:lstStyle/>
+          <a:p>
+            <a:r>
+              <a:rPr lang="en-US" i="1" smtClean="0">
+                <a:solidFill>
+                  <a:schemeClr val="bg2">
+                    <a:lumMod val="75000"/>
+                  </a:schemeClr>
+                </a:solidFill>
+                <a:latin typeface="Segoe UI" panose="020B0502040204020203" pitchFamily="34" charset="0"/>
+                <a:cs typeface="Segoe UI" panose="020B0502040204020203" pitchFamily="34" charset="0"/>
+              </a:rPr>
+              <a:t>Nhập môn phần mềm và hệ thống nhúng - SE114.G13</a:t>
+            </a:r>
+            <a:endParaRPr lang="en-US" i="1">
+              <a:solidFill>
+                <a:schemeClr val="bg2">
+                  <a:lumMod val="75000"/>
+                </a:schemeClr>
+              </a:solidFill>
+              <a:latin typeface="Segoe UI" panose="020B0502040204020203" pitchFamily="34" charset="0"/>
+              <a:cs typeface="Segoe UI" panose="020B0502040204020203" pitchFamily="34" charset="0"/>
+            </a:endParaRPr>
+          </a:p>
+        </p:txBody>
+      </p:sp>
+      <p:pic>
+        <p:nvPicPr>
+          <p:cNvPr id="4" name="Chỗ dành sẵn cho Nội dung 3"/>
+          <p:cNvPicPr>
+            <a:picLocks noGrp="1" noChangeAspect="1"/>
+          </p:cNvPicPr>
+          <p:nvPr>
+            <p:ph idx="1"/>
+          </p:nvPr>
+        </p:nvPicPr>
+        <p:blipFill>
+          <a:blip r:embed="rId2">
+            <a:extLst>
+              <a:ext uri="{28A0092B-C50C-407E-A947-70E740481C1C}">
+                <a14:useLocalDpi xmlns:a14="http://schemas.microsoft.com/office/drawing/2010/main" val="0"/>
+              </a:ext>
+            </a:extLst>
+          </a:blip>
+          <a:stretch>
+            <a:fillRect/>
+          </a:stretch>
+        </p:blipFill>
+        <p:spPr>
+          <a:xfrm>
+            <a:off x="-172278" y="2456558"/>
+            <a:ext cx="9339224" cy="3961495"/>
+          </a:xfrm>
+        </p:spPr>
+      </p:pic>
+    </p:spTree>
+    <p:extLst>
+      <p:ext uri="{BB962C8B-B14F-4D97-AF65-F5344CB8AC3E}">
+        <p14:creationId xmlns:p14="http://schemas.microsoft.com/office/powerpoint/2010/main" val="3568363260"/>
+      </p:ext>
+    </p:extLst>
+  </p:cSld>
+  <p:clrMapOvr>
+    <a:masterClrMapping/>
+  </p:clrMapOvr>
+  <p:timing>
+    <p:tnLst>
+      <p:par>
+        <p:cTn id="1" dur="indefinite" restart="never" nodeType="tmRoot"/>
+      </p:par>
+    </p:tnLst>
+  </p:timing>
+</p:sld>
+</file>
+
+<file path=ppt/slides/slide24.xml><?xml version="1.0" encoding="utf-8"?>
+<p:sld xmlns:a="http://schemas.openxmlformats.org/drawingml/2006/main" xmlns:r="http://schemas.openxmlformats.org/officeDocument/2006/relationships" xmlns:p="http://schemas.openxmlformats.org/presentationml/2006/main">
+  <p:cSld>
+    <p:spTree>
+      <p:nvGrpSpPr>
+        <p:cNvPr id="1" name=""/>
+        <p:cNvGrpSpPr/>
+        <p:nvPr/>
+      </p:nvGrpSpPr>
+      <p:grpSpPr>
+        <a:xfrm>
+          <a:off x="0" y="0"/>
+          <a:ext cx="0" cy="0"/>
+          <a:chOff x="0" y="0"/>
+          <a:chExt cx="0" cy="0"/>
+        </a:xfrm>
+      </p:grpSpPr>
+      <p:sp>
+        <p:nvSpPr>
+          <p:cNvPr id="2" name="Tiêu đề 1"/>
+          <p:cNvSpPr>
+            <a:spLocks noGrp="1"/>
+          </p:cNvSpPr>
+          <p:nvPr>
+            <p:ph type="title"/>
+          </p:nvPr>
+        </p:nvSpPr>
+        <p:spPr/>
+        <p:txBody>
+          <a:bodyPr/>
+          <a:lstStyle/>
+          <a:p>
+            <a:r>
+              <a:rPr lang="en-US" smtClean="0">
+                <a:latin typeface="Segoe UI" panose="020B0502040204020203" pitchFamily="34" charset="0"/>
+                <a:cs typeface="Segoe UI" panose="020B0502040204020203" pitchFamily="34" charset="0"/>
+              </a:rPr>
+              <a:t>Nội dung tham khảo</a:t>
+            </a:r>
+            <a:endParaRPr lang="en-US">
+              <a:latin typeface="Segoe UI" panose="020B0502040204020203" pitchFamily="34" charset="0"/>
+              <a:cs typeface="Segoe UI" panose="020B0502040204020203" pitchFamily="34" charset="0"/>
+            </a:endParaRPr>
+          </a:p>
+        </p:txBody>
+      </p:sp>
+      <p:sp>
+        <p:nvSpPr>
+          <p:cNvPr id="3" name="Chỗ dành sẵn cho Nội dung 2"/>
+          <p:cNvSpPr>
+            <a:spLocks noGrp="1"/>
+          </p:cNvSpPr>
+          <p:nvPr>
+            <p:ph idx="1"/>
+          </p:nvPr>
+        </p:nvSpPr>
+        <p:spPr/>
+        <p:txBody>
+          <a:bodyPr>
+            <a:normAutofit/>
+          </a:bodyPr>
+          <a:lstStyle/>
+          <a:p>
+            <a:pPr marL="457200" indent="-457200">
+              <a:buFont typeface="+mj-lt"/>
+              <a:buAutoNum type="arabicPeriod"/>
+            </a:pPr>
+            <a:r>
+              <a:rPr lang="en-US" smtClean="0">
+                <a:latin typeface="Segoe UI" panose="020B0502040204020203" pitchFamily="34" charset="0"/>
+                <a:cs typeface="Segoe UI" panose="020B0502040204020203" pitchFamily="34" charset="0"/>
+                <a:hlinkClick r:id="rId2"/>
+              </a:rPr>
+              <a:t>IconicTileData</a:t>
+            </a:r>
+            <a:r>
+              <a:rPr lang="en-US" smtClean="0">
+                <a:latin typeface="Segoe UI" panose="020B0502040204020203" pitchFamily="34" charset="0"/>
+                <a:cs typeface="Segoe UI" panose="020B0502040204020203" pitchFamily="34" charset="0"/>
+              </a:rPr>
+              <a:t> Class</a:t>
+            </a:r>
+          </a:p>
+          <a:p>
+            <a:pPr marL="457200" indent="-457200">
+              <a:buFont typeface="+mj-lt"/>
+              <a:buAutoNum type="arabicPeriod"/>
+            </a:pPr>
+            <a:r>
+              <a:rPr lang="en-US" smtClean="0">
+                <a:latin typeface="Segoe UI" panose="020B0502040204020203" pitchFamily="34" charset="0"/>
+                <a:cs typeface="Segoe UI" panose="020B0502040204020203" pitchFamily="34" charset="0"/>
+                <a:hlinkClick r:id="rId3"/>
+              </a:rPr>
+              <a:t>FlipTileData </a:t>
+            </a:r>
+            <a:r>
+              <a:rPr lang="en-US" smtClean="0">
+                <a:latin typeface="Segoe UI" panose="020B0502040204020203" pitchFamily="34" charset="0"/>
+                <a:cs typeface="Segoe UI" panose="020B0502040204020203" pitchFamily="34" charset="0"/>
+              </a:rPr>
+              <a:t>Class</a:t>
+            </a:r>
+          </a:p>
+          <a:p>
+            <a:pPr marL="457200" indent="-457200">
+              <a:buFont typeface="+mj-lt"/>
+              <a:buAutoNum type="arabicPeriod"/>
+            </a:pPr>
+            <a:r>
+              <a:rPr lang="en-US" smtClean="0">
+                <a:latin typeface="Segoe UI" panose="020B0502040204020203" pitchFamily="34" charset="0"/>
+                <a:cs typeface="Segoe UI" panose="020B0502040204020203" pitchFamily="34" charset="0"/>
+                <a:hlinkClick r:id="rId4"/>
+              </a:rPr>
+              <a:t>CycleTileData</a:t>
+            </a:r>
+            <a:r>
+              <a:rPr lang="en-US" smtClean="0">
+                <a:latin typeface="Segoe UI" panose="020B0502040204020203" pitchFamily="34" charset="0"/>
+                <a:cs typeface="Segoe UI" panose="020B0502040204020203" pitchFamily="34" charset="0"/>
+              </a:rPr>
+              <a:t> Class</a:t>
+            </a:r>
+          </a:p>
+          <a:p>
+            <a:pPr marL="457200" indent="-457200">
+              <a:buFont typeface="+mj-lt"/>
+              <a:buAutoNum type="arabicPeriod"/>
+            </a:pPr>
+            <a:r>
+              <a:rPr lang="en-US">
+                <a:latin typeface="Segoe UI" panose="020B0502040204020203" pitchFamily="34" charset="0"/>
+                <a:cs typeface="Segoe UI" panose="020B0502040204020203" pitchFamily="34" charset="0"/>
+                <a:hlinkClick r:id="rId5"/>
+              </a:rPr>
+              <a:t>Windows Phone 8.1 </a:t>
+            </a:r>
+            <a:r>
+              <a:rPr lang="en-US">
+                <a:latin typeface="Segoe UI" panose="020B0502040204020203" pitchFamily="34" charset="0"/>
+                <a:cs typeface="Segoe UI" panose="020B0502040204020203" pitchFamily="34" charset="0"/>
+                <a:hlinkClick r:id="rId5"/>
+              </a:rPr>
+              <a:t>for </a:t>
+            </a:r>
+            <a:r>
+              <a:rPr lang="en-US" smtClean="0">
+                <a:latin typeface="Segoe UI" panose="020B0502040204020203" pitchFamily="34" charset="0"/>
+                <a:cs typeface="Segoe UI" panose="020B0502040204020203" pitchFamily="34" charset="0"/>
+                <a:hlinkClick r:id="rId5"/>
+              </a:rPr>
+              <a:t>Developers – Live Tiles</a:t>
+            </a:r>
+            <a:endParaRPr lang="en-US">
+              <a:latin typeface="Segoe UI" panose="020B0502040204020203" pitchFamily="34" charset="0"/>
+              <a:cs typeface="Segoe UI" panose="020B0502040204020203" pitchFamily="34" charset="0"/>
+            </a:endParaRPr>
+          </a:p>
+        </p:txBody>
+      </p:sp>
+      <p:sp>
+        <p:nvSpPr>
+          <p:cNvPr id="5" name="Chỗ dành sẵn cho Chân trang 3"/>
+          <p:cNvSpPr>
+            <a:spLocks noGrp="1"/>
+          </p:cNvSpPr>
+          <p:nvPr>
+            <p:ph type="ftr" sz="quarter" idx="11"/>
+          </p:nvPr>
+        </p:nvSpPr>
+        <p:spPr>
+          <a:xfrm>
+            <a:off x="0" y="6578600"/>
+            <a:ext cx="4064860" cy="279400"/>
+          </a:xfrm>
+        </p:spPr>
+        <p:txBody>
+          <a:bodyPr/>
+          <a:lstStyle/>
+          <a:p>
+            <a:r>
+              <a:rPr lang="en-US" i="1" smtClean="0">
+                <a:solidFill>
+                  <a:schemeClr val="bg2">
+                    <a:lumMod val="75000"/>
+                  </a:schemeClr>
+                </a:solidFill>
+                <a:latin typeface="Segoe UI" panose="020B0502040204020203" pitchFamily="34" charset="0"/>
+                <a:cs typeface="Segoe UI" panose="020B0502040204020203" pitchFamily="34" charset="0"/>
+              </a:rPr>
+              <a:t>Nhập môn phần mềm và hệ thống nhúng - SE114.G13</a:t>
+            </a:r>
+            <a:endParaRPr lang="en-US" i="1">
+              <a:solidFill>
+                <a:schemeClr val="bg2">
+                  <a:lumMod val="75000"/>
+                </a:schemeClr>
+              </a:solidFill>
+              <a:latin typeface="Segoe UI" panose="020B0502040204020203" pitchFamily="34" charset="0"/>
+              <a:cs typeface="Segoe UI" panose="020B0502040204020203" pitchFamily="34" charset="0"/>
+            </a:endParaRPr>
+          </a:p>
+        </p:txBody>
+      </p:sp>
+    </p:spTree>
+    <p:extLst>
+      <p:ext uri="{BB962C8B-B14F-4D97-AF65-F5344CB8AC3E}">
+        <p14:creationId xmlns:p14="http://schemas.microsoft.com/office/powerpoint/2010/main" val="2832602402"/>
+      </p:ext>
+    </p:extLst>
+  </p:cSld>
+  <p:clrMapOvr>
+    <a:masterClrMapping/>
+  </p:clrMapOvr>
+  <p:timing>
+    <p:tnLst>
+      <p:par>
+        <p:cTn id="1" dur="indefinite" restart="never" nodeType="tmRoot">
+          <p:childTnLst>
+            <p:seq concurrent="1" nextAc="seek">
+              <p:cTn id="2" dur="indefinite" nodeType="mainSeq">
+                <p:childTnLst>
+                  <p:par>
+                    <p:cTn id="3" fill="hold">
+                      <p:stCondLst>
+                        <p:cond delay="indefinite"/>
+                      </p:stCondLst>
+                      <p:childTnLst>
+                        <p:par>
+                          <p:cTn id="4" fill="hold">
+                            <p:stCondLst>
+                              <p:cond delay="0"/>
+                            </p:stCondLst>
+                            <p:childTnLst>
+                              <p:par>
+                                <p:cTn id="5" presetID="10" presetClass="entr" presetSubtype="0" fill="hold" grpId="0" nodeType="clickEffect">
+                                  <p:stCondLst>
+                                    <p:cond delay="0"/>
+                                  </p:stCondLst>
+                                  <p:childTnLst>
+                                    <p:set>
+                                      <p:cBhvr>
+                                        <p:cTn id="6" dur="1" fill="hold">
+                                          <p:stCondLst>
+                                            <p:cond delay="0"/>
+                                          </p:stCondLst>
+                                        </p:cTn>
+                                        <p:tgtEl>
+                                          <p:spTgt spid="2"/>
+                                        </p:tgtEl>
+                                        <p:attrNameLst>
+                                          <p:attrName>style.visibility</p:attrName>
+                                        </p:attrNameLst>
+                                      </p:cBhvr>
+                                      <p:to>
+                                        <p:strVal val="visible"/>
+                                      </p:to>
+                                    </p:set>
+                                    <p:animEffect transition="in" filter="fade">
+                                      <p:cBhvr>
+                                        <p:cTn id="7" dur="500"/>
+                                        <p:tgtEl>
+                                          <p:spTgt spid="2"/>
+                                        </p:tgtEl>
+                                      </p:cBhvr>
+                                    </p:animEffect>
+                                  </p:childTnLst>
+                                </p:cTn>
+                              </p:par>
+                            </p:childTnLst>
+                          </p:cTn>
+                        </p:par>
+                        <p:par>
+                          <p:cTn id="8" fill="hold">
+                            <p:stCondLst>
+                              <p:cond delay="500"/>
+                            </p:stCondLst>
+                            <p:childTnLst>
+                              <p:par>
+                                <p:cTn id="9" presetID="26" presetClass="emph" presetSubtype="0" fill="hold" grpId="1" nodeType="afterEffect">
+                                  <p:stCondLst>
+                                    <p:cond delay="0"/>
+                                  </p:stCondLst>
+                                  <p:childTnLst>
+                                    <p:animEffect transition="out" filter="fade">
+                                      <p:cBhvr>
+                                        <p:cTn id="10" dur="500" tmFilter="0, 0; .2, .5; .8, .5; 1, 0"/>
+                                        <p:tgtEl>
+                                          <p:spTgt spid="2"/>
+                                        </p:tgtEl>
+                                      </p:cBhvr>
+                                    </p:animEffect>
+                                    <p:animScale>
+                                      <p:cBhvr>
+                                        <p:cTn id="11" dur="250" autoRev="1" fill="hold"/>
+                                        <p:tgtEl>
+                                          <p:spTgt spid="2"/>
+                                        </p:tgtEl>
+                                      </p:cBhvr>
+                                      <p:by x="105000" y="105000"/>
+                                    </p:animScale>
+                                  </p:childTnLst>
+                                </p:cTn>
+                              </p:par>
+                            </p:childTnLst>
+                          </p:cTn>
+                        </p:par>
+                      </p:childTnLst>
+                    </p:cTn>
+                  </p:par>
+                  <p:par>
+                    <p:cTn id="12" fill="hold">
+                      <p:stCondLst>
+                        <p:cond delay="indefinite"/>
+                      </p:stCondLst>
+                      <p:childTnLst>
+                        <p:par>
+                          <p:cTn id="13" fill="hold">
+                            <p:stCondLst>
+                              <p:cond delay="0"/>
+                            </p:stCondLst>
+                            <p:childTnLst>
+                              <p:par>
+                                <p:cTn id="14" presetID="1" presetClass="entr" presetSubtype="0" fill="hold" nodeType="clickEffect">
+                                  <p:stCondLst>
+                                    <p:cond delay="0"/>
+                                  </p:stCondLst>
+                                  <p:childTnLst>
+                                    <p:set>
+                                      <p:cBhvr>
+                                        <p:cTn id="15" dur="1" fill="hold">
+                                          <p:stCondLst>
+                                            <p:cond delay="999"/>
+                                          </p:stCondLst>
+                                        </p:cTn>
+                                        <p:tgtEl>
+                                          <p:spTgt spid="3">
+                                            <p:txEl>
+                                              <p:pRg st="0" end="0"/>
+                                            </p:txEl>
+                                          </p:spTgt>
+                                        </p:tgtEl>
+                                        <p:attrNameLst>
+                                          <p:attrName>style.visibility</p:attrName>
+                                        </p:attrNameLst>
+                                      </p:cBhvr>
+                                      <p:to>
+                                        <p:strVal val="visible"/>
+                                      </p:to>
+                                    </p:set>
+                                  </p:childTnLst>
+                                </p:cTn>
+                              </p:par>
+                            </p:childTnLst>
+                          </p:cTn>
+                        </p:par>
+                        <p:par>
+                          <p:cTn id="16" fill="hold">
+                            <p:stCondLst>
+                              <p:cond delay="1000"/>
+                            </p:stCondLst>
+                            <p:childTnLst>
+                              <p:par>
+                                <p:cTn id="17" presetID="10" presetClass="entr" presetSubtype="0" fill="hold" nodeType="afterEffect">
+                                  <p:stCondLst>
+                                    <p:cond delay="0"/>
+                                  </p:stCondLst>
+                                  <p:childTnLst>
+                                    <p:set>
+                                      <p:cBhvr>
+                                        <p:cTn id="18" dur="1" fill="hold">
+                                          <p:stCondLst>
+                                            <p:cond delay="0"/>
+                                          </p:stCondLst>
+                                        </p:cTn>
+                                        <p:tgtEl>
+                                          <p:spTgt spid="3">
+                                            <p:txEl>
+                                              <p:pRg st="1" end="1"/>
+                                            </p:txEl>
+                                          </p:spTgt>
+                                        </p:tgtEl>
+                                        <p:attrNameLst>
+                                          <p:attrName>style.visibility</p:attrName>
+                                        </p:attrNameLst>
+                                      </p:cBhvr>
+                                      <p:to>
+                                        <p:strVal val="visible"/>
+                                      </p:to>
+                                    </p:set>
+                                    <p:animEffect transition="in" filter="fade">
+                                      <p:cBhvr>
+                                        <p:cTn id="19" dur="1000"/>
+                                        <p:tgtEl>
+                                          <p:spTgt spid="3">
+                                            <p:txEl>
+                                              <p:pRg st="1" end="1"/>
+                                            </p:txEl>
+                                          </p:spTgt>
+                                        </p:tgtEl>
+                                      </p:cBhvr>
+                                    </p:animEffect>
+                                  </p:childTnLst>
+                                </p:cTn>
+                              </p:par>
+                            </p:childTnLst>
+                          </p:cTn>
+                        </p:par>
+                        <p:par>
+                          <p:cTn id="20" fill="hold">
+                            <p:stCondLst>
+                              <p:cond delay="2000"/>
+                            </p:stCondLst>
+                            <p:childTnLst>
+                              <p:par>
+                                <p:cTn id="21" presetID="10" presetClass="entr" presetSubtype="0" fill="hold" nodeType="afterEffect">
+                                  <p:stCondLst>
+                                    <p:cond delay="0"/>
+                                  </p:stCondLst>
+                                  <p:childTnLst>
+                                    <p:set>
+                                      <p:cBhvr>
+                                        <p:cTn id="22" dur="1" fill="hold">
+                                          <p:stCondLst>
+                                            <p:cond delay="0"/>
+                                          </p:stCondLst>
+                                        </p:cTn>
+                                        <p:tgtEl>
+                                          <p:spTgt spid="3">
+                                            <p:txEl>
+                                              <p:pRg st="2" end="2"/>
+                                            </p:txEl>
+                                          </p:spTgt>
+                                        </p:tgtEl>
+                                        <p:attrNameLst>
+                                          <p:attrName>style.visibility</p:attrName>
+                                        </p:attrNameLst>
+                                      </p:cBhvr>
+                                      <p:to>
+                                        <p:strVal val="visible"/>
+                                      </p:to>
+                                    </p:set>
+                                    <p:animEffect transition="in" filter="fade">
+                                      <p:cBhvr>
+                                        <p:cTn id="23" dur="1000"/>
+                                        <p:tgtEl>
+                                          <p:spTgt spid="3">
+                                            <p:txEl>
+                                              <p:pRg st="2" end="2"/>
+                                            </p:txEl>
+                                          </p:spTgt>
+                                        </p:tgtEl>
+                                      </p:cBhvr>
+                                    </p:animEffect>
+                                  </p:childTnLst>
+                                </p:cTn>
+                              </p:par>
+                            </p:childTnLst>
+                          </p:cTn>
+                        </p:par>
+                        <p:par>
+                          <p:cTn id="24" fill="hold">
+                            <p:stCondLst>
+                              <p:cond delay="3000"/>
+                            </p:stCondLst>
+                            <p:childTnLst>
+                              <p:par>
+                                <p:cTn id="25" presetID="10" presetClass="entr" presetSubtype="0" fill="hold" nodeType="afterEffect">
+                                  <p:stCondLst>
+                                    <p:cond delay="0"/>
+                                  </p:stCondLst>
+                                  <p:childTnLst>
+                                    <p:set>
+                                      <p:cBhvr>
+                                        <p:cTn id="26" dur="1" fill="hold">
+                                          <p:stCondLst>
+                                            <p:cond delay="0"/>
+                                          </p:stCondLst>
+                                        </p:cTn>
+                                        <p:tgtEl>
+                                          <p:spTgt spid="3">
+                                            <p:txEl>
+                                              <p:pRg st="3" end="3"/>
+                                            </p:txEl>
+                                          </p:spTgt>
+                                        </p:tgtEl>
+                                        <p:attrNameLst>
+                                          <p:attrName>style.visibility</p:attrName>
+                                        </p:attrNameLst>
+                                      </p:cBhvr>
+                                      <p:to>
+                                        <p:strVal val="visible"/>
+                                      </p:to>
+                                    </p:set>
+                                    <p:animEffect transition="in" filter="fade">
+                                      <p:cBhvr>
+                                        <p:cTn id="27" dur="1000"/>
+                                        <p:tgtEl>
+                                          <p:spTgt spid="3">
+                                            <p:txEl>
+                                              <p:pRg st="3" end="3"/>
+                                            </p:txEl>
+                                          </p:spTgt>
+                                        </p:tgtEl>
+                                      </p:cBhvr>
+                                    </p:animEffect>
+                                  </p:childTnLst>
+                                </p:cTn>
+                              </p:par>
+                            </p:childTnLst>
+                          </p:cTn>
+                        </p:par>
+                      </p:childTnLst>
+                    </p:cTn>
+                  </p:par>
+                </p:childTnLst>
+              </p:cTn>
+              <p:prevCondLst>
+                <p:cond evt="onPrev" delay="0">
+                  <p:tgtEl>
+                    <p:sldTgt/>
+                  </p:tgtEl>
+                </p:cond>
+              </p:prevCondLst>
+              <p:nextCondLst>
+                <p:cond evt="onNext" delay="0">
+                  <p:tgtEl>
+                    <p:sldTgt/>
+                  </p:tgtEl>
+                </p:cond>
+              </p:nextCondLst>
+            </p:seq>
+          </p:childTnLst>
+        </p:cTn>
+      </p:par>
+    </p:tnLst>
+    <p:bldLst>
+      <p:bldP spid="2" grpId="0"/>
+      <p:bldP spid="2" grpId="1"/>
+    </p:bldLst>
+  </p:timing>
+</p:sld>
+</file>
+
+<file path=ppt/slides/slide25.xml><?xml version="1.0" encoding="utf-8"?>
+<p:sld xmlns:a="http://schemas.openxmlformats.org/drawingml/2006/main" xmlns:r="http://schemas.openxmlformats.org/officeDocument/2006/relationships" xmlns:p="http://schemas.openxmlformats.org/presentationml/2006/main">
+  <p:cSld>
+    <p:spTree>
+      <p:nvGrpSpPr>
+        <p:cNvPr id="1" name=""/>
+        <p:cNvGrpSpPr/>
+        <p:nvPr/>
+      </p:nvGrpSpPr>
+      <p:grpSpPr>
+        <a:xfrm>
+          <a:off x="0" y="0"/>
+          <a:ext cx="0" cy="0"/>
+          <a:chOff x="0" y="0"/>
+          <a:chExt cx="0" cy="0"/>
+        </a:xfrm>
+      </p:grpSpPr>
+      <p:sp>
+        <p:nvSpPr>
+          <p:cNvPr id="5" name="Tiêu đề 4"/>
+          <p:cNvSpPr>
+            <a:spLocks noGrp="1"/>
+          </p:cNvSpPr>
+          <p:nvPr>
+            <p:ph type="title"/>
+          </p:nvPr>
+        </p:nvSpPr>
+        <p:spPr/>
+        <p:txBody>
+          <a:bodyPr/>
+          <a:lstStyle/>
+          <a:p>
+            <a:r>
+              <a:rPr lang="en-US" smtClean="0">
+                <a:latin typeface="Segoe UI" panose="020B0502040204020203" pitchFamily="34" charset="0"/>
+                <a:cs typeface="Segoe UI" panose="020B0502040204020203" pitchFamily="34" charset="0"/>
+              </a:rPr>
+              <a:t>Demo</a:t>
+            </a:r>
+            <a:endParaRPr lang="en-US">
+              <a:latin typeface="Segoe UI" panose="020B0502040204020203" pitchFamily="34" charset="0"/>
+              <a:cs typeface="Segoe UI" panose="020B0502040204020203" pitchFamily="34" charset="0"/>
+            </a:endParaRPr>
+          </a:p>
+        </p:txBody>
+      </p:sp>
+      <p:sp>
+        <p:nvSpPr>
+          <p:cNvPr id="8" name="Chỗ dành sẵn cho Chân trang 3"/>
+          <p:cNvSpPr>
+            <a:spLocks noGrp="1"/>
+          </p:cNvSpPr>
+          <p:nvPr>
+            <p:ph type="ftr" sz="quarter" idx="11"/>
+          </p:nvPr>
+        </p:nvSpPr>
+        <p:spPr>
+          <a:xfrm>
+            <a:off x="0" y="6578600"/>
+            <a:ext cx="4064860" cy="279400"/>
+          </a:xfrm>
+        </p:spPr>
+        <p:txBody>
+          <a:bodyPr/>
+          <a:lstStyle/>
+          <a:p>
+            <a:r>
+              <a:rPr lang="en-US" i="1" smtClean="0">
+                <a:solidFill>
+                  <a:schemeClr val="bg2">
+                    <a:lumMod val="75000"/>
+                  </a:schemeClr>
+                </a:solidFill>
+                <a:latin typeface="Segoe UI" panose="020B0502040204020203" pitchFamily="34" charset="0"/>
+                <a:cs typeface="Segoe UI" panose="020B0502040204020203" pitchFamily="34" charset="0"/>
+              </a:rPr>
+              <a:t>Nhập môn phần mềm và hệ thống nhúng - SE114.G13</a:t>
+            </a:r>
+            <a:endParaRPr lang="en-US" i="1">
+              <a:solidFill>
+                <a:schemeClr val="bg2">
+                  <a:lumMod val="75000"/>
+                </a:schemeClr>
+              </a:solidFill>
+              <a:latin typeface="Segoe UI" panose="020B0502040204020203" pitchFamily="34" charset="0"/>
+              <a:cs typeface="Segoe UI" panose="020B0502040204020203" pitchFamily="34" charset="0"/>
+            </a:endParaRPr>
+          </a:p>
+        </p:txBody>
+      </p:sp>
+    </p:spTree>
+    <p:extLst>
+      <p:ext uri="{BB962C8B-B14F-4D97-AF65-F5344CB8AC3E}">
+        <p14:creationId xmlns:p14="http://schemas.microsoft.com/office/powerpoint/2010/main" val="2808202754"/>
+      </p:ext>
+    </p:extLst>
+  </p:cSld>
+  <p:clrMapOvr>
+    <a:masterClrMapping/>
+  </p:clrMapOvr>
+  <p:timing>
+    <p:tnLst>
+      <p:par>
+        <p:cTn id="1" dur="indefinite" restart="never" nodeType="tmRoot">
+          <p:childTnLst>
+            <p:seq concurrent="1" nextAc="seek">
+              <p:cTn id="2" dur="indefinite" nodeType="mainSeq">
+                <p:childTnLst>
+                  <p:par>
+                    <p:cTn id="3" fill="hold">
+                      <p:stCondLst>
+                        <p:cond delay="indefinite"/>
+                      </p:stCondLst>
+                      <p:childTnLst>
+                        <p:par>
+                          <p:cTn id="4" fill="hold">
+                            <p:stCondLst>
+                              <p:cond delay="0"/>
+                            </p:stCondLst>
+                            <p:childTnLst>
+                              <p:par>
+                                <p:cTn id="5" presetID="25" presetClass="entr" presetSubtype="0" fill="hold" grpId="0" nodeType="clickEffect">
+                                  <p:stCondLst>
+                                    <p:cond delay="0"/>
+                                  </p:stCondLst>
+                                  <p:childTnLst>
+                                    <p:set>
+                                      <p:cBhvr>
+                                        <p:cTn id="6" dur="1" fill="hold">
+                                          <p:stCondLst>
+                                            <p:cond delay="0"/>
+                                          </p:stCondLst>
+                                        </p:cTn>
+                                        <p:tgtEl>
+                                          <p:spTgt spid="5"/>
+                                        </p:tgtEl>
+                                        <p:attrNameLst>
+                                          <p:attrName>style.visibility</p:attrName>
+                                        </p:attrNameLst>
+                                      </p:cBhvr>
+                                      <p:to>
+                                        <p:strVal val="visible"/>
+                                      </p:to>
+                                    </p:set>
+                                    <p:anim calcmode="lin" valueType="num">
+                                      <p:cBhvr>
+                                        <p:cTn id="7" dur="500" decel="50000" fill="hold">
+                                          <p:stCondLst>
+                                            <p:cond delay="0"/>
+                                          </p:stCondLst>
+                                        </p:cTn>
+                                        <p:tgtEl>
+                                          <p:spTgt spid="5"/>
+                                        </p:tgtEl>
+                                        <p:attrNameLst>
+                                          <p:attrName>style.rotation</p:attrName>
+                                        </p:attrNameLst>
+                                      </p:cBhvr>
+                                      <p:tavLst>
+                                        <p:tav tm="0">
+                                          <p:val>
+                                            <p:fltVal val="-90"/>
+                                          </p:val>
+                                        </p:tav>
+                                        <p:tav tm="100000">
+                                          <p:val>
+                                            <p:fltVal val="0"/>
+                                          </p:val>
+                                        </p:tav>
+                                      </p:tavLst>
+                                    </p:anim>
+                                    <p:anim calcmode="lin" valueType="num">
+                                      <p:cBhvr>
+                                        <p:cTn id="8" dur="500" decel="50000" fill="hold">
+                                          <p:stCondLst>
+                                            <p:cond delay="0"/>
+                                          </p:stCondLst>
+                                        </p:cTn>
+                                        <p:tgtEl>
+                                          <p:spTgt spid="5"/>
+                                        </p:tgtEl>
+                                        <p:attrNameLst>
+                                          <p:attrName>ppt_w</p:attrName>
+                                        </p:attrNameLst>
+                                      </p:cBhvr>
+                                      <p:tavLst>
+                                        <p:tav tm="0">
+                                          <p:val>
+                                            <p:strVal val="#ppt_w"/>
+                                          </p:val>
+                                        </p:tav>
+                                        <p:tav tm="100000">
+                                          <p:val>
+                                            <p:strVal val="#ppt_w*.05"/>
+                                          </p:val>
+                                        </p:tav>
+                                      </p:tavLst>
+                                    </p:anim>
+                                    <p:anim calcmode="lin" valueType="num">
+                                      <p:cBhvr>
+                                        <p:cTn id="9" dur="500" accel="50000" fill="hold">
+                                          <p:stCondLst>
+                                            <p:cond delay="500"/>
+                                          </p:stCondLst>
+                                        </p:cTn>
+                                        <p:tgtEl>
+                                          <p:spTgt spid="5"/>
+                                        </p:tgtEl>
+                                        <p:attrNameLst>
+                                          <p:attrName>ppt_w</p:attrName>
+                                        </p:attrNameLst>
+                                      </p:cBhvr>
+                                      <p:tavLst>
+                                        <p:tav tm="0">
+                                          <p:val>
+                                            <p:strVal val="#ppt_w*.05"/>
+                                          </p:val>
+                                        </p:tav>
+                                        <p:tav tm="100000">
+                                          <p:val>
+                                            <p:strVal val="#ppt_w"/>
+                                          </p:val>
+                                        </p:tav>
+                                      </p:tavLst>
+                                    </p:anim>
+                                    <p:anim calcmode="lin" valueType="num">
+                                      <p:cBhvr>
+                                        <p:cTn id="10" dur="1000" fill="hold"/>
+                                        <p:tgtEl>
+                                          <p:spTgt spid="5"/>
+                                        </p:tgtEl>
+                                        <p:attrNameLst>
+                                          <p:attrName>ppt_h</p:attrName>
+                                        </p:attrNameLst>
+                                      </p:cBhvr>
+                                      <p:tavLst>
+                                        <p:tav tm="0">
+                                          <p:val>
+                                            <p:strVal val="#ppt_h"/>
+                                          </p:val>
+                                        </p:tav>
+                                        <p:tav tm="100000">
+                                          <p:val>
+                                            <p:strVal val="#ppt_h"/>
+                                          </p:val>
+                                        </p:tav>
+                                      </p:tavLst>
+                                    </p:anim>
+                                    <p:anim calcmode="lin" valueType="num">
+                                      <p:cBhvr>
+                                        <p:cTn id="11" dur="500" decel="50000" fill="hold">
+                                          <p:stCondLst>
+                                            <p:cond delay="0"/>
+                                          </p:stCondLst>
+                                        </p:cTn>
+                                        <p:tgtEl>
+                                          <p:spTgt spid="5"/>
+                                        </p:tgtEl>
+                                        <p:attrNameLst>
+                                          <p:attrName>ppt_x</p:attrName>
+                                        </p:attrNameLst>
+                                      </p:cBhvr>
+                                      <p:tavLst>
+                                        <p:tav tm="0">
+                                          <p:val>
+                                            <p:strVal val="#ppt_x+.4"/>
+                                          </p:val>
+                                        </p:tav>
+                                        <p:tav tm="100000">
+                                          <p:val>
+                                            <p:strVal val="#ppt_x"/>
+                                          </p:val>
+                                        </p:tav>
+                                      </p:tavLst>
+                                    </p:anim>
+                                    <p:anim calcmode="lin" valueType="num">
+                                      <p:cBhvr>
+                                        <p:cTn id="12" dur="500" decel="50000" fill="hold">
+                                          <p:stCondLst>
+                                            <p:cond delay="0"/>
+                                          </p:stCondLst>
+                                        </p:cTn>
+                                        <p:tgtEl>
+                                          <p:spTgt spid="5"/>
+                                        </p:tgtEl>
+                                        <p:attrNameLst>
+                                          <p:attrName>ppt_y</p:attrName>
+                                        </p:attrNameLst>
+                                      </p:cBhvr>
+                                      <p:tavLst>
+                                        <p:tav tm="0">
+                                          <p:val>
+                                            <p:strVal val="#ppt_y-.2"/>
+                                          </p:val>
+                                        </p:tav>
+                                        <p:tav tm="100000">
+                                          <p:val>
+                                            <p:strVal val="#ppt_y+.1"/>
+                                          </p:val>
+                                        </p:tav>
+                                      </p:tavLst>
+                                    </p:anim>
+                                    <p:anim calcmode="lin" valueType="num">
+                                      <p:cBhvr>
+                                        <p:cTn id="13" dur="500" accel="50000" fill="hold">
+                                          <p:stCondLst>
+                                            <p:cond delay="500"/>
+                                          </p:stCondLst>
+                                        </p:cTn>
+                                        <p:tgtEl>
+                                          <p:spTgt spid="5"/>
+                                        </p:tgtEl>
+                                        <p:attrNameLst>
+                                          <p:attrName>ppt_y</p:attrName>
+                                        </p:attrNameLst>
+                                      </p:cBhvr>
+                                      <p:tavLst>
+                                        <p:tav tm="0">
+                                          <p:val>
+                                            <p:strVal val="#ppt_y+.1"/>
+                                          </p:val>
+                                        </p:tav>
+                                        <p:tav tm="100000">
+                                          <p:val>
+                                            <p:strVal val="#ppt_y"/>
+                                          </p:val>
+                                        </p:tav>
+                                      </p:tavLst>
+                                    </p:anim>
+                                    <p:animEffect transition="in" filter="fade">
+                                      <p:cBhvr>
+                                        <p:cTn id="14" dur="1000" decel="50000">
+                                          <p:stCondLst>
+                                            <p:cond delay="0"/>
+                                          </p:stCondLst>
+                                        </p:cTn>
+                                        <p:tgtEl>
+                                          <p:spTgt spid="5"/>
+                                        </p:tgtEl>
+                                      </p:cBhvr>
+                                    </p:animEffect>
+                                  </p:childTnLst>
+                                </p:cTn>
+                              </p:par>
+                            </p:childTnLst>
+                          </p:cTn>
+                        </p:par>
+                      </p:childTnLst>
+                    </p:cTn>
+                  </p:par>
+                </p:childTnLst>
+              </p:cTn>
+              <p:prevCondLst>
+                <p:cond evt="onPrev" delay="0">
+                  <p:tgtEl>
+                    <p:sldTgt/>
+                  </p:tgtEl>
+                </p:cond>
+              </p:prevCondLst>
+              <p:nextCondLst>
+                <p:cond evt="onNext" delay="0">
+                  <p:tgtEl>
+                    <p:sldTgt/>
+                  </p:tgtEl>
+                </p:cond>
+              </p:nextCondLst>
+            </p:seq>
+          </p:childTnLst>
+        </p:cTn>
+      </p:par>
+    </p:tnLst>
+    <p:bldLst>
+      <p:bldP spid="5" grpId="0"/>
+    </p:bldLst>
+  </p:timing>
+</p:sld>
+</file>
+
+<file path=ppt/slides/slide26.xml><?xml version="1.0" encoding="utf-8"?>
+<p:sld xmlns:a="http://schemas.openxmlformats.org/drawingml/2006/main" xmlns:r="http://schemas.openxmlformats.org/officeDocument/2006/relationships" xmlns:p="http://schemas.openxmlformats.org/presentationml/2006/main">
+  <p:cSld>
+    <p:spTree>
+      <p:nvGrpSpPr>
+        <p:cNvPr id="1" name=""/>
+        <p:cNvGrpSpPr/>
+        <p:nvPr/>
+      </p:nvGrpSpPr>
+      <p:grpSpPr>
+        <a:xfrm>
+          <a:off x="0" y="0"/>
+          <a:ext cx="0" cy="0"/>
+          <a:chOff x="0" y="0"/>
+          <a:chExt cx="0" cy="0"/>
+        </a:xfrm>
+      </p:grpSpPr>
+      <p:sp>
+        <p:nvSpPr>
+          <p:cNvPr id="5" name="Tiêu đề 4"/>
+          <p:cNvSpPr>
+            <a:spLocks noGrp="1"/>
+          </p:cNvSpPr>
+          <p:nvPr>
+            <p:ph type="ctrTitle"/>
+          </p:nvPr>
+        </p:nvSpPr>
+        <p:spPr/>
+        <p:txBody>
+          <a:bodyPr/>
+          <a:lstStyle/>
+          <a:p>
+            <a:r>
+              <a:rPr lang="en-US" sz="4000" smtClean="0">
+                <a:latin typeface="Segoe UI" panose="020B0502040204020203" pitchFamily="34" charset="0"/>
+                <a:cs typeface="Segoe UI" panose="020B0502040204020203" pitchFamily="34" charset="0"/>
+              </a:rPr>
+              <a:t>Cảm ơn sự chú ý</a:t>
+            </a:r>
+            <a:br>
+              <a:rPr lang="en-US" sz="4000" smtClean="0">
+                <a:latin typeface="Segoe UI" panose="020B0502040204020203" pitchFamily="34" charset="0"/>
+                <a:cs typeface="Segoe UI" panose="020B0502040204020203" pitchFamily="34" charset="0"/>
+              </a:rPr>
+            </a:br>
+            <a:r>
+              <a:rPr lang="en-US" sz="4000" smtClean="0">
+                <a:latin typeface="Segoe UI" panose="020B0502040204020203" pitchFamily="34" charset="0"/>
+                <a:cs typeface="Segoe UI" panose="020B0502040204020203" pitchFamily="34" charset="0"/>
+              </a:rPr>
+              <a:t>của cô và các bạn</a:t>
+            </a:r>
+            <a:endParaRPr lang="en-US" sz="4000">
+              <a:latin typeface="Segoe UI" panose="020B0502040204020203" pitchFamily="34" charset="0"/>
+              <a:cs typeface="Segoe UI" panose="020B0502040204020203" pitchFamily="34" charset="0"/>
+            </a:endParaRPr>
+          </a:p>
+        </p:txBody>
+      </p:sp>
+      <p:sp>
+        <p:nvSpPr>
+          <p:cNvPr id="6" name="Tiêu đề phụ 5"/>
+          <p:cNvSpPr>
+            <a:spLocks noGrp="1"/>
+          </p:cNvSpPr>
+          <p:nvPr>
+            <p:ph type="subTitle" idx="1"/>
+          </p:nvPr>
+        </p:nvSpPr>
+        <p:spPr/>
+        <p:txBody>
+          <a:bodyPr/>
+          <a:lstStyle/>
+          <a:p>
+            <a:r>
+              <a:rPr lang="en-US" i="1">
+                <a:solidFill>
+                  <a:schemeClr val="bg2">
+                    <a:lumMod val="75000"/>
+                  </a:schemeClr>
+                </a:solidFill>
+                <a:latin typeface="Segoe UI" panose="020B0502040204020203" pitchFamily="34" charset="0"/>
+                <a:cs typeface="Segoe UI" panose="020B0502040204020203" pitchFamily="34" charset="0"/>
+              </a:rPr>
+              <a:t>Nhập môn phần mềm và hệ thống nhúng </a:t>
+            </a:r>
+            <a:r>
+              <a:rPr lang="en-US" i="1">
+                <a:solidFill>
+                  <a:schemeClr val="bg2">
+                    <a:lumMod val="75000"/>
+                  </a:schemeClr>
+                </a:solidFill>
+                <a:latin typeface="Segoe UI" panose="020B0502040204020203" pitchFamily="34" charset="0"/>
+                <a:cs typeface="Segoe UI" panose="020B0502040204020203" pitchFamily="34" charset="0"/>
+              </a:rPr>
+              <a:t>- </a:t>
+            </a:r>
+            <a:r>
+              <a:rPr lang="en-US" i="1" smtClean="0">
+                <a:solidFill>
+                  <a:schemeClr val="bg2">
+                    <a:lumMod val="75000"/>
+                  </a:schemeClr>
+                </a:solidFill>
+                <a:latin typeface="Segoe UI" panose="020B0502040204020203" pitchFamily="34" charset="0"/>
+                <a:cs typeface="Segoe UI" panose="020B0502040204020203" pitchFamily="34" charset="0"/>
+              </a:rPr>
+              <a:t>SE114.G13</a:t>
+            </a:r>
+            <a:endParaRPr lang="en-US" i="1">
+              <a:solidFill>
+                <a:schemeClr val="bg2">
+                  <a:lumMod val="75000"/>
+                </a:schemeClr>
+              </a:solidFill>
+              <a:latin typeface="Segoe UI" panose="020B0502040204020203" pitchFamily="34" charset="0"/>
+              <a:cs typeface="Segoe UI" panose="020B0502040204020203" pitchFamily="34" charset="0"/>
+            </a:endParaRPr>
+          </a:p>
+        </p:txBody>
+      </p:sp>
+    </p:spTree>
+    <p:extLst>
+      <p:ext uri="{BB962C8B-B14F-4D97-AF65-F5344CB8AC3E}">
+        <p14:creationId xmlns:p14="http://schemas.microsoft.com/office/powerpoint/2010/main" val="3779811459"/>
+      </p:ext>
+    </p:extLst>
+  </p:cSld>
+  <p:clrMapOvr>
+    <a:masterClrMapping/>
+  </p:clrMapOvr>
+  <p:timing>
+    <p:tnLst>
+      <p:par>
+        <p:cTn id="1" dur="indefinite" restart="never" nodeType="tmRoot">
+          <p:childTnLst>
+            <p:seq concurrent="1" nextAc="seek">
+              <p:cTn id="2" dur="indefinite" nodeType="mainSeq">
+                <p:childTnLst>
+                  <p:par>
+                    <p:cTn id="3" fill="hold">
+                      <p:stCondLst>
+                        <p:cond delay="indefinite"/>
+                        <p:cond evt="onBegin" delay="0">
+                          <p:tn val="2"/>
+                        </p:cond>
+                      </p:stCondLst>
+                      <p:childTnLst>
+                        <p:par>
+                          <p:cTn id="4" fill="hold">
+                            <p:stCondLst>
+                              <p:cond delay="0"/>
+                            </p:stCondLst>
+                            <p:childTnLst>
+                              <p:par>
+                                <p:cTn id="5" presetID="53" presetClass="entr" presetSubtype="16" fill="hold" grpId="0" nodeType="withEffect">
+                                  <p:stCondLst>
+                                    <p:cond delay="0"/>
+                                  </p:stCondLst>
+                                  <p:childTnLst>
+                                    <p:set>
+                                      <p:cBhvr>
+                                        <p:cTn id="6" dur="1" fill="hold">
+                                          <p:stCondLst>
+                                            <p:cond delay="0"/>
+                                          </p:stCondLst>
+                                        </p:cTn>
+                                        <p:tgtEl>
+                                          <p:spTgt spid="5"/>
+                                        </p:tgtEl>
+                                        <p:attrNameLst>
+                                          <p:attrName>style.visibility</p:attrName>
+                                        </p:attrNameLst>
+                                      </p:cBhvr>
+                                      <p:to>
+                                        <p:strVal val="visible"/>
+                                      </p:to>
+                                    </p:set>
+                                    <p:anim calcmode="lin" valueType="num">
+                                      <p:cBhvr>
+                                        <p:cTn id="7" dur="500" fill="hold"/>
+                                        <p:tgtEl>
+                                          <p:spTgt spid="5"/>
+                                        </p:tgtEl>
+                                        <p:attrNameLst>
+                                          <p:attrName>ppt_w</p:attrName>
+                                        </p:attrNameLst>
+                                      </p:cBhvr>
+                                      <p:tavLst>
+                                        <p:tav tm="0">
+                                          <p:val>
+                                            <p:fltVal val="0"/>
+                                          </p:val>
+                                        </p:tav>
+                                        <p:tav tm="100000">
+                                          <p:val>
+                                            <p:strVal val="#ppt_w"/>
+                                          </p:val>
+                                        </p:tav>
+                                      </p:tavLst>
+                                    </p:anim>
+                                    <p:anim calcmode="lin" valueType="num">
+                                      <p:cBhvr>
+                                        <p:cTn id="8" dur="500" fill="hold"/>
+                                        <p:tgtEl>
+                                          <p:spTgt spid="5"/>
+                                        </p:tgtEl>
+                                        <p:attrNameLst>
+                                          <p:attrName>ppt_h</p:attrName>
+                                        </p:attrNameLst>
+                                      </p:cBhvr>
+                                      <p:tavLst>
+                                        <p:tav tm="0">
+                                          <p:val>
+                                            <p:fltVal val="0"/>
+                                          </p:val>
+                                        </p:tav>
+                                        <p:tav tm="100000">
+                                          <p:val>
+                                            <p:strVal val="#ppt_h"/>
+                                          </p:val>
+                                        </p:tav>
+                                      </p:tavLst>
+                                    </p:anim>
+                                    <p:animEffect transition="in" filter="fade">
+                                      <p:cBhvr>
+                                        <p:cTn id="9" dur="500"/>
+                                        <p:tgtEl>
+                                          <p:spTgt spid="5"/>
+                                        </p:tgtEl>
+                                      </p:cBhvr>
+                                    </p:animEffect>
+                                  </p:childTnLst>
+                                </p:cTn>
+                              </p:par>
+                            </p:childTnLst>
+                          </p:cTn>
+                        </p:par>
+                        <p:par>
+                          <p:cTn id="10" fill="hold">
+                            <p:stCondLst>
+                              <p:cond delay="500"/>
+                            </p:stCondLst>
+                            <p:childTnLst>
+                              <p:par>
+                                <p:cTn id="11" presetID="26" presetClass="emph" presetSubtype="0" fill="hold" grpId="1" nodeType="afterEffect">
+                                  <p:stCondLst>
+                                    <p:cond delay="0"/>
+                                  </p:stCondLst>
+                                  <p:childTnLst>
+                                    <p:animEffect transition="out" filter="fade">
+                                      <p:cBhvr>
+                                        <p:cTn id="12" dur="500" tmFilter="0, 0; .2, .5; .8, .5; 1, 0"/>
+                                        <p:tgtEl>
+                                          <p:spTgt spid="5"/>
+                                        </p:tgtEl>
+                                      </p:cBhvr>
+                                    </p:animEffect>
+                                    <p:animScale>
+                                      <p:cBhvr>
+                                        <p:cTn id="13" dur="250" autoRev="1" fill="hold"/>
+                                        <p:tgtEl>
+                                          <p:spTgt spid="5"/>
+                                        </p:tgtEl>
+                                      </p:cBhvr>
+                                      <p:by x="105000" y="105000"/>
+                                    </p:animScale>
+                                  </p:childTnLst>
+                                </p:cTn>
+                              </p:par>
+                            </p:childTnLst>
+                          </p:cTn>
+                        </p:par>
+                        <p:par>
+                          <p:cTn id="14" fill="hold">
+                            <p:stCondLst>
+                              <p:cond delay="1000"/>
+                            </p:stCondLst>
+                            <p:childTnLst>
+                              <p:par>
+                                <p:cTn id="15" presetID="56" presetClass="entr" presetSubtype="0" fill="hold" nodeType="afterEffect">
+                                  <p:stCondLst>
+                                    <p:cond delay="0"/>
+                                  </p:stCondLst>
+                                  <p:iterate type="lt">
+                                    <p:tmPct val="10000"/>
+                                  </p:iterate>
+                                  <p:childTnLst>
+                                    <p:set>
+                                      <p:cBhvr>
+                                        <p:cTn id="16" dur="1" fill="hold">
+                                          <p:stCondLst>
+                                            <p:cond delay="0"/>
+                                          </p:stCondLst>
+                                        </p:cTn>
+                                        <p:tgtEl>
+                                          <p:spTgt spid="6">
+                                            <p:txEl>
+                                              <p:pRg st="0" end="0"/>
+                                            </p:txEl>
+                                          </p:spTgt>
+                                        </p:tgtEl>
+                                        <p:attrNameLst>
+                                          <p:attrName>style.visibility</p:attrName>
+                                        </p:attrNameLst>
+                                      </p:cBhvr>
+                                      <p:to>
+                                        <p:strVal val="visible"/>
+                                      </p:to>
+                                    </p:set>
+                                    <p:anim by="(-#ppt_w*2)" calcmode="lin" valueType="num">
+                                      <p:cBhvr rctx="PPT">
+                                        <p:cTn id="17" dur="250" autoRev="1" fill="hold">
+                                          <p:stCondLst>
+                                            <p:cond delay="0"/>
+                                          </p:stCondLst>
+                                        </p:cTn>
+                                        <p:tgtEl>
+                                          <p:spTgt spid="6">
+                                            <p:txEl>
+                                              <p:pRg st="0" end="0"/>
+                                            </p:txEl>
+                                          </p:spTgt>
+                                        </p:tgtEl>
+                                        <p:attrNameLst>
+                                          <p:attrName>ppt_w</p:attrName>
+                                        </p:attrNameLst>
+                                      </p:cBhvr>
+                                    </p:anim>
+                                    <p:anim by="(#ppt_w*0.50)" calcmode="lin" valueType="num">
+                                      <p:cBhvr>
+                                        <p:cTn id="18" dur="250" decel="50000" autoRev="1" fill="hold">
+                                          <p:stCondLst>
+                                            <p:cond delay="0"/>
+                                          </p:stCondLst>
+                                        </p:cTn>
+                                        <p:tgtEl>
+                                          <p:spTgt spid="6">
+                                            <p:txEl>
+                                              <p:pRg st="0" end="0"/>
+                                            </p:txEl>
+                                          </p:spTgt>
+                                        </p:tgtEl>
+                                        <p:attrNameLst>
+                                          <p:attrName>ppt_x</p:attrName>
+                                        </p:attrNameLst>
+                                      </p:cBhvr>
+                                    </p:anim>
+                                    <p:anim from="(-#ppt_h/2)" to="(#ppt_y)" calcmode="lin" valueType="num">
+                                      <p:cBhvr>
+                                        <p:cTn id="19" dur="500" fill="hold">
+                                          <p:stCondLst>
+                                            <p:cond delay="0"/>
+                                          </p:stCondLst>
+                                        </p:cTn>
+                                        <p:tgtEl>
+                                          <p:spTgt spid="6">
+                                            <p:txEl>
+                                              <p:pRg st="0" end="0"/>
+                                            </p:txEl>
+                                          </p:spTgt>
+                                        </p:tgtEl>
+                                        <p:attrNameLst>
+                                          <p:attrName>ppt_y</p:attrName>
+                                        </p:attrNameLst>
+                                      </p:cBhvr>
+                                    </p:anim>
+                                    <p:animRot by="21600000">
+                                      <p:cBhvr>
+                                        <p:cTn id="20" dur="500" fill="hold">
+                                          <p:stCondLst>
+                                            <p:cond delay="0"/>
+                                          </p:stCondLst>
+                                        </p:cTn>
+                                        <p:tgtEl>
+                                          <p:spTgt spid="6">
+                                            <p:txEl>
+                                              <p:pRg st="0" end="0"/>
+                                            </p:txEl>
+                                          </p:spTgt>
+                                        </p:tgtEl>
+                                        <p:attrNameLst>
+                                          <p:attrName>r</p:attrName>
+                                        </p:attrNameLst>
+                                      </p:cBhvr>
+                                    </p:animRot>
+                                  </p:childTnLst>
+                                </p:cTn>
+                              </p:par>
+                            </p:childTnLst>
+                          </p:cTn>
+                        </p:par>
+                      </p:childTnLst>
+                    </p:cTn>
+                  </p:par>
+                </p:childTnLst>
+              </p:cTn>
+              <p:prevCondLst>
+                <p:cond evt="onPrev" delay="0">
+                  <p:tgtEl>
+                    <p:sldTgt/>
+                  </p:tgtEl>
+                </p:cond>
+              </p:prevCondLst>
+              <p:nextCondLst>
+                <p:cond evt="onNext" delay="0">
+                  <p:tgtEl>
+                    <p:sldTgt/>
+                  </p:tgtEl>
+                </p:cond>
+              </p:nextCondLst>
+            </p:seq>
+          </p:childTnLst>
+        </p:cTn>
+      </p:par>
+    </p:tnLst>
+    <p:bldLst>
+      <p:bldP spid="5" grpId="0"/>
+      <p:bldP spid="5" grpId="1"/>
+    </p:bldLst>
   </p:timing>
 </p:sld>
 </file>
@@ -8356,7 +12496,14 @@
                 <a:latin typeface="Segoe UI" panose="020B0502040204020203" pitchFamily="34" charset="0"/>
                 <a:cs typeface="Segoe UI" panose="020B0502040204020203" pitchFamily="34" charset="0"/>
               </a:rPr>
-              <a:t>Tổng quan về Live Tiles trong </a:t>
+              <a:t>Tổng quan về Live Tiles </a:t>
+            </a:r>
+            <a:r>
+              <a:rPr lang="en-US" smtClean="0">
+                <a:latin typeface="Segoe UI" panose="020B0502040204020203" pitchFamily="34" charset="0"/>
+                <a:cs typeface="Segoe UI" panose="020B0502040204020203" pitchFamily="34" charset="0"/>
+              </a:rPr>
+              <a:t>cho </a:t>
             </a:r>
             <a:endParaRPr lang="vi-VN" smtClean="0">
               <a:latin typeface="Segoe UI" panose="020B0502040204020203" pitchFamily="34" charset="0"/>
@@ -8431,7 +12578,7 @@
         </p:blipFill>
         <p:spPr bwMode="auto">
           <a:xfrm>
-            <a:off x="5601702" y="2340858"/>
+            <a:off x="5416173" y="2340858"/>
             <a:ext cx="3024939" cy="711023"/>
           </a:xfrm>
           <a:prstGeom prst="rect">
@@ -8602,9 +12749,437 @@
   <p:timing>
     <p:tnLst>
       <p:par>
-        <p:cTn id="1" dur="indefinite" restart="never" nodeType="tmRoot"/>
+        <p:cTn id="1" dur="indefinite" restart="never" nodeType="tmRoot">
+          <p:childTnLst>
+            <p:seq concurrent="1" nextAc="seek">
+              <p:cTn id="2" dur="indefinite" nodeType="mainSeq">
+                <p:childTnLst>
+                  <p:par>
+                    <p:cTn id="3" fill="hold">
+                      <p:stCondLst>
+                        <p:cond delay="indefinite"/>
+                      </p:stCondLst>
+                      <p:childTnLst>
+                        <p:par>
+                          <p:cTn id="4" fill="hold">
+                            <p:stCondLst>
+                              <p:cond delay="0"/>
+                            </p:stCondLst>
+                            <p:childTnLst>
+                              <p:par>
+                                <p:cTn id="5" presetID="16" presetClass="entr" presetSubtype="21" fill="hold" grpId="0" nodeType="clickEffect">
+                                  <p:stCondLst>
+                                    <p:cond delay="0"/>
+                                  </p:stCondLst>
+                                  <p:childTnLst>
+                                    <p:set>
+                                      <p:cBhvr>
+                                        <p:cTn id="6" dur="1" fill="hold">
+                                          <p:stCondLst>
+                                            <p:cond delay="0"/>
+                                          </p:stCondLst>
+                                        </p:cTn>
+                                        <p:tgtEl>
+                                          <p:spTgt spid="2"/>
+                                        </p:tgtEl>
+                                        <p:attrNameLst>
+                                          <p:attrName>style.visibility</p:attrName>
+                                        </p:attrNameLst>
+                                      </p:cBhvr>
+                                      <p:to>
+                                        <p:strVal val="visible"/>
+                                      </p:to>
+                                    </p:set>
+                                    <p:animEffect transition="in" filter="barn(inVertical)">
+                                      <p:cBhvr>
+                                        <p:cTn id="7" dur="500"/>
+                                        <p:tgtEl>
+                                          <p:spTgt spid="2"/>
+                                        </p:tgtEl>
+                                      </p:cBhvr>
+                                    </p:animEffect>
+                                  </p:childTnLst>
+                                </p:cTn>
+                              </p:par>
+                            </p:childTnLst>
+                          </p:cTn>
+                        </p:par>
+                      </p:childTnLst>
+                    </p:cTn>
+                  </p:par>
+                  <p:par>
+                    <p:cTn id="8" fill="hold">
+                      <p:stCondLst>
+                        <p:cond delay="indefinite"/>
+                      </p:stCondLst>
+                      <p:childTnLst>
+                        <p:par>
+                          <p:cTn id="9" fill="hold">
+                            <p:stCondLst>
+                              <p:cond delay="0"/>
+                            </p:stCondLst>
+                            <p:childTnLst>
+                              <p:par>
+                                <p:cTn id="10" presetID="10" presetClass="entr" presetSubtype="0" fill="hold" grpId="0" nodeType="clickEffect">
+                                  <p:stCondLst>
+                                    <p:cond delay="0"/>
+                                  </p:stCondLst>
+                                  <p:childTnLst>
+                                    <p:set>
+                                      <p:cBhvr>
+                                        <p:cTn id="11" dur="1" fill="hold">
+                                          <p:stCondLst>
+                                            <p:cond delay="0"/>
+                                          </p:stCondLst>
+                                        </p:cTn>
+                                        <p:tgtEl>
+                                          <p:spTgt spid="3">
+                                            <p:txEl>
+                                              <p:pRg st="0" end="0"/>
+                                            </p:txEl>
+                                          </p:spTgt>
+                                        </p:tgtEl>
+                                        <p:attrNameLst>
+                                          <p:attrName>style.visibility</p:attrName>
+                                        </p:attrNameLst>
+                                      </p:cBhvr>
+                                      <p:to>
+                                        <p:strVal val="visible"/>
+                                      </p:to>
+                                    </p:set>
+                                    <p:animEffect transition="in" filter="fade">
+                                      <p:cBhvr>
+                                        <p:cTn id="12" dur="500"/>
+                                        <p:tgtEl>
+                                          <p:spTgt spid="3">
+                                            <p:txEl>
+                                              <p:pRg st="0" end="0"/>
+                                            </p:txEl>
+                                          </p:spTgt>
+                                        </p:tgtEl>
+                                      </p:cBhvr>
+                                    </p:animEffect>
+                                  </p:childTnLst>
+                                </p:cTn>
+                              </p:par>
+                              <p:par>
+                                <p:cTn id="13" presetID="31" presetClass="entr" presetSubtype="0" fill="hold" nodeType="withEffect">
+                                  <p:stCondLst>
+                                    <p:cond delay="0"/>
+                                  </p:stCondLst>
+                                  <p:childTnLst>
+                                    <p:set>
+                                      <p:cBhvr>
+                                        <p:cTn id="14" dur="1" fill="hold">
+                                          <p:stCondLst>
+                                            <p:cond delay="0"/>
+                                          </p:stCondLst>
+                                        </p:cTn>
+                                        <p:tgtEl>
+                                          <p:spTgt spid="5"/>
+                                        </p:tgtEl>
+                                        <p:attrNameLst>
+                                          <p:attrName>style.visibility</p:attrName>
+                                        </p:attrNameLst>
+                                      </p:cBhvr>
+                                      <p:to>
+                                        <p:strVal val="visible"/>
+                                      </p:to>
+                                    </p:set>
+                                    <p:anim calcmode="lin" valueType="num">
+                                      <p:cBhvr>
+                                        <p:cTn id="15" dur="1000" fill="hold"/>
+                                        <p:tgtEl>
+                                          <p:spTgt spid="5"/>
+                                        </p:tgtEl>
+                                        <p:attrNameLst>
+                                          <p:attrName>ppt_w</p:attrName>
+                                        </p:attrNameLst>
+                                      </p:cBhvr>
+                                      <p:tavLst>
+                                        <p:tav tm="0">
+                                          <p:val>
+                                            <p:fltVal val="0"/>
+                                          </p:val>
+                                        </p:tav>
+                                        <p:tav tm="100000">
+                                          <p:val>
+                                            <p:strVal val="#ppt_w"/>
+                                          </p:val>
+                                        </p:tav>
+                                      </p:tavLst>
+                                    </p:anim>
+                                    <p:anim calcmode="lin" valueType="num">
+                                      <p:cBhvr>
+                                        <p:cTn id="16" dur="1000" fill="hold"/>
+                                        <p:tgtEl>
+                                          <p:spTgt spid="5"/>
+                                        </p:tgtEl>
+                                        <p:attrNameLst>
+                                          <p:attrName>ppt_h</p:attrName>
+                                        </p:attrNameLst>
+                                      </p:cBhvr>
+                                      <p:tavLst>
+                                        <p:tav tm="0">
+                                          <p:val>
+                                            <p:fltVal val="0"/>
+                                          </p:val>
+                                        </p:tav>
+                                        <p:tav tm="100000">
+                                          <p:val>
+                                            <p:strVal val="#ppt_h"/>
+                                          </p:val>
+                                        </p:tav>
+                                      </p:tavLst>
+                                    </p:anim>
+                                    <p:anim calcmode="lin" valueType="num">
+                                      <p:cBhvr>
+                                        <p:cTn id="17" dur="1000" fill="hold"/>
+                                        <p:tgtEl>
+                                          <p:spTgt spid="5"/>
+                                        </p:tgtEl>
+                                        <p:attrNameLst>
+                                          <p:attrName>style.rotation</p:attrName>
+                                        </p:attrNameLst>
+                                      </p:cBhvr>
+                                      <p:tavLst>
+                                        <p:tav tm="0">
+                                          <p:val>
+                                            <p:fltVal val="90"/>
+                                          </p:val>
+                                        </p:tav>
+                                        <p:tav tm="100000">
+                                          <p:val>
+                                            <p:fltVal val="0"/>
+                                          </p:val>
+                                        </p:tav>
+                                      </p:tavLst>
+                                    </p:anim>
+                                    <p:animEffect transition="in" filter="fade">
+                                      <p:cBhvr>
+                                        <p:cTn id="18" dur="1000"/>
+                                        <p:tgtEl>
+                                          <p:spTgt spid="5"/>
+                                        </p:tgtEl>
+                                      </p:cBhvr>
+                                    </p:animEffect>
+                                  </p:childTnLst>
+                                </p:cTn>
+                              </p:par>
+                            </p:childTnLst>
+                          </p:cTn>
+                        </p:par>
+                      </p:childTnLst>
+                    </p:cTn>
+                  </p:par>
+                  <p:par>
+                    <p:cTn id="19" fill="hold">
+                      <p:stCondLst>
+                        <p:cond delay="indefinite"/>
+                      </p:stCondLst>
+                      <p:childTnLst>
+                        <p:par>
+                          <p:cTn id="20" fill="hold">
+                            <p:stCondLst>
+                              <p:cond delay="0"/>
+                            </p:stCondLst>
+                            <p:childTnLst>
+                              <p:par>
+                                <p:cTn id="21" presetID="22" presetClass="entr" presetSubtype="8" fill="hold" nodeType="clickEffect">
+                                  <p:stCondLst>
+                                    <p:cond delay="0"/>
+                                  </p:stCondLst>
+                                  <p:childTnLst>
+                                    <p:set>
+                                      <p:cBhvr>
+                                        <p:cTn id="22" dur="1" fill="hold">
+                                          <p:stCondLst>
+                                            <p:cond delay="0"/>
+                                          </p:stCondLst>
+                                        </p:cTn>
+                                        <p:tgtEl>
+                                          <p:spTgt spid="3">
+                                            <p:txEl>
+                                              <p:pRg st="1" end="1"/>
+                                            </p:txEl>
+                                          </p:spTgt>
+                                        </p:tgtEl>
+                                        <p:attrNameLst>
+                                          <p:attrName>style.visibility</p:attrName>
+                                        </p:attrNameLst>
+                                      </p:cBhvr>
+                                      <p:to>
+                                        <p:strVal val="visible"/>
+                                      </p:to>
+                                    </p:set>
+                                    <p:animEffect transition="in" filter="wipe(left)">
+                                      <p:cBhvr>
+                                        <p:cTn id="23" dur="500"/>
+                                        <p:tgtEl>
+                                          <p:spTgt spid="3">
+                                            <p:txEl>
+                                              <p:pRg st="1" end="1"/>
+                                            </p:txEl>
+                                          </p:spTgt>
+                                        </p:tgtEl>
+                                      </p:cBhvr>
+                                    </p:animEffect>
+                                  </p:childTnLst>
+                                </p:cTn>
+                              </p:par>
+                            </p:childTnLst>
+                          </p:cTn>
+                        </p:par>
+                      </p:childTnLst>
+                    </p:cTn>
+                  </p:par>
+                  <p:par>
+                    <p:cTn id="24" fill="hold">
+                      <p:stCondLst>
+                        <p:cond delay="indefinite"/>
+                      </p:stCondLst>
+                      <p:childTnLst>
+                        <p:par>
+                          <p:cTn id="25" fill="hold">
+                            <p:stCondLst>
+                              <p:cond delay="0"/>
+                            </p:stCondLst>
+                            <p:childTnLst>
+                              <p:par>
+                                <p:cTn id="26" presetID="22" presetClass="entr" presetSubtype="8" fill="hold" nodeType="clickEffect">
+                                  <p:stCondLst>
+                                    <p:cond delay="0"/>
+                                  </p:stCondLst>
+                                  <p:childTnLst>
+                                    <p:set>
+                                      <p:cBhvr>
+                                        <p:cTn id="27" dur="1" fill="hold">
+                                          <p:stCondLst>
+                                            <p:cond delay="0"/>
+                                          </p:stCondLst>
+                                        </p:cTn>
+                                        <p:tgtEl>
+                                          <p:spTgt spid="3">
+                                            <p:txEl>
+                                              <p:pRg st="2" end="2"/>
+                                            </p:txEl>
+                                          </p:spTgt>
+                                        </p:tgtEl>
+                                        <p:attrNameLst>
+                                          <p:attrName>style.visibility</p:attrName>
+                                        </p:attrNameLst>
+                                      </p:cBhvr>
+                                      <p:to>
+                                        <p:strVal val="visible"/>
+                                      </p:to>
+                                    </p:set>
+                                    <p:animEffect transition="in" filter="wipe(left)">
+                                      <p:cBhvr>
+                                        <p:cTn id="28" dur="500"/>
+                                        <p:tgtEl>
+                                          <p:spTgt spid="3">
+                                            <p:txEl>
+                                              <p:pRg st="2" end="2"/>
+                                            </p:txEl>
+                                          </p:spTgt>
+                                        </p:tgtEl>
+                                      </p:cBhvr>
+                                    </p:animEffect>
+                                  </p:childTnLst>
+                                </p:cTn>
+                              </p:par>
+                            </p:childTnLst>
+                          </p:cTn>
+                        </p:par>
+                      </p:childTnLst>
+                    </p:cTn>
+                  </p:par>
+                  <p:par>
+                    <p:cTn id="29" fill="hold">
+                      <p:stCondLst>
+                        <p:cond delay="indefinite"/>
+                      </p:stCondLst>
+                      <p:childTnLst>
+                        <p:par>
+                          <p:cTn id="30" fill="hold">
+                            <p:stCondLst>
+                              <p:cond delay="0"/>
+                            </p:stCondLst>
+                            <p:childTnLst>
+                              <p:par>
+                                <p:cTn id="31" presetID="10" presetClass="entr" presetSubtype="0" fill="hold" nodeType="clickEffect">
+                                  <p:stCondLst>
+                                    <p:cond delay="0"/>
+                                  </p:stCondLst>
+                                  <p:childTnLst>
+                                    <p:set>
+                                      <p:cBhvr>
+                                        <p:cTn id="32" dur="1" fill="hold">
+                                          <p:stCondLst>
+                                            <p:cond delay="0"/>
+                                          </p:stCondLst>
+                                        </p:cTn>
+                                        <p:tgtEl>
+                                          <p:spTgt spid="3">
+                                            <p:txEl>
+                                              <p:pRg st="3" end="3"/>
+                                            </p:txEl>
+                                          </p:spTgt>
+                                        </p:tgtEl>
+                                        <p:attrNameLst>
+                                          <p:attrName>style.visibility</p:attrName>
+                                        </p:attrNameLst>
+                                      </p:cBhvr>
+                                      <p:to>
+                                        <p:strVal val="visible"/>
+                                      </p:to>
+                                    </p:set>
+                                    <p:animEffect transition="in" filter="fade">
+                                      <p:cBhvr>
+                                        <p:cTn id="33" dur="500"/>
+                                        <p:tgtEl>
+                                          <p:spTgt spid="3">
+                                            <p:txEl>
+                                              <p:pRg st="3" end="3"/>
+                                            </p:txEl>
+                                          </p:spTgt>
+                                        </p:tgtEl>
+                                      </p:cBhvr>
+                                    </p:animEffect>
+                                  </p:childTnLst>
+                                </p:cTn>
+                              </p:par>
+                            </p:childTnLst>
+                          </p:cTn>
+                        </p:par>
+                      </p:childTnLst>
+                    </p:cTn>
+                  </p:par>
+                </p:childTnLst>
+              </p:cTn>
+              <p:prevCondLst>
+                <p:cond evt="onPrev" delay="0">
+                  <p:tgtEl>
+                    <p:sldTgt/>
+                  </p:tgtEl>
+                </p:cond>
+              </p:prevCondLst>
+              <p:nextCondLst>
+                <p:cond evt="onNext" delay="0">
+                  <p:tgtEl>
+                    <p:sldTgt/>
+                  </p:tgtEl>
+                </p:cond>
+              </p:nextCondLst>
+            </p:seq>
+          </p:childTnLst>
+        </p:cTn>
       </p:par>
     </p:tnLst>
+    <p:bldLst>
+      <p:bldP spid="2" grpId="0"/>
+      <p:bldP spid="3" grpId="0" build="p"/>
+    </p:bldLst>
   </p:timing>
 </p:sld>
 </file>
@@ -8628,7 +13203,7 @@
       </p:grpSpPr>
       <p:sp>
         <p:nvSpPr>
-          <p:cNvPr id="2" name="Tiêu đề 1"/>
+          <p:cNvPr id="5" name="Tiêu đề 4"/>
           <p:cNvSpPr>
             <a:spLocks noGrp="1"/>
           </p:cNvSpPr>
@@ -8642,7 +13217,7 @@
           <a:lstStyle/>
           <a:p>
             <a:r>
-              <a:rPr lang="vi-VN" smtClean="0">
+              <a:rPr lang="en-US" smtClean="0">
                 <a:latin typeface="Segoe UI" panose="020B0502040204020203" pitchFamily="34" charset="0"/>
                 <a:cs typeface="Segoe UI" panose="020B0502040204020203" pitchFamily="34" charset="0"/>
               </a:rPr>
@@ -8657,92 +13232,7 @@
       </p:sp>
       <p:sp>
         <p:nvSpPr>
-          <p:cNvPr id="3" name="Chỗ dành sẵn cho Nội dung 2"/>
-          <p:cNvSpPr>
-            <a:spLocks noGrp="1"/>
-          </p:cNvSpPr>
-          <p:nvPr>
-            <p:ph idx="1"/>
-          </p:nvPr>
-        </p:nvSpPr>
-        <p:spPr/>
-        <p:txBody>
-          <a:bodyPr/>
-          <a:lstStyle/>
-          <a:p>
-            <a:pPr marL="223838" indent="354013">
-              <a:buFont typeface="Wingdings" panose="05000000000000000000" pitchFamily="2" charset="2"/>
-              <a:buChar char="Ø"/>
-            </a:pPr>
-            <a:r>
-              <a:rPr lang="vi-VN" smtClean="0">
-                <a:latin typeface="Segoe UI" panose="020B0502040204020203" pitchFamily="34" charset="0"/>
-                <a:cs typeface="Segoe UI" panose="020B0502040204020203" pitchFamily="34" charset="0"/>
-              </a:rPr>
-              <a:t>Dùng trong Windows Phone 8 và 8.1</a:t>
-            </a:r>
-          </a:p>
-          <a:p>
-            <a:pPr marL="223838" indent="354013">
-              <a:buFont typeface="Wingdings" panose="05000000000000000000" pitchFamily="2" charset="2"/>
-              <a:buChar char="Ø"/>
-            </a:pPr>
-            <a:r>
-              <a:rPr lang="vi-VN" smtClean="0">
-                <a:latin typeface="Segoe UI" panose="020B0502040204020203" pitchFamily="34" charset="0"/>
-                <a:cs typeface="Segoe UI" panose="020B0502040204020203" pitchFamily="34" charset="0"/>
-              </a:rPr>
-              <a:t>Có 3 loại:</a:t>
-            </a:r>
-          </a:p>
-          <a:p>
-            <a:pPr marL="977900" lvl="1" indent="-352425">
-              <a:buFont typeface="Wingdings" panose="05000000000000000000" pitchFamily="2" charset="2"/>
-              <a:buChar char="q"/>
-            </a:pPr>
-            <a:r>
-              <a:rPr lang="vi-VN" smtClean="0">
-                <a:latin typeface="Segoe UI" panose="020B0502040204020203" pitchFamily="34" charset="0"/>
-                <a:cs typeface="Segoe UI" panose="020B0502040204020203" pitchFamily="34" charset="0"/>
-              </a:rPr>
-              <a:t>Iconic</a:t>
-            </a:r>
-          </a:p>
-          <a:p>
-            <a:pPr marL="977900" lvl="1" indent="-352425">
-              <a:buFont typeface="Wingdings" panose="05000000000000000000" pitchFamily="2" charset="2"/>
-              <a:buChar char="q"/>
-            </a:pPr>
-            <a:r>
-              <a:rPr lang="vi-VN" smtClean="0">
-                <a:latin typeface="Segoe UI" panose="020B0502040204020203" pitchFamily="34" charset="0"/>
-                <a:cs typeface="Segoe UI" panose="020B0502040204020203" pitchFamily="34" charset="0"/>
-              </a:rPr>
-              <a:t>Flip</a:t>
-            </a:r>
-          </a:p>
-          <a:p>
-            <a:pPr marL="977900" lvl="1" indent="-352425">
-              <a:buFont typeface="Wingdings" panose="05000000000000000000" pitchFamily="2" charset="2"/>
-              <a:buChar char="q"/>
-            </a:pPr>
-            <a:r>
-              <a:rPr lang="vi-VN" smtClean="0">
-                <a:latin typeface="Segoe UI" panose="020B0502040204020203" pitchFamily="34" charset="0"/>
-                <a:cs typeface="Segoe UI" panose="020B0502040204020203" pitchFamily="34" charset="0"/>
-              </a:rPr>
-              <a:t>Cyclic</a:t>
-            </a:r>
-            <a:endParaRPr lang="en-US">
-              <a:latin typeface="Segoe UI" panose="020B0502040204020203" pitchFamily="34" charset="0"/>
-              <a:cs typeface="Segoe UI" panose="020B0502040204020203" pitchFamily="34" charset="0"/>
-            </a:endParaRPr>
-          </a:p>
-        </p:txBody>
-      </p:sp>
-      <p:sp>
-        <p:nvSpPr>
-          <p:cNvPr id="5" name="Chỗ dành sẵn cho Chân trang 3"/>
+          <p:cNvPr id="7" name="Chỗ dành sẵn cho Chân trang 3"/>
           <p:cNvSpPr>
             <a:spLocks noGrp="1"/>
           </p:cNvSpPr>
@@ -8784,10 +13274,51 @@
           </a:p>
         </p:txBody>
       </p:sp>
+      <p:pic>
+        <p:nvPicPr>
+          <p:cNvPr id="8" name="Picture 2" descr="https://miapple.me/wp-content/uploads/2014/01/Windows_Phone_logo.png"/>
+          <p:cNvPicPr>
+            <a:picLocks noChangeAspect="1" noChangeArrowheads="1"/>
+          </p:cNvPicPr>
+          <p:nvPr/>
+        </p:nvPicPr>
+        <p:blipFill>
+          <a:blip r:embed="rId2" cstate="print">
+            <a:extLst>
+              <a:ext uri="{28A0092B-C50C-407E-A947-70E740481C1C}">
+                <a14:useLocalDpi xmlns:a14="http://schemas.microsoft.com/office/drawing/2010/main" val="0"/>
+              </a:ext>
+            </a:extLst>
+          </a:blip>
+          <a:srcRect/>
+          <a:stretch>
+            <a:fillRect/>
+          </a:stretch>
+        </p:blipFill>
+        <p:spPr bwMode="auto">
+          <a:xfrm>
+            <a:off x="2600855" y="3628305"/>
+            <a:ext cx="3950753" cy="928639"/>
+          </a:xfrm>
+          <a:prstGeom prst="rect">
+            <a:avLst/>
+          </a:prstGeom>
+          <a:noFill/>
+          <a:extLst>
+            <a:ext uri="{909E8E84-426E-40DD-AFC4-6F175D3DCCD1}">
+              <a14:hiddenFill xmlns:a14="http://schemas.microsoft.com/office/drawing/2010/main">
+                <a:solidFill>
+                  <a:srgbClr val="FFFFFF"/>
+                </a:solidFill>
+              </a14:hiddenFill>
+            </a:ext>
+          </a:extLst>
+        </p:spPr>
+      </p:pic>
     </p:spTree>
     <p:extLst>
       <p:ext uri="{BB962C8B-B14F-4D97-AF65-F5344CB8AC3E}">
-        <p14:creationId xmlns:p14="http://schemas.microsoft.com/office/powerpoint/2010/main" val="2972749496"/>
+        <p14:creationId xmlns:p14="http://schemas.microsoft.com/office/powerpoint/2010/main" val="1796717137"/>
       </p:ext>
     </p:extLst>
   </p:cSld>
@@ -8797,9 +13328,169 @@
   <p:timing>
     <p:tnLst>
       <p:par>
-        <p:cTn id="1" dur="indefinite" restart="never" nodeType="tmRoot"/>
+        <p:cTn id="1" dur="indefinite" restart="never" nodeType="tmRoot">
+          <p:childTnLst>
+            <p:seq concurrent="1" nextAc="seek">
+              <p:cTn id="2" dur="indefinite" nodeType="mainSeq">
+                <p:childTnLst>
+                  <p:par>
+                    <p:cTn id="3" fill="hold">
+                      <p:stCondLst>
+                        <p:cond delay="indefinite"/>
+                      </p:stCondLst>
+                      <p:childTnLst>
+                        <p:par>
+                          <p:cTn id="4" fill="hold">
+                            <p:stCondLst>
+                              <p:cond delay="0"/>
+                            </p:stCondLst>
+                            <p:childTnLst>
+                              <p:par>
+                                <p:cTn id="5" presetID="16" presetClass="entr" presetSubtype="37" fill="hold" grpId="0" nodeType="clickEffect">
+                                  <p:stCondLst>
+                                    <p:cond delay="0"/>
+                                  </p:stCondLst>
+                                  <p:childTnLst>
+                                    <p:set>
+                                      <p:cBhvr>
+                                        <p:cTn id="6" dur="1" fill="hold">
+                                          <p:stCondLst>
+                                            <p:cond delay="0"/>
+                                          </p:stCondLst>
+                                        </p:cTn>
+                                        <p:tgtEl>
+                                          <p:spTgt spid="5"/>
+                                        </p:tgtEl>
+                                        <p:attrNameLst>
+                                          <p:attrName>style.visibility</p:attrName>
+                                        </p:attrNameLst>
+                                      </p:cBhvr>
+                                      <p:to>
+                                        <p:strVal val="visible"/>
+                                      </p:to>
+                                    </p:set>
+                                    <p:animEffect transition="in" filter="barn(outVertical)">
+                                      <p:cBhvr>
+                                        <p:cTn id="7" dur="500"/>
+                                        <p:tgtEl>
+                                          <p:spTgt spid="5"/>
+                                        </p:tgtEl>
+                                      </p:cBhvr>
+                                    </p:animEffect>
+                                  </p:childTnLst>
+                                </p:cTn>
+                              </p:par>
+                              <p:par>
+                                <p:cTn id="8" presetID="47" presetClass="entr" presetSubtype="0" fill="hold" nodeType="withEffect">
+                                  <p:stCondLst>
+                                    <p:cond delay="0"/>
+                                  </p:stCondLst>
+                                  <p:childTnLst>
+                                    <p:set>
+                                      <p:cBhvr>
+                                        <p:cTn id="9" dur="1" fill="hold">
+                                          <p:stCondLst>
+                                            <p:cond delay="0"/>
+                                          </p:stCondLst>
+                                        </p:cTn>
+                                        <p:tgtEl>
+                                          <p:spTgt spid="8"/>
+                                        </p:tgtEl>
+                                        <p:attrNameLst>
+                                          <p:attrName>style.visibility</p:attrName>
+                                        </p:attrNameLst>
+                                      </p:cBhvr>
+                                      <p:to>
+                                        <p:strVal val="visible"/>
+                                      </p:to>
+                                    </p:set>
+                                    <p:animEffect transition="in" filter="fade">
+                                      <p:cBhvr>
+                                        <p:cTn id="10" dur="1000"/>
+                                        <p:tgtEl>
+                                          <p:spTgt spid="8"/>
+                                        </p:tgtEl>
+                                      </p:cBhvr>
+                                    </p:animEffect>
+                                    <p:anim calcmode="lin" valueType="num">
+                                      <p:cBhvr>
+                                        <p:cTn id="11" dur="1000" fill="hold"/>
+                                        <p:tgtEl>
+                                          <p:spTgt spid="8"/>
+                                        </p:tgtEl>
+                                        <p:attrNameLst>
+                                          <p:attrName>ppt_x</p:attrName>
+                                        </p:attrNameLst>
+                                      </p:cBhvr>
+                                      <p:tavLst>
+                                        <p:tav tm="0">
+                                          <p:val>
+                                            <p:strVal val="#ppt_x"/>
+                                          </p:val>
+                                        </p:tav>
+                                        <p:tav tm="100000">
+                                          <p:val>
+                                            <p:strVal val="#ppt_x"/>
+                                          </p:val>
+                                        </p:tav>
+                                      </p:tavLst>
+                                    </p:anim>
+                                    <p:anim calcmode="lin" valueType="num">
+                                      <p:cBhvr>
+                                        <p:cTn id="12" dur="1000" fill="hold"/>
+                                        <p:tgtEl>
+                                          <p:spTgt spid="8"/>
+                                        </p:tgtEl>
+                                        <p:attrNameLst>
+                                          <p:attrName>ppt_y</p:attrName>
+                                        </p:attrNameLst>
+                                      </p:cBhvr>
+                                      <p:tavLst>
+                                        <p:tav tm="0">
+                                          <p:val>
+                                            <p:strVal val="#ppt_y-.1"/>
+                                          </p:val>
+                                        </p:tav>
+                                        <p:tav tm="100000">
+                                          <p:val>
+                                            <p:strVal val="#ppt_y"/>
+                                          </p:val>
+                                        </p:tav>
+                                      </p:tavLst>
+                                    </p:anim>
+                                  </p:childTnLst>
+                                </p:cTn>
+                              </p:par>
+                            </p:childTnLst>
+                          </p:cTn>
+                        </p:par>
+                      </p:childTnLst>
+                    </p:cTn>
+                  </p:par>
+                </p:childTnLst>
+              </p:cTn>
+              <p:prevCondLst>
+                <p:cond evt="onPrev" delay="0">
+                  <p:tgtEl>
+                    <p:sldTgt/>
+                  </p:tgtEl>
+                </p:cond>
+              </p:prevCondLst>
+              <p:nextCondLst>
+                <p:cond evt="onNext" delay="0">
+                  <p:tgtEl>
+                    <p:sldTgt/>
+                  </p:tgtEl>
+                </p:cond>
+              </p:nextCondLst>
+            </p:seq>
+          </p:childTnLst>
+        </p:cTn>
       </p:par>
     </p:tnLst>
+    <p:bldLst>
+      <p:bldP spid="5" grpId="0"/>
+    </p:bldLst>
   </p:timing>
 </p:sld>
 </file>
@@ -8841,7 +13532,7 @@
                 <a:latin typeface="Segoe UI" panose="020B0502040204020203" pitchFamily="34" charset="0"/>
                 <a:cs typeface="Segoe UI" panose="020B0502040204020203" pitchFamily="34" charset="0"/>
               </a:rPr>
-              <a:t>Phân loại Live Tiles</a:t>
+              <a:t>Tổng quan về Live Tiles</a:t>
             </a:r>
             <a:endParaRPr lang="en-US">
               <a:latin typeface="Segoe UI" panose="020B0502040204020203" pitchFamily="34" charset="0"/>
@@ -8865,12 +13556,71 @@
           <a:bodyPr/>
           <a:lstStyle/>
           <a:p>
-            <a:pPr marL="457200" indent="-457200">
-              <a:buFont typeface="+mj-lt"/>
-              <a:buAutoNum type="arabicPeriod"/>
+            <a:pPr marL="223838" indent="354013">
+              <a:buFont typeface="Wingdings" panose="05000000000000000000" pitchFamily="2" charset="2"/>
+              <a:buChar char="Ø"/>
             </a:pPr>
             <a:r>
-              <a:rPr lang="vi-VN" b="1" smtClean="0">
+              <a:rPr lang="en-US" smtClean="0">
+                <a:latin typeface="Segoe UI" panose="020B0502040204020203" pitchFamily="34" charset="0"/>
+                <a:cs typeface="Segoe UI" panose="020B0502040204020203" pitchFamily="34" charset="0"/>
+              </a:rPr>
+              <a:t>Ở đây chỉ đề cập đến Live Tiles dù</a:t>
+            </a:r>
+            <a:r>
+              <a:rPr lang="vi-VN" smtClean="0">
+                <a:latin typeface="Segoe UI" panose="020B0502040204020203" pitchFamily="34" charset="0"/>
+                <a:cs typeface="Segoe UI" panose="020B0502040204020203" pitchFamily="34" charset="0"/>
+              </a:rPr>
+              <a:t>ng</a:t>
+            </a:r>
+            <a:r>
+              <a:rPr lang="en-US" smtClean="0">
+                <a:latin typeface="Segoe UI" panose="020B0502040204020203" pitchFamily="34" charset="0"/>
+                <a:cs typeface="Segoe UI" panose="020B0502040204020203" pitchFamily="34" charset="0"/>
+              </a:rPr>
+              <a:t> cho</a:t>
+            </a:r>
+          </a:p>
+          <a:p>
+            <a:pPr marL="223838" indent="0">
+              <a:buNone/>
+            </a:pPr>
+            <a:r>
+              <a:rPr lang="en-US" smtClean="0">
+                <a:latin typeface="Segoe UI" panose="020B0502040204020203" pitchFamily="34" charset="0"/>
+                <a:cs typeface="Segoe UI" panose="020B0502040204020203" pitchFamily="34" charset="0"/>
+              </a:rPr>
+              <a:t> </a:t>
+            </a:r>
+          </a:p>
+          <a:p>
+            <a:pPr marL="223838" indent="354013">
+              <a:buFont typeface="Wingdings" panose="05000000000000000000" pitchFamily="2" charset="2"/>
+              <a:buChar char="Ø"/>
+            </a:pPr>
+            <a:r>
+              <a:rPr lang="vi-VN" smtClean="0">
+                <a:latin typeface="Segoe UI" panose="020B0502040204020203" pitchFamily="34" charset="0"/>
+                <a:cs typeface="Segoe UI" panose="020B0502040204020203" pitchFamily="34" charset="0"/>
+              </a:rPr>
+              <a:t>Có </a:t>
+            </a:r>
+            <a:r>
+              <a:rPr lang="vi-VN" smtClean="0">
+                <a:latin typeface="Segoe UI" panose="020B0502040204020203" pitchFamily="34" charset="0"/>
+                <a:cs typeface="Segoe UI" panose="020B0502040204020203" pitchFamily="34" charset="0"/>
+              </a:rPr>
+              <a:t>3 loại:</a:t>
+            </a:r>
+          </a:p>
+          <a:p>
+            <a:pPr marL="977900" lvl="1" indent="-352425">
+              <a:buFont typeface="Wingdings" panose="05000000000000000000" pitchFamily="2" charset="2"/>
+              <a:buChar char="q"/>
+            </a:pPr>
+            <a:r>
+              <a:rPr lang="vi-VN" smtClean="0">
                 <a:latin typeface="Segoe UI" panose="020B0502040204020203" pitchFamily="34" charset="0"/>
                 <a:cs typeface="Segoe UI" panose="020B0502040204020203" pitchFamily="34" charset="0"/>
               </a:rPr>
@@ -8878,80 +13628,31 @@
             </a:r>
           </a:p>
           <a:p>
-            <a:pPr>
-              <a:buFont typeface="Times New Roman" panose="02020603050405020304" pitchFamily="18" charset="0"/>
-              <a:buChar char="♦"/>
+            <a:pPr marL="977900" lvl="1" indent="-352425">
+              <a:buFont typeface="Wingdings" panose="05000000000000000000" pitchFamily="2" charset="2"/>
+              <a:buChar char="q"/>
             </a:pPr>
             <a:r>
               <a:rPr lang="vi-VN" smtClean="0">
                 <a:latin typeface="Segoe UI" panose="020B0502040204020203" pitchFamily="34" charset="0"/>
                 <a:cs typeface="Segoe UI" panose="020B0502040204020203" pitchFamily="34" charset="0"/>
               </a:rPr>
-              <a:t>Tile này sẽ hiển thị text và số được thay đổi liên tục.</a:t>
-            </a:r>
-          </a:p>
-          <a:p>
-            <a:pPr>
-              <a:buFont typeface="Times New Roman" panose="02020603050405020304" pitchFamily="18" charset="0"/>
-              <a:buChar char="♦"/>
+              <a:t>Flip</a:t>
+            </a:r>
+          </a:p>
+          <a:p>
+            <a:pPr marL="977900" lvl="1" indent="-352425">
+              <a:buFont typeface="Wingdings" panose="05000000000000000000" pitchFamily="2" charset="2"/>
+              <a:buChar char="q"/>
             </a:pPr>
             <a:r>
               <a:rPr lang="vi-VN" smtClean="0">
                 <a:latin typeface="Segoe UI" panose="020B0502040204020203" pitchFamily="34" charset="0"/>
                 <a:cs typeface="Segoe UI" panose="020B0502040204020203" pitchFamily="34" charset="0"/>
               </a:rPr>
-              <a:t>Tile có thể chứa icon của ứng dụng.</a:t>
-            </a:r>
-          </a:p>
-          <a:p>
-            <a:pPr>
-              <a:buFont typeface="Times New Roman" panose="02020603050405020304" pitchFamily="18" charset="0"/>
-              <a:buChar char="♦"/>
-            </a:pPr>
-            <a:r>
-              <a:rPr lang="vi-VN">
-                <a:solidFill>
-                  <a:schemeClr val="tx1"/>
-                </a:solidFill>
-                <a:latin typeface="Segoe UI" panose="020B0502040204020203" pitchFamily="34" charset="0"/>
-                <a:cs typeface="Segoe UI" panose="020B0502040204020203" pitchFamily="34" charset="0"/>
-              </a:rPr>
-              <a:t>Thuộc </a:t>
-            </a:r>
-            <a:r>
-              <a:rPr lang="vi-VN">
-                <a:solidFill>
-                  <a:schemeClr val="tx1"/>
-                </a:solidFill>
-                <a:latin typeface="Segoe UI" panose="020B0502040204020203" pitchFamily="34" charset="0"/>
-                <a:cs typeface="Segoe UI" panose="020B0502040204020203" pitchFamily="34" charset="0"/>
-              </a:rPr>
-              <a:t>lớp</a:t>
-            </a:r>
-            <a:r>
-              <a:rPr lang="vi-VN" b="1">
-                <a:solidFill>
-                  <a:schemeClr val="tx1"/>
-                </a:solidFill>
-                <a:latin typeface="Segoe UI" panose="020B0502040204020203" pitchFamily="34" charset="0"/>
-                <a:cs typeface="Segoe UI" panose="020B0502040204020203" pitchFamily="34" charset="0"/>
-              </a:rPr>
-              <a:t> </a:t>
-            </a:r>
-            <a:r>
-              <a:rPr lang="en-US" b="1" smtClean="0">
-                <a:solidFill>
-                  <a:srgbClr val="1E75D2"/>
-                </a:solidFill>
-                <a:latin typeface="Segoe UI" panose="020B0502040204020203" pitchFamily="34" charset="0"/>
-                <a:cs typeface="Segoe UI" panose="020B0502040204020203" pitchFamily="34" charset="0"/>
-              </a:rPr>
-              <a:t>IconicTileData</a:t>
-            </a:r>
-            <a:endParaRPr lang="en-US" b="1">
-              <a:solidFill>
-                <a:srgbClr val="1E75D2"/>
-              </a:solidFill>
+              <a:t>Cyclic</a:t>
+            </a:r>
+            <a:endParaRPr lang="en-US">
               <a:latin typeface="Segoe UI" panose="020B0502040204020203" pitchFamily="34" charset="0"/>
               <a:cs typeface="Segoe UI" panose="020B0502040204020203" pitchFamily="34" charset="0"/>
             </a:endParaRPr>
@@ -9002,10 +13703,51 @@
           </a:p>
         </p:txBody>
       </p:sp>
+      <p:pic>
+        <p:nvPicPr>
+          <p:cNvPr id="6" name="Picture 2" descr="https://miapple.me/wp-content/uploads/2014/01/Windows_Phone_logo.png"/>
+          <p:cNvPicPr>
+            <a:picLocks noChangeAspect="1" noChangeArrowheads="1"/>
+          </p:cNvPicPr>
+          <p:nvPr/>
+        </p:nvPicPr>
+        <p:blipFill>
+          <a:blip r:embed="rId2" cstate="print">
+            <a:extLst>
+              <a:ext uri="{28A0092B-C50C-407E-A947-70E740481C1C}">
+                <a14:useLocalDpi xmlns:a14="http://schemas.microsoft.com/office/drawing/2010/main" val="0"/>
+              </a:ext>
+            </a:extLst>
+          </a:blip>
+          <a:srcRect/>
+          <a:stretch>
+            <a:fillRect/>
+          </a:stretch>
+        </p:blipFill>
+        <p:spPr bwMode="auto">
+          <a:xfrm>
+            <a:off x="1705562" y="2862672"/>
+            <a:ext cx="3024939" cy="711023"/>
+          </a:xfrm>
+          <a:prstGeom prst="rect">
+            <a:avLst/>
+          </a:prstGeom>
+          <a:noFill/>
+          <a:extLst>
+            <a:ext uri="{909E8E84-426E-40DD-AFC4-6F175D3DCCD1}">
+              <a14:hiddenFill xmlns:a14="http://schemas.microsoft.com/office/drawing/2010/main">
+                <a:solidFill>
+                  <a:srgbClr val="FFFFFF"/>
+                </a:solidFill>
+              </a14:hiddenFill>
+            </a:ext>
+          </a:extLst>
+        </p:spPr>
+      </p:pic>
     </p:spTree>
     <p:extLst>
       <p:ext uri="{BB962C8B-B14F-4D97-AF65-F5344CB8AC3E}">
-        <p14:creationId xmlns:p14="http://schemas.microsoft.com/office/powerpoint/2010/main" val="1235326355"/>
+        <p14:creationId xmlns:p14="http://schemas.microsoft.com/office/powerpoint/2010/main" val="2972749496"/>
       </p:ext>
     </p:extLst>
   </p:cSld>
@@ -9015,9 +13757,590 @@
   <p:timing>
     <p:tnLst>
       <p:par>
-        <p:cTn id="1" dur="indefinite" restart="never" nodeType="tmRoot"/>
+        <p:cTn id="1" dur="indefinite" restart="never" nodeType="tmRoot">
+          <p:childTnLst>
+            <p:seq concurrent="1" nextAc="seek">
+              <p:cTn id="2" dur="indefinite" nodeType="mainSeq">
+                <p:childTnLst>
+                  <p:par>
+                    <p:cTn id="3" fill="hold">
+                      <p:stCondLst>
+                        <p:cond delay="indefinite"/>
+                      </p:stCondLst>
+                      <p:childTnLst>
+                        <p:par>
+                          <p:cTn id="4" fill="hold">
+                            <p:stCondLst>
+                              <p:cond delay="0"/>
+                            </p:stCondLst>
+                            <p:childTnLst>
+                              <p:par>
+                                <p:cTn id="5" presetID="10" presetClass="entr" presetSubtype="0" fill="hold" grpId="0" nodeType="clickEffect">
+                                  <p:stCondLst>
+                                    <p:cond delay="0"/>
+                                  </p:stCondLst>
+                                  <p:childTnLst>
+                                    <p:set>
+                                      <p:cBhvr>
+                                        <p:cTn id="6" dur="1" fill="hold">
+                                          <p:stCondLst>
+                                            <p:cond delay="0"/>
+                                          </p:stCondLst>
+                                        </p:cTn>
+                                        <p:tgtEl>
+                                          <p:spTgt spid="2"/>
+                                        </p:tgtEl>
+                                        <p:attrNameLst>
+                                          <p:attrName>style.visibility</p:attrName>
+                                        </p:attrNameLst>
+                                      </p:cBhvr>
+                                      <p:to>
+                                        <p:strVal val="visible"/>
+                                      </p:to>
+                                    </p:set>
+                                    <p:animEffect transition="in" filter="fade">
+                                      <p:cBhvr>
+                                        <p:cTn id="7" dur="500"/>
+                                        <p:tgtEl>
+                                          <p:spTgt spid="2"/>
+                                        </p:tgtEl>
+                                      </p:cBhvr>
+                                    </p:animEffect>
+                                  </p:childTnLst>
+                                </p:cTn>
+                              </p:par>
+                            </p:childTnLst>
+                          </p:cTn>
+                        </p:par>
+                      </p:childTnLst>
+                    </p:cTn>
+                  </p:par>
+                  <p:par>
+                    <p:cTn id="8" fill="hold">
+                      <p:stCondLst>
+                        <p:cond delay="indefinite"/>
+                      </p:stCondLst>
+                      <p:childTnLst>
+                        <p:par>
+                          <p:cTn id="9" fill="hold">
+                            <p:stCondLst>
+                              <p:cond delay="0"/>
+                            </p:stCondLst>
+                            <p:childTnLst>
+                              <p:par>
+                                <p:cTn id="10" presetID="22" presetClass="entr" presetSubtype="8" fill="hold" nodeType="clickEffect">
+                                  <p:stCondLst>
+                                    <p:cond delay="0"/>
+                                  </p:stCondLst>
+                                  <p:childTnLst>
+                                    <p:set>
+                                      <p:cBhvr>
+                                        <p:cTn id="11" dur="1" fill="hold">
+                                          <p:stCondLst>
+                                            <p:cond delay="0"/>
+                                          </p:stCondLst>
+                                        </p:cTn>
+                                        <p:tgtEl>
+                                          <p:spTgt spid="3">
+                                            <p:txEl>
+                                              <p:pRg st="0" end="0"/>
+                                            </p:txEl>
+                                          </p:spTgt>
+                                        </p:tgtEl>
+                                        <p:attrNameLst>
+                                          <p:attrName>style.visibility</p:attrName>
+                                        </p:attrNameLst>
+                                      </p:cBhvr>
+                                      <p:to>
+                                        <p:strVal val="visible"/>
+                                      </p:to>
+                                    </p:set>
+                                    <p:animEffect transition="in" filter="wipe(left)">
+                                      <p:cBhvr>
+                                        <p:cTn id="12" dur="500"/>
+                                        <p:tgtEl>
+                                          <p:spTgt spid="3">
+                                            <p:txEl>
+                                              <p:pRg st="0" end="0"/>
+                                            </p:txEl>
+                                          </p:spTgt>
+                                        </p:tgtEl>
+                                      </p:cBhvr>
+                                    </p:animEffect>
+                                  </p:childTnLst>
+                                </p:cTn>
+                              </p:par>
+                              <p:par>
+                                <p:cTn id="13" presetID="10" presetClass="entr" presetSubtype="0" fill="hold" nodeType="withEffect">
+                                  <p:stCondLst>
+                                    <p:cond delay="0"/>
+                                  </p:stCondLst>
+                                  <p:childTnLst>
+                                    <p:set>
+                                      <p:cBhvr>
+                                        <p:cTn id="14" dur="1" fill="hold">
+                                          <p:stCondLst>
+                                            <p:cond delay="0"/>
+                                          </p:stCondLst>
+                                        </p:cTn>
+                                        <p:tgtEl>
+                                          <p:spTgt spid="6"/>
+                                        </p:tgtEl>
+                                        <p:attrNameLst>
+                                          <p:attrName>style.visibility</p:attrName>
+                                        </p:attrNameLst>
+                                      </p:cBhvr>
+                                      <p:to>
+                                        <p:strVal val="visible"/>
+                                      </p:to>
+                                    </p:set>
+                                    <p:animEffect transition="in" filter="fade">
+                                      <p:cBhvr>
+                                        <p:cTn id="15" dur="1000"/>
+                                        <p:tgtEl>
+                                          <p:spTgt spid="6"/>
+                                        </p:tgtEl>
+                                      </p:cBhvr>
+                                    </p:animEffect>
+                                  </p:childTnLst>
+                                </p:cTn>
+                              </p:par>
+                            </p:childTnLst>
+                          </p:cTn>
+                        </p:par>
+                      </p:childTnLst>
+                    </p:cTn>
+                  </p:par>
+                  <p:par>
+                    <p:cTn id="16" fill="hold">
+                      <p:stCondLst>
+                        <p:cond delay="indefinite"/>
+                      </p:stCondLst>
+                      <p:childTnLst>
+                        <p:par>
+                          <p:cTn id="17" fill="hold">
+                            <p:stCondLst>
+                              <p:cond delay="0"/>
+                            </p:stCondLst>
+                            <p:childTnLst>
+                              <p:par>
+                                <p:cTn id="18" presetID="22" presetClass="entr" presetSubtype="8" fill="hold" nodeType="clickEffect">
+                                  <p:stCondLst>
+                                    <p:cond delay="0"/>
+                                  </p:stCondLst>
+                                  <p:childTnLst>
+                                    <p:set>
+                                      <p:cBhvr>
+                                        <p:cTn id="19" dur="1" fill="hold">
+                                          <p:stCondLst>
+                                            <p:cond delay="0"/>
+                                          </p:stCondLst>
+                                        </p:cTn>
+                                        <p:tgtEl>
+                                          <p:spTgt spid="3">
+                                            <p:txEl>
+                                              <p:pRg st="2" end="2"/>
+                                            </p:txEl>
+                                          </p:spTgt>
+                                        </p:tgtEl>
+                                        <p:attrNameLst>
+                                          <p:attrName>style.visibility</p:attrName>
+                                        </p:attrNameLst>
+                                      </p:cBhvr>
+                                      <p:to>
+                                        <p:strVal val="visible"/>
+                                      </p:to>
+                                    </p:set>
+                                    <p:animEffect transition="in" filter="wipe(left)">
+                                      <p:cBhvr>
+                                        <p:cTn id="20" dur="500"/>
+                                        <p:tgtEl>
+                                          <p:spTgt spid="3">
+                                            <p:txEl>
+                                              <p:pRg st="2" end="2"/>
+                                            </p:txEl>
+                                          </p:spTgt>
+                                        </p:tgtEl>
+                                      </p:cBhvr>
+                                    </p:animEffect>
+                                  </p:childTnLst>
+                                </p:cTn>
+                              </p:par>
+                            </p:childTnLst>
+                          </p:cTn>
+                        </p:par>
+                      </p:childTnLst>
+                    </p:cTn>
+                  </p:par>
+                  <p:par>
+                    <p:cTn id="21" fill="hold">
+                      <p:stCondLst>
+                        <p:cond delay="indefinite"/>
+                      </p:stCondLst>
+                      <p:childTnLst>
+                        <p:par>
+                          <p:cTn id="22" fill="hold">
+                            <p:stCondLst>
+                              <p:cond delay="0"/>
+                            </p:stCondLst>
+                            <p:childTnLst>
+                              <p:par>
+                                <p:cTn id="23" presetID="53" presetClass="entr" presetSubtype="16" fill="hold" nodeType="clickEffect">
+                                  <p:stCondLst>
+                                    <p:cond delay="0"/>
+                                  </p:stCondLst>
+                                  <p:childTnLst>
+                                    <p:set>
+                                      <p:cBhvr>
+                                        <p:cTn id="24" dur="1" fill="hold">
+                                          <p:stCondLst>
+                                            <p:cond delay="0"/>
+                                          </p:stCondLst>
+                                        </p:cTn>
+                                        <p:tgtEl>
+                                          <p:spTgt spid="3">
+                                            <p:txEl>
+                                              <p:pRg st="3" end="3"/>
+                                            </p:txEl>
+                                          </p:spTgt>
+                                        </p:tgtEl>
+                                        <p:attrNameLst>
+                                          <p:attrName>style.visibility</p:attrName>
+                                        </p:attrNameLst>
+                                      </p:cBhvr>
+                                      <p:to>
+                                        <p:strVal val="visible"/>
+                                      </p:to>
+                                    </p:set>
+                                    <p:anim calcmode="lin" valueType="num">
+                                      <p:cBhvr>
+                                        <p:cTn id="25" dur="500" fill="hold"/>
+                                        <p:tgtEl>
+                                          <p:spTgt spid="3">
+                                            <p:txEl>
+                                              <p:pRg st="3" end="3"/>
+                                            </p:txEl>
+                                          </p:spTgt>
+                                        </p:tgtEl>
+                                        <p:attrNameLst>
+                                          <p:attrName>ppt_w</p:attrName>
+                                        </p:attrNameLst>
+                                      </p:cBhvr>
+                                      <p:tavLst>
+                                        <p:tav tm="0">
+                                          <p:val>
+                                            <p:fltVal val="0"/>
+                                          </p:val>
+                                        </p:tav>
+                                        <p:tav tm="100000">
+                                          <p:val>
+                                            <p:strVal val="#ppt_w"/>
+                                          </p:val>
+                                        </p:tav>
+                                      </p:tavLst>
+                                    </p:anim>
+                                    <p:anim calcmode="lin" valueType="num">
+                                      <p:cBhvr>
+                                        <p:cTn id="26" dur="500" fill="hold"/>
+                                        <p:tgtEl>
+                                          <p:spTgt spid="3">
+                                            <p:txEl>
+                                              <p:pRg st="3" end="3"/>
+                                            </p:txEl>
+                                          </p:spTgt>
+                                        </p:tgtEl>
+                                        <p:attrNameLst>
+                                          <p:attrName>ppt_h</p:attrName>
+                                        </p:attrNameLst>
+                                      </p:cBhvr>
+                                      <p:tavLst>
+                                        <p:tav tm="0">
+                                          <p:val>
+                                            <p:fltVal val="0"/>
+                                          </p:val>
+                                        </p:tav>
+                                        <p:tav tm="100000">
+                                          <p:val>
+                                            <p:strVal val="#ppt_h"/>
+                                          </p:val>
+                                        </p:tav>
+                                      </p:tavLst>
+                                    </p:anim>
+                                    <p:animEffect transition="in" filter="fade">
+                                      <p:cBhvr>
+                                        <p:cTn id="27" dur="500"/>
+                                        <p:tgtEl>
+                                          <p:spTgt spid="3">
+                                            <p:txEl>
+                                              <p:pRg st="3" end="3"/>
+                                            </p:txEl>
+                                          </p:spTgt>
+                                        </p:tgtEl>
+                                      </p:cBhvr>
+                                    </p:animEffect>
+                                  </p:childTnLst>
+                                </p:cTn>
+                              </p:par>
+                            </p:childTnLst>
+                          </p:cTn>
+                        </p:par>
+                      </p:childTnLst>
+                    </p:cTn>
+                  </p:par>
+                  <p:par>
+                    <p:cTn id="28" fill="hold">
+                      <p:stCondLst>
+                        <p:cond delay="indefinite"/>
+                      </p:stCondLst>
+                      <p:childTnLst>
+                        <p:par>
+                          <p:cTn id="29" fill="hold">
+                            <p:stCondLst>
+                              <p:cond delay="0"/>
+                            </p:stCondLst>
+                            <p:childTnLst>
+                              <p:par>
+                                <p:cTn id="30" presetID="53" presetClass="entr" presetSubtype="16" fill="hold" nodeType="clickEffect">
+                                  <p:stCondLst>
+                                    <p:cond delay="0"/>
+                                  </p:stCondLst>
+                                  <p:childTnLst>
+                                    <p:set>
+                                      <p:cBhvr>
+                                        <p:cTn id="31" dur="1" fill="hold">
+                                          <p:stCondLst>
+                                            <p:cond delay="0"/>
+                                          </p:stCondLst>
+                                        </p:cTn>
+                                        <p:tgtEl>
+                                          <p:spTgt spid="3">
+                                            <p:txEl>
+                                              <p:pRg st="4" end="4"/>
+                                            </p:txEl>
+                                          </p:spTgt>
+                                        </p:tgtEl>
+                                        <p:attrNameLst>
+                                          <p:attrName>style.visibility</p:attrName>
+                                        </p:attrNameLst>
+                                      </p:cBhvr>
+                                      <p:to>
+                                        <p:strVal val="visible"/>
+                                      </p:to>
+                                    </p:set>
+                                    <p:anim calcmode="lin" valueType="num">
+                                      <p:cBhvr>
+                                        <p:cTn id="32" dur="500" fill="hold"/>
+                                        <p:tgtEl>
+                                          <p:spTgt spid="3">
+                                            <p:txEl>
+                                              <p:pRg st="4" end="4"/>
+                                            </p:txEl>
+                                          </p:spTgt>
+                                        </p:tgtEl>
+                                        <p:attrNameLst>
+                                          <p:attrName>ppt_w</p:attrName>
+                                        </p:attrNameLst>
+                                      </p:cBhvr>
+                                      <p:tavLst>
+                                        <p:tav tm="0">
+                                          <p:val>
+                                            <p:fltVal val="0"/>
+                                          </p:val>
+                                        </p:tav>
+                                        <p:tav tm="100000">
+                                          <p:val>
+                                            <p:strVal val="#ppt_w"/>
+                                          </p:val>
+                                        </p:tav>
+                                      </p:tavLst>
+                                    </p:anim>
+                                    <p:anim calcmode="lin" valueType="num">
+                                      <p:cBhvr>
+                                        <p:cTn id="33" dur="500" fill="hold"/>
+                                        <p:tgtEl>
+                                          <p:spTgt spid="3">
+                                            <p:txEl>
+                                              <p:pRg st="4" end="4"/>
+                                            </p:txEl>
+                                          </p:spTgt>
+                                        </p:tgtEl>
+                                        <p:attrNameLst>
+                                          <p:attrName>ppt_h</p:attrName>
+                                        </p:attrNameLst>
+                                      </p:cBhvr>
+                                      <p:tavLst>
+                                        <p:tav tm="0">
+                                          <p:val>
+                                            <p:fltVal val="0"/>
+                                          </p:val>
+                                        </p:tav>
+                                        <p:tav tm="100000">
+                                          <p:val>
+                                            <p:strVal val="#ppt_h"/>
+                                          </p:val>
+                                        </p:tav>
+                                      </p:tavLst>
+                                    </p:anim>
+                                    <p:animEffect transition="in" filter="fade">
+                                      <p:cBhvr>
+                                        <p:cTn id="34" dur="500"/>
+                                        <p:tgtEl>
+                                          <p:spTgt spid="3">
+                                            <p:txEl>
+                                              <p:pRg st="4" end="4"/>
+                                            </p:txEl>
+                                          </p:spTgt>
+                                        </p:tgtEl>
+                                      </p:cBhvr>
+                                    </p:animEffect>
+                                  </p:childTnLst>
+                                </p:cTn>
+                              </p:par>
+                            </p:childTnLst>
+                          </p:cTn>
+                        </p:par>
+                      </p:childTnLst>
+                    </p:cTn>
+                  </p:par>
+                  <p:par>
+                    <p:cTn id="35" fill="hold">
+                      <p:stCondLst>
+                        <p:cond delay="indefinite"/>
+                      </p:stCondLst>
+                      <p:childTnLst>
+                        <p:par>
+                          <p:cTn id="36" fill="hold">
+                            <p:stCondLst>
+                              <p:cond delay="0"/>
+                            </p:stCondLst>
+                            <p:childTnLst>
+                              <p:par>
+                                <p:cTn id="37" presetID="53" presetClass="entr" presetSubtype="16" fill="hold" nodeType="clickEffect">
+                                  <p:stCondLst>
+                                    <p:cond delay="0"/>
+                                  </p:stCondLst>
+                                  <p:childTnLst>
+                                    <p:set>
+                                      <p:cBhvr>
+                                        <p:cTn id="38" dur="1" fill="hold">
+                                          <p:stCondLst>
+                                            <p:cond delay="0"/>
+                                          </p:stCondLst>
+                                        </p:cTn>
+                                        <p:tgtEl>
+                                          <p:spTgt spid="3">
+                                            <p:txEl>
+                                              <p:pRg st="5" end="5"/>
+                                            </p:txEl>
+                                          </p:spTgt>
+                                        </p:tgtEl>
+                                        <p:attrNameLst>
+                                          <p:attrName>style.visibility</p:attrName>
+                                        </p:attrNameLst>
+                                      </p:cBhvr>
+                                      <p:to>
+                                        <p:strVal val="visible"/>
+                                      </p:to>
+                                    </p:set>
+                                    <p:anim calcmode="lin" valueType="num">
+                                      <p:cBhvr>
+                                        <p:cTn id="39" dur="500" fill="hold"/>
+                                        <p:tgtEl>
+                                          <p:spTgt spid="3">
+                                            <p:txEl>
+                                              <p:pRg st="5" end="5"/>
+                                            </p:txEl>
+                                          </p:spTgt>
+                                        </p:tgtEl>
+                                        <p:attrNameLst>
+                                          <p:attrName>ppt_w</p:attrName>
+                                        </p:attrNameLst>
+                                      </p:cBhvr>
+                                      <p:tavLst>
+                                        <p:tav tm="0">
+                                          <p:val>
+                                            <p:fltVal val="0"/>
+                                          </p:val>
+                                        </p:tav>
+                                        <p:tav tm="100000">
+                                          <p:val>
+                                            <p:strVal val="#ppt_w"/>
+                                          </p:val>
+                                        </p:tav>
+                                      </p:tavLst>
+                                    </p:anim>
+                                    <p:anim calcmode="lin" valueType="num">
+                                      <p:cBhvr>
+                                        <p:cTn id="40" dur="500" fill="hold"/>
+                                        <p:tgtEl>
+                                          <p:spTgt spid="3">
+                                            <p:txEl>
+                                              <p:pRg st="5" end="5"/>
+                                            </p:txEl>
+                                          </p:spTgt>
+                                        </p:tgtEl>
+                                        <p:attrNameLst>
+                                          <p:attrName>ppt_h</p:attrName>
+                                        </p:attrNameLst>
+                                      </p:cBhvr>
+                                      <p:tavLst>
+                                        <p:tav tm="0">
+                                          <p:val>
+                                            <p:fltVal val="0"/>
+                                          </p:val>
+                                        </p:tav>
+                                        <p:tav tm="100000">
+                                          <p:val>
+                                            <p:strVal val="#ppt_h"/>
+                                          </p:val>
+                                        </p:tav>
+                                      </p:tavLst>
+                                    </p:anim>
+                                    <p:animEffect transition="in" filter="fade">
+                                      <p:cBhvr>
+                                        <p:cTn id="41" dur="500"/>
+                                        <p:tgtEl>
+                                          <p:spTgt spid="3">
+                                            <p:txEl>
+                                              <p:pRg st="5" end="5"/>
+                                            </p:txEl>
+                                          </p:spTgt>
+                                        </p:tgtEl>
+                                      </p:cBhvr>
+                                    </p:animEffect>
+                                  </p:childTnLst>
+                                </p:cTn>
+                              </p:par>
+                            </p:childTnLst>
+                          </p:cTn>
+                        </p:par>
+                      </p:childTnLst>
+                    </p:cTn>
+                  </p:par>
+                </p:childTnLst>
+              </p:cTn>
+              <p:prevCondLst>
+                <p:cond evt="onPrev" delay="0">
+                  <p:tgtEl>
+                    <p:sldTgt/>
+                  </p:tgtEl>
+                </p:cond>
+              </p:prevCondLst>
+              <p:nextCondLst>
+                <p:cond evt="onNext" delay="0">
+                  <p:tgtEl>
+                    <p:sldTgt/>
+                  </p:tgtEl>
+                </p:cond>
+              </p:nextCondLst>
+            </p:seq>
+          </p:childTnLst>
+        </p:cTn>
       </p:par>
     </p:tnLst>
+    <p:bldLst>
+      <p:bldP spid="2" grpId="0"/>
+    </p:bldLst>
   </p:timing>
 </p:sld>
 </file>
@@ -9059,7 +14382,7 @@
                 <a:latin typeface="Segoe UI" panose="020B0502040204020203" pitchFamily="34" charset="0"/>
                 <a:cs typeface="Segoe UI" panose="020B0502040204020203" pitchFamily="34" charset="0"/>
               </a:rPr>
-              <a:t>Iconic Tile</a:t>
+              <a:t>Phân loại Live Tiles</a:t>
             </a:r>
             <a:endParaRPr lang="en-US">
               <a:latin typeface="Segoe UI" panose="020B0502040204020203" pitchFamily="34" charset="0"/>
@@ -9068,38 +14391,114 @@
           </a:p>
         </p:txBody>
       </p:sp>
-      <p:pic>
-        <p:nvPicPr>
-          <p:cNvPr id="5" name="Chỗ dành sẵn cho Nội dung 4"/>
-          <p:cNvPicPr>
-            <a:picLocks noGrp="1" noChangeAspect="1"/>
-          </p:cNvPicPr>
+      <p:sp>
+        <p:nvSpPr>
+          <p:cNvPr id="3" name="Chỗ dành sẵn cho Nội dung 2"/>
+          <p:cNvSpPr>
+            <a:spLocks noGrp="1"/>
+          </p:cNvSpPr>
           <p:nvPr>
             <p:ph idx="1"/>
           </p:nvPr>
-        </p:nvPicPr>
-        <p:blipFill>
-          <a:blip r:embed="rId2">
-            <a:extLst>
-              <a:ext uri="{28A0092B-C50C-407E-A947-70E740481C1C}">
-                <a14:useLocalDpi xmlns:a14="http://schemas.microsoft.com/office/drawing/2010/main" val="0"/>
-              </a:ext>
-            </a:extLst>
-          </a:blip>
-          <a:stretch>
-            <a:fillRect/>
-          </a:stretch>
-        </p:blipFill>
-        <p:spPr>
-          <a:xfrm>
-            <a:off x="1176864" y="2799092"/>
-            <a:ext cx="6798735" cy="2828483"/>
-          </a:xfrm>
-        </p:spPr>
-      </p:pic>
-      <p:sp>
-        <p:nvSpPr>
-          <p:cNvPr id="6" name="Chỗ dành sẵn cho Chân trang 3"/>
+        </p:nvSpPr>
+        <p:spPr/>
+        <p:txBody>
+          <a:bodyPr/>
+          <a:lstStyle/>
+          <a:p>
+            <a:pPr marL="457200" indent="-457200">
+              <a:buFont typeface="+mj-lt"/>
+              <a:buAutoNum type="arabicPeriod"/>
+            </a:pPr>
+            <a:r>
+              <a:rPr lang="vi-VN" b="1" smtClean="0">
+                <a:latin typeface="Segoe UI" panose="020B0502040204020203" pitchFamily="34" charset="0"/>
+                <a:cs typeface="Segoe UI" panose="020B0502040204020203" pitchFamily="34" charset="0"/>
+              </a:rPr>
+              <a:t>Iconic</a:t>
+            </a:r>
+          </a:p>
+          <a:p>
+            <a:pPr>
+              <a:buFont typeface="Times New Roman" panose="02020603050405020304" pitchFamily="18" charset="0"/>
+              <a:buChar char="♦"/>
+            </a:pPr>
+            <a:r>
+              <a:rPr lang="vi-VN" smtClean="0">
+                <a:latin typeface="Segoe UI" panose="020B0502040204020203" pitchFamily="34" charset="0"/>
+                <a:cs typeface="Segoe UI" panose="020B0502040204020203" pitchFamily="34" charset="0"/>
+              </a:rPr>
+              <a:t>Tile này sẽ hiển thị text và số được thay đổi liên tục.</a:t>
+            </a:r>
+          </a:p>
+          <a:p>
+            <a:pPr>
+              <a:buFont typeface="Times New Roman" panose="02020603050405020304" pitchFamily="18" charset="0"/>
+              <a:buChar char="♦"/>
+            </a:pPr>
+            <a:r>
+              <a:rPr lang="vi-VN" smtClean="0">
+                <a:latin typeface="Segoe UI" panose="020B0502040204020203" pitchFamily="34" charset="0"/>
+                <a:cs typeface="Segoe UI" panose="020B0502040204020203" pitchFamily="34" charset="0"/>
+              </a:rPr>
+              <a:t>Tile có thể chứa icon của ứng dụng.</a:t>
+            </a:r>
+          </a:p>
+          <a:p>
+            <a:pPr>
+              <a:buFont typeface="Times New Roman" panose="02020603050405020304" pitchFamily="18" charset="0"/>
+              <a:buChar char="♦"/>
+            </a:pPr>
+            <a:r>
+              <a:rPr lang="vi-VN">
+                <a:solidFill>
+                  <a:schemeClr val="tx1"/>
+                </a:solidFill>
+                <a:latin typeface="Segoe UI" panose="020B0502040204020203" pitchFamily="34" charset="0"/>
+                <a:cs typeface="Segoe UI" panose="020B0502040204020203" pitchFamily="34" charset="0"/>
+              </a:rPr>
+              <a:t>Thuộc lớp</a:t>
+            </a:r>
+            <a:r>
+              <a:rPr lang="vi-VN" b="1">
+                <a:solidFill>
+                  <a:schemeClr val="tx1"/>
+                </a:solidFill>
+                <a:latin typeface="Segoe UI" panose="020B0502040204020203" pitchFamily="34" charset="0"/>
+                <a:cs typeface="Segoe UI" panose="020B0502040204020203" pitchFamily="34" charset="0"/>
+              </a:rPr>
+              <a:t> </a:t>
+            </a:r>
+            <a:r>
+              <a:rPr lang="en-US" b="1" smtClean="0">
+                <a:solidFill>
+                  <a:srgbClr val="1E75D2"/>
+                </a:solidFill>
+                <a:latin typeface="Segoe UI" panose="020B0502040204020203" pitchFamily="34" charset="0"/>
+                <a:cs typeface="Segoe UI" panose="020B0502040204020203" pitchFamily="34" charset="0"/>
+              </a:rPr>
+              <a:t>IconicTileData</a:t>
+            </a:r>
+            <a:r>
+              <a:rPr lang="vi-VN" smtClean="0">
+                <a:latin typeface="Segoe UI" panose="020B0502040204020203" pitchFamily="34" charset="0"/>
+                <a:cs typeface="Segoe UI" panose="020B0502040204020203" pitchFamily="34" charset="0"/>
+              </a:rPr>
+              <a:t>.</a:t>
+            </a:r>
+            <a:endParaRPr lang="en-US" b="1">
+              <a:solidFill>
+                <a:srgbClr val="1E75D2"/>
+              </a:solidFill>
+              <a:latin typeface="Segoe UI" panose="020B0502040204020203" pitchFamily="34" charset="0"/>
+              <a:cs typeface="Segoe UI" panose="020B0502040204020203" pitchFamily="34" charset="0"/>
+            </a:endParaRPr>
+          </a:p>
+        </p:txBody>
+      </p:sp>
+      <p:sp>
+        <p:nvSpPr>
+          <p:cNvPr id="5" name="Chỗ dành sẵn cho Chân trang 3"/>
           <p:cNvSpPr>
             <a:spLocks noGrp="1"/>
           </p:cNvSpPr>
@@ -9144,7 +14543,7 @@
     </p:spTree>
     <p:extLst>
       <p:ext uri="{BB962C8B-B14F-4D97-AF65-F5344CB8AC3E}">
-        <p14:creationId xmlns:p14="http://schemas.microsoft.com/office/powerpoint/2010/main" val="3687229039"/>
+        <p14:creationId xmlns:p14="http://schemas.microsoft.com/office/powerpoint/2010/main" val="1235326355"/>
       </p:ext>
     </p:extLst>
   </p:cSld>
@@ -9154,9 +14553,455 @@
   <p:timing>
     <p:tnLst>
       <p:par>
-        <p:cTn id="1" dur="indefinite" restart="never" nodeType="tmRoot"/>
+        <p:cTn id="1" dur="indefinite" restart="never" nodeType="tmRoot">
+          <p:childTnLst>
+            <p:seq concurrent="1" nextAc="seek">
+              <p:cTn id="2" dur="indefinite" nodeType="mainSeq">
+                <p:childTnLst>
+                  <p:par>
+                    <p:cTn id="3" fill="hold">
+                      <p:stCondLst>
+                        <p:cond delay="indefinite"/>
+                      </p:stCondLst>
+                      <p:childTnLst>
+                        <p:par>
+                          <p:cTn id="4" fill="hold">
+                            <p:stCondLst>
+                              <p:cond delay="0"/>
+                            </p:stCondLst>
+                            <p:childTnLst>
+                              <p:par>
+                                <p:cTn id="5" presetID="31" presetClass="entr" presetSubtype="0" fill="hold" grpId="0" nodeType="clickEffect">
+                                  <p:stCondLst>
+                                    <p:cond delay="0"/>
+                                  </p:stCondLst>
+                                  <p:childTnLst>
+                                    <p:set>
+                                      <p:cBhvr>
+                                        <p:cTn id="6" dur="1" fill="hold">
+                                          <p:stCondLst>
+                                            <p:cond delay="0"/>
+                                          </p:stCondLst>
+                                        </p:cTn>
+                                        <p:tgtEl>
+                                          <p:spTgt spid="2"/>
+                                        </p:tgtEl>
+                                        <p:attrNameLst>
+                                          <p:attrName>style.visibility</p:attrName>
+                                        </p:attrNameLst>
+                                      </p:cBhvr>
+                                      <p:to>
+                                        <p:strVal val="visible"/>
+                                      </p:to>
+                                    </p:set>
+                                    <p:anim calcmode="lin" valueType="num">
+                                      <p:cBhvr>
+                                        <p:cTn id="7" dur="1000" fill="hold"/>
+                                        <p:tgtEl>
+                                          <p:spTgt spid="2"/>
+                                        </p:tgtEl>
+                                        <p:attrNameLst>
+                                          <p:attrName>ppt_w</p:attrName>
+                                        </p:attrNameLst>
+                                      </p:cBhvr>
+                                      <p:tavLst>
+                                        <p:tav tm="0">
+                                          <p:val>
+                                            <p:fltVal val="0"/>
+                                          </p:val>
+                                        </p:tav>
+                                        <p:tav tm="100000">
+                                          <p:val>
+                                            <p:strVal val="#ppt_w"/>
+                                          </p:val>
+                                        </p:tav>
+                                      </p:tavLst>
+                                    </p:anim>
+                                    <p:anim calcmode="lin" valueType="num">
+                                      <p:cBhvr>
+                                        <p:cTn id="8" dur="1000" fill="hold"/>
+                                        <p:tgtEl>
+                                          <p:spTgt spid="2"/>
+                                        </p:tgtEl>
+                                        <p:attrNameLst>
+                                          <p:attrName>ppt_h</p:attrName>
+                                        </p:attrNameLst>
+                                      </p:cBhvr>
+                                      <p:tavLst>
+                                        <p:tav tm="0">
+                                          <p:val>
+                                            <p:fltVal val="0"/>
+                                          </p:val>
+                                        </p:tav>
+                                        <p:tav tm="100000">
+                                          <p:val>
+                                            <p:strVal val="#ppt_h"/>
+                                          </p:val>
+                                        </p:tav>
+                                      </p:tavLst>
+                                    </p:anim>
+                                    <p:anim calcmode="lin" valueType="num">
+                                      <p:cBhvr>
+                                        <p:cTn id="9" dur="1000" fill="hold"/>
+                                        <p:tgtEl>
+                                          <p:spTgt spid="2"/>
+                                        </p:tgtEl>
+                                        <p:attrNameLst>
+                                          <p:attrName>style.rotation</p:attrName>
+                                        </p:attrNameLst>
+                                      </p:cBhvr>
+                                      <p:tavLst>
+                                        <p:tav tm="0">
+                                          <p:val>
+                                            <p:fltVal val="90"/>
+                                          </p:val>
+                                        </p:tav>
+                                        <p:tav tm="100000">
+                                          <p:val>
+                                            <p:fltVal val="0"/>
+                                          </p:val>
+                                        </p:tav>
+                                      </p:tavLst>
+                                    </p:anim>
+                                    <p:animEffect transition="in" filter="fade">
+                                      <p:cBhvr>
+                                        <p:cTn id="10" dur="1000"/>
+                                        <p:tgtEl>
+                                          <p:spTgt spid="2"/>
+                                        </p:tgtEl>
+                                      </p:cBhvr>
+                                    </p:animEffect>
+                                  </p:childTnLst>
+                                </p:cTn>
+                              </p:par>
+                            </p:childTnLst>
+                          </p:cTn>
+                        </p:par>
+                      </p:childTnLst>
+                    </p:cTn>
+                  </p:par>
+                  <p:par>
+                    <p:cTn id="11" fill="hold">
+                      <p:stCondLst>
+                        <p:cond delay="indefinite"/>
+                      </p:stCondLst>
+                      <p:childTnLst>
+                        <p:par>
+                          <p:cTn id="12" fill="hold">
+                            <p:stCondLst>
+                              <p:cond delay="0"/>
+                            </p:stCondLst>
+                            <p:childTnLst>
+                              <p:par>
+                                <p:cTn id="13" presetID="47" presetClass="entr" presetSubtype="0" fill="hold" nodeType="clickEffect">
+                                  <p:stCondLst>
+                                    <p:cond delay="0"/>
+                                  </p:stCondLst>
+                                  <p:childTnLst>
+                                    <p:set>
+                                      <p:cBhvr>
+                                        <p:cTn id="14" dur="1" fill="hold">
+                                          <p:stCondLst>
+                                            <p:cond delay="0"/>
+                                          </p:stCondLst>
+                                        </p:cTn>
+                                        <p:tgtEl>
+                                          <p:spTgt spid="3">
+                                            <p:txEl>
+                                              <p:pRg st="0" end="0"/>
+                                            </p:txEl>
+                                          </p:spTgt>
+                                        </p:tgtEl>
+                                        <p:attrNameLst>
+                                          <p:attrName>style.visibility</p:attrName>
+                                        </p:attrNameLst>
+                                      </p:cBhvr>
+                                      <p:to>
+                                        <p:strVal val="visible"/>
+                                      </p:to>
+                                    </p:set>
+                                    <p:animEffect transition="in" filter="fade">
+                                      <p:cBhvr>
+                                        <p:cTn id="15" dur="1000"/>
+                                        <p:tgtEl>
+                                          <p:spTgt spid="3">
+                                            <p:txEl>
+                                              <p:pRg st="0" end="0"/>
+                                            </p:txEl>
+                                          </p:spTgt>
+                                        </p:tgtEl>
+                                      </p:cBhvr>
+                                    </p:animEffect>
+                                    <p:anim calcmode="lin" valueType="num">
+                                      <p:cBhvr>
+                                        <p:cTn id="16" dur="1000" fill="hold"/>
+                                        <p:tgtEl>
+                                          <p:spTgt spid="3">
+                                            <p:txEl>
+                                              <p:pRg st="0" end="0"/>
+                                            </p:txEl>
+                                          </p:spTgt>
+                                        </p:tgtEl>
+                                        <p:attrNameLst>
+                                          <p:attrName>ppt_x</p:attrName>
+                                        </p:attrNameLst>
+                                      </p:cBhvr>
+                                      <p:tavLst>
+                                        <p:tav tm="0">
+                                          <p:val>
+                                            <p:strVal val="#ppt_x"/>
+                                          </p:val>
+                                        </p:tav>
+                                        <p:tav tm="100000">
+                                          <p:val>
+                                            <p:strVal val="#ppt_x"/>
+                                          </p:val>
+                                        </p:tav>
+                                      </p:tavLst>
+                                    </p:anim>
+                                    <p:anim calcmode="lin" valueType="num">
+                                      <p:cBhvr>
+                                        <p:cTn id="17" dur="1000" fill="hold"/>
+                                        <p:tgtEl>
+                                          <p:spTgt spid="3">
+                                            <p:txEl>
+                                              <p:pRg st="0" end="0"/>
+                                            </p:txEl>
+                                          </p:spTgt>
+                                        </p:tgtEl>
+                                        <p:attrNameLst>
+                                          <p:attrName>ppt_y</p:attrName>
+                                        </p:attrNameLst>
+                                      </p:cBhvr>
+                                      <p:tavLst>
+                                        <p:tav tm="0">
+                                          <p:val>
+                                            <p:strVal val="#ppt_y-.1"/>
+                                          </p:val>
+                                        </p:tav>
+                                        <p:tav tm="100000">
+                                          <p:val>
+                                            <p:strVal val="#ppt_y"/>
+                                          </p:val>
+                                        </p:tav>
+                                      </p:tavLst>
+                                    </p:anim>
+                                  </p:childTnLst>
+                                </p:cTn>
+                              </p:par>
+                            </p:childTnLst>
+                          </p:cTn>
+                        </p:par>
+                      </p:childTnLst>
+                    </p:cTn>
+                  </p:par>
+                  <p:par>
+                    <p:cTn id="18" fill="hold">
+                      <p:stCondLst>
+                        <p:cond delay="indefinite"/>
+                      </p:stCondLst>
+                      <p:childTnLst>
+                        <p:par>
+                          <p:cTn id="19" fill="hold">
+                            <p:stCondLst>
+                              <p:cond delay="0"/>
+                            </p:stCondLst>
+                            <p:childTnLst>
+                              <p:par>
+                                <p:cTn id="20" presetID="22" presetClass="entr" presetSubtype="8" fill="hold" nodeType="clickEffect">
+                                  <p:stCondLst>
+                                    <p:cond delay="0"/>
+                                  </p:stCondLst>
+                                  <p:childTnLst>
+                                    <p:set>
+                                      <p:cBhvr>
+                                        <p:cTn id="21" dur="1" fill="hold">
+                                          <p:stCondLst>
+                                            <p:cond delay="0"/>
+                                          </p:stCondLst>
+                                        </p:cTn>
+                                        <p:tgtEl>
+                                          <p:spTgt spid="3">
+                                            <p:txEl>
+                                              <p:pRg st="1" end="1"/>
+                                            </p:txEl>
+                                          </p:spTgt>
+                                        </p:tgtEl>
+                                        <p:attrNameLst>
+                                          <p:attrName>style.visibility</p:attrName>
+                                        </p:attrNameLst>
+                                      </p:cBhvr>
+                                      <p:to>
+                                        <p:strVal val="visible"/>
+                                      </p:to>
+                                    </p:set>
+                                    <p:animEffect transition="in" filter="wipe(left)">
+                                      <p:cBhvr>
+                                        <p:cTn id="22" dur="500"/>
+                                        <p:tgtEl>
+                                          <p:spTgt spid="3">
+                                            <p:txEl>
+                                              <p:pRg st="1" end="1"/>
+                                            </p:txEl>
+                                          </p:spTgt>
+                                        </p:tgtEl>
+                                      </p:cBhvr>
+                                    </p:animEffect>
+                                  </p:childTnLst>
+                                </p:cTn>
+                              </p:par>
+                            </p:childTnLst>
+                          </p:cTn>
+                        </p:par>
+                      </p:childTnLst>
+                    </p:cTn>
+                  </p:par>
+                  <p:par>
+                    <p:cTn id="23" fill="hold">
+                      <p:stCondLst>
+                        <p:cond delay="indefinite"/>
+                      </p:stCondLst>
+                      <p:childTnLst>
+                        <p:par>
+                          <p:cTn id="24" fill="hold">
+                            <p:stCondLst>
+                              <p:cond delay="0"/>
+                            </p:stCondLst>
+                            <p:childTnLst>
+                              <p:par>
+                                <p:cTn id="25" presetID="22" presetClass="entr" presetSubtype="8" fill="hold" nodeType="clickEffect">
+                                  <p:stCondLst>
+                                    <p:cond delay="0"/>
+                                  </p:stCondLst>
+                                  <p:childTnLst>
+                                    <p:set>
+                                      <p:cBhvr>
+                                        <p:cTn id="26" dur="1" fill="hold">
+                                          <p:stCondLst>
+                                            <p:cond delay="0"/>
+                                          </p:stCondLst>
+                                        </p:cTn>
+                                        <p:tgtEl>
+                                          <p:spTgt spid="3">
+                                            <p:txEl>
+                                              <p:pRg st="2" end="2"/>
+                                            </p:txEl>
+                                          </p:spTgt>
+                                        </p:tgtEl>
+                                        <p:attrNameLst>
+                                          <p:attrName>style.visibility</p:attrName>
+                                        </p:attrNameLst>
+                                      </p:cBhvr>
+                                      <p:to>
+                                        <p:strVal val="visible"/>
+                                      </p:to>
+                                    </p:set>
+                                    <p:animEffect transition="in" filter="wipe(left)">
+                                      <p:cBhvr>
+                                        <p:cTn id="27" dur="500"/>
+                                        <p:tgtEl>
+                                          <p:spTgt spid="3">
+                                            <p:txEl>
+                                              <p:pRg st="2" end="2"/>
+                                            </p:txEl>
+                                          </p:spTgt>
+                                        </p:tgtEl>
+                                      </p:cBhvr>
+                                    </p:animEffect>
+                                  </p:childTnLst>
+                                </p:cTn>
+                              </p:par>
+                            </p:childTnLst>
+                          </p:cTn>
+                        </p:par>
+                      </p:childTnLst>
+                    </p:cTn>
+                  </p:par>
+                  <p:par>
+                    <p:cTn id="28" fill="hold">
+                      <p:stCondLst>
+                        <p:cond delay="indefinite"/>
+                      </p:stCondLst>
+                      <p:childTnLst>
+                        <p:par>
+                          <p:cTn id="29" fill="hold">
+                            <p:stCondLst>
+                              <p:cond delay="0"/>
+                            </p:stCondLst>
+                            <p:childTnLst>
+                              <p:par>
+                                <p:cTn id="30" presetID="22" presetClass="entr" presetSubtype="8" fill="hold" nodeType="clickEffect">
+                                  <p:stCondLst>
+                                    <p:cond delay="0"/>
+                                  </p:stCondLst>
+                                  <p:childTnLst>
+                                    <p:set>
+                                      <p:cBhvr>
+                                        <p:cTn id="31" dur="1" fill="hold">
+                                          <p:stCondLst>
+                                            <p:cond delay="0"/>
+                                          </p:stCondLst>
+                                        </p:cTn>
+                                        <p:tgtEl>
+                                          <p:spTgt spid="3">
+                                            <p:txEl>
+                                              <p:pRg st="3" end="3"/>
+                                            </p:txEl>
+                                          </p:spTgt>
+                                        </p:tgtEl>
+                                        <p:attrNameLst>
+                                          <p:attrName>style.visibility</p:attrName>
+                                        </p:attrNameLst>
+                                      </p:cBhvr>
+                                      <p:to>
+                                        <p:strVal val="visible"/>
+                                      </p:to>
+                                    </p:set>
+                                    <p:animEffect transition="in" filter="wipe(left)">
+                                      <p:cBhvr>
+                                        <p:cTn id="32" dur="500"/>
+                                        <p:tgtEl>
+                                          <p:spTgt spid="3">
+                                            <p:txEl>
+                                              <p:pRg st="3" end="3"/>
+                                            </p:txEl>
+                                          </p:spTgt>
+                                        </p:tgtEl>
+                                      </p:cBhvr>
+                                    </p:animEffect>
+                                  </p:childTnLst>
+                                </p:cTn>
+                              </p:par>
+                            </p:childTnLst>
+                          </p:cTn>
+                        </p:par>
+                      </p:childTnLst>
+                    </p:cTn>
+                  </p:par>
+                </p:childTnLst>
+              </p:cTn>
+              <p:prevCondLst>
+                <p:cond evt="onPrev" delay="0">
+                  <p:tgtEl>
+                    <p:sldTgt/>
+                  </p:tgtEl>
+                </p:cond>
+              </p:prevCondLst>
+              <p:nextCondLst>
+                <p:cond evt="onNext" delay="0">
+                  <p:tgtEl>
+                    <p:sldTgt/>
+                  </p:tgtEl>
+                </p:cond>
+              </p:nextCondLst>
+            </p:seq>
+          </p:childTnLst>
+        </p:cTn>
       </p:par>
     </p:tnLst>
+    <p:bldLst>
+      <p:bldP spid="2" grpId="0"/>
+    </p:bldLst>
   </p:timing>
 </p:sld>
 </file>
@@ -9209,7 +15054,7 @@
       </p:sp>
       <p:pic>
         <p:nvPicPr>
-          <p:cNvPr id="6" name="Chỗ dành sẵn cho Nội dung 5"/>
+          <p:cNvPr id="5" name="Chỗ dành sẵn cho Nội dung 4"/>
           <p:cNvPicPr>
             <a:picLocks noGrp="1" noChangeAspect="1"/>
           </p:cNvPicPr>
@@ -9231,14 +15076,14 @@
         </p:blipFill>
         <p:spPr>
           <a:xfrm>
-            <a:off x="1176866" y="2394705"/>
-            <a:ext cx="6665100" cy="3565828"/>
+            <a:off x="1176864" y="2799092"/>
+            <a:ext cx="6798735" cy="2828483"/>
           </a:xfrm>
         </p:spPr>
       </p:pic>
       <p:sp>
         <p:nvSpPr>
-          <p:cNvPr id="7" name="Chỗ dành sẵn cho Chân trang 3"/>
+          <p:cNvPr id="6" name="Chỗ dành sẵn cho Chân trang 3"/>
           <p:cNvSpPr>
             <a:spLocks noGrp="1"/>
           </p:cNvSpPr>
@@ -9283,7 +15128,7 @@
     </p:spTree>
     <p:extLst>
       <p:ext uri="{BB962C8B-B14F-4D97-AF65-F5344CB8AC3E}">
-        <p14:creationId xmlns:p14="http://schemas.microsoft.com/office/powerpoint/2010/main" val="3064566080"/>
+        <p14:creationId xmlns:p14="http://schemas.microsoft.com/office/powerpoint/2010/main" val="3687229039"/>
       </p:ext>
     </p:extLst>
   </p:cSld>
@@ -9348,7 +15193,7 @@
       </p:sp>
       <p:pic>
         <p:nvPicPr>
-          <p:cNvPr id="8" name="Chỗ dành sẵn cho Nội dung 7"/>
+          <p:cNvPr id="6" name="Chỗ dành sẵn cho Nội dung 5"/>
           <p:cNvPicPr>
             <a:picLocks noGrp="1" noChangeAspect="1"/>
           </p:cNvPicPr>
@@ -9370,14 +15215,14 @@
         </p:blipFill>
         <p:spPr>
           <a:xfrm>
-            <a:off x="18256" y="3009900"/>
-            <a:ext cx="9131704" cy="1847849"/>
+            <a:off x="1176866" y="2394705"/>
+            <a:ext cx="6665100" cy="3565828"/>
           </a:xfrm>
         </p:spPr>
       </p:pic>
       <p:sp>
         <p:nvSpPr>
-          <p:cNvPr id="9" name="Chỗ dành sẵn cho Chân trang 3"/>
+          <p:cNvPr id="7" name="Chỗ dành sẵn cho Chân trang 3"/>
           <p:cNvSpPr>
             <a:spLocks noGrp="1"/>
           </p:cNvSpPr>
@@ -9422,7 +15267,7 @@
     </p:spTree>
     <p:extLst>
       <p:ext uri="{BB962C8B-B14F-4D97-AF65-F5344CB8AC3E}">
-        <p14:creationId xmlns:p14="http://schemas.microsoft.com/office/powerpoint/2010/main" val="5722220"/>
+        <p14:creationId xmlns:p14="http://schemas.microsoft.com/office/powerpoint/2010/main" val="3064566080"/>
       </p:ext>
     </p:extLst>
   </p:cSld>
@@ -9456,9 +15301,82 @@
           <a:chExt cx="0" cy="0"/>
         </a:xfrm>
       </p:grpSpPr>
+      <p:sp>
+        <p:nvSpPr>
+          <p:cNvPr id="2" name="Tiêu đề 1"/>
+          <p:cNvSpPr>
+            <a:spLocks noGrp="1"/>
+          </p:cNvSpPr>
+          <p:nvPr>
+            <p:ph type="title"/>
+          </p:nvPr>
+        </p:nvSpPr>
+        <p:spPr/>
+        <p:txBody>
+          <a:bodyPr/>
+          <a:lstStyle/>
+          <a:p>
+            <a:r>
+              <a:rPr lang="vi-VN" smtClean="0">
+                <a:latin typeface="Segoe UI" panose="020B0502040204020203" pitchFamily="34" charset="0"/>
+                <a:cs typeface="Segoe UI" panose="020B0502040204020203" pitchFamily="34" charset="0"/>
+              </a:rPr>
+              <a:t>Iconic Tile</a:t>
+            </a:r>
+            <a:endParaRPr lang="en-US">
+              <a:latin typeface="Segoe UI" panose="020B0502040204020203" pitchFamily="34" charset="0"/>
+              <a:cs typeface="Segoe UI" panose="020B0502040204020203" pitchFamily="34" charset="0"/>
+            </a:endParaRPr>
+          </a:p>
+        </p:txBody>
+      </p:sp>
+      <p:sp>
+        <p:nvSpPr>
+          <p:cNvPr id="9" name="Chỗ dành sẵn cho Chân trang 3"/>
+          <p:cNvSpPr>
+            <a:spLocks noGrp="1"/>
+          </p:cNvSpPr>
+          <p:nvPr>
+            <p:ph type="ftr" sz="quarter" idx="11"/>
+          </p:nvPr>
+        </p:nvSpPr>
+        <p:spPr>
+          <a:xfrm>
+            <a:off x="0" y="6578600"/>
+            <a:ext cx="4064860" cy="279400"/>
+          </a:xfrm>
+        </p:spPr>
+        <p:txBody>
+          <a:bodyPr/>
+          <a:lstStyle/>
+          <a:p>
+            <a:r>
+              <a:rPr lang="en-US" i="1" smtClean="0">
+                <a:solidFill>
+                  <a:schemeClr val="bg2">
+                    <a:lumMod val="75000"/>
+                  </a:schemeClr>
+                </a:solidFill>
+                <a:latin typeface="Segoe UI" panose="020B0502040204020203" pitchFamily="34" charset="0"/>
+                <a:cs typeface="Segoe UI" panose="020B0502040204020203" pitchFamily="34" charset="0"/>
+              </a:rPr>
+              <a:t>Nhập môn phần mềm và hệ thống nhúng - SE114.G13</a:t>
+            </a:r>
+            <a:endParaRPr lang="en-US" i="1">
+              <a:solidFill>
+                <a:schemeClr val="bg2">
+                  <a:lumMod val="75000"/>
+                </a:schemeClr>
+              </a:solidFill>
+              <a:latin typeface="Segoe UI" panose="020B0502040204020203" pitchFamily="34" charset="0"/>
+              <a:cs typeface="Segoe UI" panose="020B0502040204020203" pitchFamily="34" charset="0"/>
+            </a:endParaRPr>
+          </a:p>
+        </p:txBody>
+      </p:sp>
       <p:pic>
         <p:nvPicPr>
-          <p:cNvPr id="5" name="Chỗ dành sẵn cho Nội dung 4"/>
+          <p:cNvPr id="4" name="Chỗ dành sẵn cho Nội dung 3"/>
           <p:cNvPicPr>
             <a:picLocks noGrp="1" noChangeAspect="1"/>
           </p:cNvPicPr>
@@ -9480,95 +15398,15 @@
         </p:blipFill>
         <p:spPr>
           <a:xfrm>
-            <a:off x="0" y="1361586"/>
-            <a:ext cx="9144000" cy="5217014"/>
+            <a:off x="0" y="2835965"/>
+            <a:ext cx="9103051" cy="1842051"/>
           </a:xfrm>
         </p:spPr>
       </p:pic>
-      <p:sp>
-        <p:nvSpPr>
-          <p:cNvPr id="9" name="Chỗ dành sẵn cho Chân trang 3"/>
-          <p:cNvSpPr>
-            <a:spLocks noGrp="1"/>
-          </p:cNvSpPr>
-          <p:nvPr>
-            <p:ph type="ftr" sz="quarter" idx="11"/>
-          </p:nvPr>
-        </p:nvSpPr>
-        <p:spPr>
-          <a:xfrm>
-            <a:off x="0" y="6578600"/>
-            <a:ext cx="4064860" cy="279400"/>
-          </a:xfrm>
-        </p:spPr>
-        <p:txBody>
-          <a:bodyPr/>
-          <a:lstStyle/>
-          <a:p>
-            <a:r>
-              <a:rPr lang="en-US" i="1" smtClean="0">
-                <a:solidFill>
-                  <a:schemeClr val="bg2">
-                    <a:lumMod val="75000"/>
-                  </a:schemeClr>
-                </a:solidFill>
-                <a:latin typeface="Segoe UI" panose="020B0502040204020203" pitchFamily="34" charset="0"/>
-                <a:cs typeface="Segoe UI" panose="020B0502040204020203" pitchFamily="34" charset="0"/>
-              </a:rPr>
-              <a:t>Nhập môn phần mềm và hệ thống nhúng - SE114.G13</a:t>
-            </a:r>
-            <a:endParaRPr lang="en-US" i="1">
-              <a:solidFill>
-                <a:schemeClr val="bg2">
-                  <a:lumMod val="75000"/>
-                </a:schemeClr>
-              </a:solidFill>
-              <a:latin typeface="Segoe UI" panose="020B0502040204020203" pitchFamily="34" charset="0"/>
-              <a:cs typeface="Segoe UI" panose="020B0502040204020203" pitchFamily="34" charset="0"/>
-            </a:endParaRPr>
-          </a:p>
-        </p:txBody>
-      </p:sp>
-      <p:sp>
-        <p:nvSpPr>
-          <p:cNvPr id="7" name="Hộp Văn bản 6"/>
-          <p:cNvSpPr txBox="1"/>
-          <p:nvPr/>
-        </p:nvSpPr>
-        <p:spPr>
-          <a:xfrm>
-            <a:off x="3242149" y="592145"/>
-            <a:ext cx="2659702" cy="769441"/>
-          </a:xfrm>
-          <a:prstGeom prst="rect">
-            <a:avLst/>
-          </a:prstGeom>
-          <a:noFill/>
-        </p:spPr>
-        <p:txBody>
-          <a:bodyPr wrap="none" rtlCol="0">
-            <a:spAutoFit/>
-          </a:bodyPr>
-          <a:lstStyle/>
-          <a:p>
-            <a:r>
-              <a:rPr lang="vi-VN" sz="4400" smtClean="0">
-                <a:latin typeface="Segoe UI" panose="020B0502040204020203" pitchFamily="34" charset="0"/>
-                <a:cs typeface="Segoe UI" panose="020B0502040204020203" pitchFamily="34" charset="0"/>
-              </a:rPr>
-              <a:t>Iconic Tile</a:t>
-            </a:r>
-            <a:endParaRPr lang="en-US" sz="4400">
-              <a:latin typeface="Segoe UI" panose="020B0502040204020203" pitchFamily="34" charset="0"/>
-              <a:cs typeface="Segoe UI" panose="020B0502040204020203" pitchFamily="34" charset="0"/>
-            </a:endParaRPr>
-          </a:p>
-        </p:txBody>
-      </p:sp>
     </p:spTree>
     <p:extLst>
       <p:ext uri="{BB962C8B-B14F-4D97-AF65-F5344CB8AC3E}">
-        <p14:creationId xmlns:p14="http://schemas.microsoft.com/office/powerpoint/2010/main" val="3729420360"/>
+        <p14:creationId xmlns:p14="http://schemas.microsoft.com/office/powerpoint/2010/main" val="5722220"/>
       </p:ext>
     </p:extLst>
   </p:cSld>
